--- a/lectures3/Pythonlearn-12-HTTP.pptx
+++ b/lectures3/Pythonlearn-12-HTTP.pptx
@@ -30069,13 +30069,13 @@
               <a:buNone/>
             </a:pPr>
             <a:r>
-              <a:rPr lang="en-US" sz="7600" b="1" i="0" u="none" strike="noStrike" cap="none">
+              <a:rPr lang="en-US" sz="7600" u="none" strike="noStrike" cap="none">
                 <a:solidFill>
                   <a:srgbClr val="FFD966"/>
                 </a:solidFill>
-                <a:latin typeface="Cabin"/>
-                <a:ea typeface="Cabin"/>
-                <a:cs typeface="Cabin"/>
+                <a:latin typeface="Arial" charset="0"/>
+                <a:ea typeface="Arial" charset="0"/>
+                <a:cs typeface="Arial" charset="0"/>
                 <a:sym typeface="Cabin"/>
               </a:rPr>
               <a:t>Networked Programs</a:t>
@@ -30130,13 +30130,13 @@
               <a:buNone/>
             </a:pPr>
             <a:r>
-              <a:rPr lang="en-US" sz="4800" b="0" i="0" u="none" strike="noStrike" cap="none">
+              <a:rPr lang="en-US" sz="4800" u="none" strike="noStrike" cap="none">
                 <a:solidFill>
                   <a:schemeClr val="lt1"/>
                 </a:solidFill>
-                <a:latin typeface="Cabin"/>
-                <a:ea typeface="Cabin"/>
-                <a:cs typeface="Cabin"/>
+                <a:latin typeface="Arial" charset="0"/>
+                <a:ea typeface="Arial" charset="0"/>
+                <a:cs typeface="Arial" charset="0"/>
                 <a:sym typeface="Cabin"/>
               </a:rPr>
               <a:t>Chapter 12</a:t>
@@ -30187,13 +30187,13 @@
               <a:buNone/>
             </a:pPr>
             <a:r>
-              <a:rPr lang="en-US" sz="3200" b="0" i="0" u="none" strike="noStrike" cap="none">
+              <a:rPr lang="en-US" sz="3200" u="none" strike="noStrike" cap="none">
                 <a:solidFill>
                   <a:srgbClr val="FFFF00"/>
                 </a:solidFill>
-                <a:latin typeface="Cabin"/>
-                <a:ea typeface="Cabin"/>
-                <a:cs typeface="Cabin"/>
+                <a:latin typeface="Arial" charset="0"/>
+                <a:ea typeface="Arial" charset="0"/>
+                <a:cs typeface="Arial" charset="0"/>
                 <a:sym typeface="Cabin"/>
               </a:rPr>
               <a:t>Python for Informatics: Exploring Information</a:t>
@@ -30218,13 +30218,13 @@
               <a:buNone/>
             </a:pPr>
             <a:r>
-              <a:rPr lang="en-US" sz="3200" b="0" i="0" u="sng" strike="noStrike" cap="none">
+              <a:rPr lang="en-US" sz="3200" u="sng" strike="noStrike" cap="none">
                 <a:solidFill>
                   <a:srgbClr val="FFFF00"/>
                 </a:solidFill>
-                <a:latin typeface="Cabin"/>
-                <a:ea typeface="Cabin"/>
-                <a:cs typeface="Cabin"/>
+                <a:latin typeface="Arial" charset="0"/>
+                <a:ea typeface="Arial" charset="0"/>
+                <a:cs typeface="Arial" charset="0"/>
                 <a:sym typeface="Cabin"/>
                 <a:hlinkClick r:id="rId3"/>
               </a:rPr>
@@ -30235,22 +30235,22 @@
                 <a:solidFill>
                   <a:srgbClr val="FFFF00"/>
                 </a:solidFill>
-                <a:latin typeface="Cabin"/>
-                <a:ea typeface="Cabin"/>
-                <a:cs typeface="Cabin"/>
+                <a:latin typeface="Arial" charset="0"/>
+                <a:ea typeface="Arial" charset="0"/>
+                <a:cs typeface="Arial" charset="0"/>
                 <a:sym typeface="Cabin"/>
                 <a:hlinkClick r:id="rId3"/>
               </a:rPr>
               <a:t>pythonlearn</a:t>
             </a:r>
             <a:r>
-              <a:rPr lang="en-US" sz="3200" b="0" i="0" u="sng" strike="noStrike" cap="none">
+              <a:rPr lang="en-US" sz="3200" u="sng" strike="noStrike" cap="none">
                 <a:solidFill>
                   <a:srgbClr val="FFFF00"/>
                 </a:solidFill>
-                <a:latin typeface="Cabin"/>
-                <a:ea typeface="Cabin"/>
-                <a:cs typeface="Cabin"/>
+                <a:latin typeface="Arial" charset="0"/>
+                <a:ea typeface="Arial" charset="0"/>
+                <a:cs typeface="Arial" charset="0"/>
                 <a:sym typeface="Cabin"/>
                 <a:hlinkClick r:id="rId3"/>
               </a:rPr>
@@ -30412,13 +30412,13 @@
               <a:buNone/>
             </a:pPr>
             <a:r>
-              <a:rPr lang="en-US" sz="7600" b="1" i="0" u="none" strike="noStrike" cap="none">
+              <a:rPr lang="en-US" sz="7600" u="none" strike="noStrike" cap="none">
                 <a:solidFill>
                   <a:srgbClr val="FFD966"/>
                 </a:solidFill>
-                <a:latin typeface="Cabin"/>
-                <a:ea typeface="Cabin"/>
-                <a:cs typeface="Cabin"/>
+                <a:latin typeface="Arial" charset="0"/>
+                <a:ea typeface="Arial" charset="0"/>
+                <a:cs typeface="Arial" charset="0"/>
                 <a:sym typeface="Cabin"/>
               </a:rPr>
               <a:t>Common TCP Ports</a:t>
@@ -30469,26 +30469,26 @@
               <a:buNone/>
             </a:pPr>
             <a:r>
-              <a:rPr lang="en-US" sz="3000" b="0" i="0" u="sng" strike="noStrike" cap="none">
+              <a:rPr lang="en-US" sz="3000" u="sng" strike="noStrike" cap="none">
                 <a:solidFill>
                   <a:srgbClr val="FFFF00"/>
                 </a:solidFill>
-                <a:latin typeface="Cabin"/>
-                <a:ea typeface="Cabin"/>
-                <a:cs typeface="Cabin"/>
+                <a:latin typeface="Arial" charset="0"/>
+                <a:ea typeface="Arial" charset="0"/>
+                <a:cs typeface="Arial" charset="0"/>
                 <a:sym typeface="Cabin"/>
                 <a:hlinkClick r:id="rId4"/>
               </a:rPr>
               <a:t>http://en.wikipedia.org/wiki/List_of_TCP_and_UDP_port_numbers</a:t>
             </a:r>
             <a:r>
-              <a:rPr lang="en-US" sz="3000" b="0" i="0" u="none" strike="noStrike" cap="none">
+              <a:rPr lang="en-US" sz="3000" u="none" strike="noStrike" cap="none">
                 <a:solidFill>
                   <a:srgbClr val="FFFF00"/>
                 </a:solidFill>
-                <a:latin typeface="Cabin"/>
-                <a:ea typeface="Cabin"/>
-                <a:cs typeface="Cabin"/>
+                <a:latin typeface="Arial" charset="0"/>
+                <a:ea typeface="Arial" charset="0"/>
+                <a:cs typeface="Arial" charset="0"/>
                 <a:sym typeface="Cabin"/>
               </a:rPr>
               <a:t> </a:t>
@@ -30591,13 +30591,13 @@
               <a:buNone/>
             </a:pPr>
             <a:r>
-              <a:rPr lang="en-US" sz="3600" b="0" i="0" u="none" strike="noStrike" cap="none">
+              <a:rPr lang="en-US" sz="3600" u="none" strike="noStrike" cap="none">
                 <a:solidFill>
                   <a:srgbClr val="00FF00"/>
                 </a:solidFill>
-                <a:latin typeface="Cabin"/>
-                <a:ea typeface="Cabin"/>
-                <a:cs typeface="Cabin"/>
+                <a:latin typeface="Arial" charset="0"/>
+                <a:ea typeface="Arial" charset="0"/>
+                <a:cs typeface="Arial" charset="0"/>
                 <a:sym typeface="Cabin"/>
               </a:rPr>
               <a:t>Sometimes we see the port number in the URL if the web server is running on a </a:t>
@@ -30607,21 +30607,21 @@
                 <a:solidFill>
                   <a:srgbClr val="00FF00"/>
                 </a:solidFill>
-                <a:latin typeface="Cabin"/>
-                <a:ea typeface="Cabin"/>
-                <a:cs typeface="Cabin"/>
+                <a:latin typeface="Arial" charset="0"/>
+                <a:ea typeface="Arial" charset="0"/>
+                <a:cs typeface="Arial" charset="0"/>
                 <a:sym typeface="Cabin"/>
               </a:rPr>
               <a:t>“</a:t>
             </a:r>
             <a:r>
-              <a:rPr lang="en-US" sz="3600" b="0" i="0" u="none" strike="noStrike" cap="none">
+              <a:rPr lang="en-US" sz="3600" u="none" strike="noStrike" cap="none">
                 <a:solidFill>
                   <a:srgbClr val="00FF00"/>
                 </a:solidFill>
-                <a:latin typeface="Cabin"/>
-                <a:ea typeface="Cabin"/>
-                <a:cs typeface="Cabin"/>
+                <a:latin typeface="Arial" charset="0"/>
+                <a:ea typeface="Arial" charset="0"/>
+                <a:cs typeface="Arial" charset="0"/>
                 <a:sym typeface="Cabin"/>
               </a:rPr>
               <a:t>non-standard</a:t>
@@ -30631,21 +30631,21 @@
                 <a:solidFill>
                   <a:srgbClr val="00FF00"/>
                 </a:solidFill>
-                <a:latin typeface="Cabin"/>
-                <a:ea typeface="Cabin"/>
-                <a:cs typeface="Cabin"/>
+                <a:latin typeface="Arial" charset="0"/>
+                <a:ea typeface="Arial" charset="0"/>
+                <a:cs typeface="Arial" charset="0"/>
                 <a:sym typeface="Cabin"/>
               </a:rPr>
               <a:t>”</a:t>
             </a:r>
             <a:r>
-              <a:rPr lang="en-US" sz="3600" b="0" i="0" u="none" strike="noStrike" cap="none">
+              <a:rPr lang="en-US" sz="3600" u="none" strike="noStrike" cap="none">
                 <a:solidFill>
                   <a:srgbClr val="00FF00"/>
                 </a:solidFill>
-                <a:latin typeface="Cabin"/>
-                <a:ea typeface="Cabin"/>
-                <a:cs typeface="Cabin"/>
+                <a:latin typeface="Arial" charset="0"/>
+                <a:ea typeface="Arial" charset="0"/>
+                <a:cs typeface="Arial" charset="0"/>
                 <a:sym typeface="Cabin"/>
               </a:rPr>
               <a:t> port.</a:t>
@@ -30771,13 +30771,13 @@
               <a:buNone/>
             </a:pPr>
             <a:r>
-              <a:rPr lang="en-US" sz="7800" b="1" i="0" u="none" strike="noStrike" cap="none">
+              <a:rPr lang="en-US" sz="7800" u="none" strike="noStrike" cap="none">
                 <a:solidFill>
                   <a:srgbClr val="FFD966"/>
                 </a:solidFill>
-                <a:latin typeface="Cabin"/>
-                <a:ea typeface="Cabin"/>
-                <a:cs typeface="Cabin"/>
+                <a:latin typeface="Arial" charset="0"/>
+                <a:ea typeface="Arial" charset="0"/>
+                <a:cs typeface="Arial" charset="0"/>
                 <a:sym typeface="Cabin"/>
               </a:rPr>
               <a:t>Sockets in Python</a:t>
@@ -30828,13 +30828,13 @@
               <a:buFont typeface="Cabin"/>
             </a:pPr>
             <a:r>
-              <a:rPr lang="en-US" sz="3800" b="0" i="0" u="none" strike="noStrike" cap="none">
+              <a:rPr lang="en-US" sz="3800" u="none" strike="noStrike" cap="none">
                 <a:solidFill>
                   <a:schemeClr val="lt1"/>
                 </a:solidFill>
-                <a:latin typeface="Cabin"/>
-                <a:ea typeface="Cabin"/>
-                <a:cs typeface="Cabin"/>
+                <a:latin typeface="Arial" charset="0"/>
+                <a:ea typeface="Arial" charset="0"/>
+                <a:cs typeface="Arial" charset="0"/>
                 <a:sym typeface="Cabin"/>
               </a:rPr>
               <a:t>Python has built-in support for TCP Sockets</a:t>
@@ -31052,13 +31052,13 @@
               <a:buNone/>
             </a:pPr>
             <a:r>
-              <a:rPr lang="en-US" sz="3000" b="0" i="0" u="sng" strike="noStrike" cap="none">
+              <a:rPr lang="en-US" sz="3000" u="sng" strike="noStrike" cap="none">
                 <a:solidFill>
                   <a:srgbClr val="FFFF00"/>
                 </a:solidFill>
-                <a:latin typeface="Cabin"/>
-                <a:ea typeface="Cabin"/>
-                <a:cs typeface="Cabin"/>
+                <a:latin typeface="Arial" charset="0"/>
+                <a:ea typeface="Arial" charset="0"/>
+                <a:cs typeface="Arial" charset="0"/>
                 <a:sym typeface="Cabin"/>
                 <a:hlinkClick r:id="rId3"/>
               </a:rPr>
@@ -31110,13 +31110,13 @@
               <a:buNone/>
             </a:pPr>
             <a:r>
-              <a:rPr lang="en-US" sz="3800" b="0" i="0" u="none" strike="noStrike" cap="none">
+              <a:rPr lang="en-US" sz="3800" u="none" strike="noStrike" cap="none">
                 <a:solidFill>
                   <a:srgbClr val="FF00FF"/>
                 </a:solidFill>
-                <a:latin typeface="Cabin"/>
-                <a:ea typeface="Cabin"/>
-                <a:cs typeface="Cabin"/>
+                <a:latin typeface="Arial" charset="0"/>
+                <a:ea typeface="Arial" charset="0"/>
+                <a:cs typeface="Arial" charset="0"/>
                 <a:sym typeface="Cabin"/>
               </a:rPr>
               <a:t>Host</a:t>
@@ -31167,13 +31167,13 @@
               <a:buNone/>
             </a:pPr>
             <a:r>
-              <a:rPr lang="en-US" sz="3800" b="0" i="0" u="none" strike="noStrike" cap="none">
+              <a:rPr lang="en-US" sz="3800" u="none" strike="noStrike" cap="none">
                 <a:solidFill>
                   <a:srgbClr val="00FF00"/>
                 </a:solidFill>
-                <a:latin typeface="Cabin"/>
-                <a:ea typeface="Cabin"/>
-                <a:cs typeface="Cabin"/>
+                <a:latin typeface="Arial" charset="0"/>
+                <a:ea typeface="Arial" charset="0"/>
+                <a:cs typeface="Arial" charset="0"/>
                 <a:sym typeface="Cabin"/>
               </a:rPr>
               <a:t>Port</a:t>
@@ -31301,13 +31301,13 @@
               <a:buNone/>
             </a:pPr>
             <a:r>
-              <a:rPr lang="en-US" sz="3400" b="0" i="0" u="sng" strike="noStrike" cap="none">
+              <a:rPr lang="en-US" sz="3400" u="sng" strike="noStrike" cap="none">
                 <a:solidFill>
                   <a:srgbClr val="FFFF00"/>
                 </a:solidFill>
-                <a:latin typeface="Cabin"/>
-                <a:ea typeface="Cabin"/>
-                <a:cs typeface="Cabin"/>
+                <a:latin typeface="Arial" charset="0"/>
+                <a:ea typeface="Arial" charset="0"/>
+                <a:cs typeface="Arial" charset="0"/>
                 <a:sym typeface="Cabin"/>
                 <a:hlinkClick r:id="rId3"/>
               </a:rPr>
@@ -31415,13 +31415,13 @@
               <a:buNone/>
             </a:pPr>
             <a:r>
-              <a:rPr lang="en-US" sz="7600" b="1" i="0" u="none" strike="noStrike" cap="none">
+              <a:rPr lang="en-US" sz="7600" u="none" strike="noStrike" cap="none">
                 <a:solidFill>
                   <a:srgbClr val="FFD966"/>
                 </a:solidFill>
-                <a:latin typeface="Cabin"/>
-                <a:ea typeface="Cabin"/>
-                <a:cs typeface="Cabin"/>
+                <a:latin typeface="Arial" charset="0"/>
+                <a:ea typeface="Arial" charset="0"/>
+                <a:cs typeface="Arial" charset="0"/>
                 <a:sym typeface="Cabin"/>
               </a:rPr>
               <a:t>Application Protocol </a:t>
@@ -31472,37 +31472,37 @@
               <a:buFont typeface="Cabin"/>
             </a:pPr>
             <a:r>
-              <a:rPr lang="en-US" sz="3400" b="0" i="0" u="none" strike="noStrike" cap="none">
+              <a:rPr lang="en-US" sz="3400" u="none" strike="noStrike" cap="none">
                 <a:solidFill>
                   <a:schemeClr val="lt1"/>
                 </a:solidFill>
-                <a:latin typeface="Cabin"/>
-                <a:ea typeface="Cabin"/>
-                <a:cs typeface="Cabin"/>
+                <a:latin typeface="Arial" charset="0"/>
+                <a:ea typeface="Arial" charset="0"/>
+                <a:cs typeface="Arial" charset="0"/>
                 <a:sym typeface="Cabin"/>
               </a:rPr>
               <a:t>Since TCP (and Python) gives us a reliable </a:t>
             </a:r>
             <a:r>
-              <a:rPr lang="en-US" sz="3400" b="0" i="0" u="none" strike="noStrike" cap="none">
+              <a:rPr lang="en-US" sz="3400" u="none" strike="noStrike" cap="none">
                 <a:solidFill>
                   <a:srgbClr val="FFFF00"/>
                 </a:solidFill>
-                <a:latin typeface="Cabin"/>
-                <a:ea typeface="Cabin"/>
-                <a:cs typeface="Cabin"/>
+                <a:latin typeface="Arial" charset="0"/>
+                <a:ea typeface="Arial" charset="0"/>
+                <a:cs typeface="Arial" charset="0"/>
                 <a:sym typeface="Cabin"/>
               </a:rPr>
               <a:t>socket</a:t>
             </a:r>
             <a:r>
-              <a:rPr lang="en-US" sz="3400" b="0" i="0" u="none" strike="noStrike" cap="none">
+              <a:rPr lang="en-US" sz="3400" u="none" strike="noStrike" cap="none">
                 <a:solidFill>
                   <a:schemeClr val="lt1"/>
                 </a:solidFill>
-                <a:latin typeface="Cabin"/>
-                <a:ea typeface="Cabin"/>
-                <a:cs typeface="Cabin"/>
+                <a:latin typeface="Arial" charset="0"/>
+                <a:ea typeface="Arial" charset="0"/>
+                <a:cs typeface="Arial" charset="0"/>
                 <a:sym typeface="Cabin"/>
               </a:rPr>
               <a:t>, what </a:t>
@@ -31512,45 +31512,45 @@
                 <a:solidFill>
                   <a:schemeClr val="lt1"/>
                 </a:solidFill>
-                <a:latin typeface="Cabin"/>
-                <a:ea typeface="Cabin"/>
-                <a:cs typeface="Cabin"/>
+                <a:latin typeface="Arial" charset="0"/>
+                <a:ea typeface="Arial" charset="0"/>
+                <a:cs typeface="Arial" charset="0"/>
                 <a:sym typeface="Cabin"/>
               </a:rPr>
               <a:t>d</a:t>
             </a:r>
             <a:r>
-              <a:rPr lang="en-US" sz="3400" b="0" i="0" u="none" strike="noStrike" cap="none">
+              <a:rPr lang="en-US" sz="3400" u="none" strike="noStrike" cap="none">
                 <a:solidFill>
                   <a:schemeClr val="lt1"/>
                 </a:solidFill>
-                <a:latin typeface="Cabin"/>
-                <a:ea typeface="Cabin"/>
-                <a:cs typeface="Cabin"/>
+                <a:latin typeface="Arial" charset="0"/>
+                <a:ea typeface="Arial" charset="0"/>
+                <a:cs typeface="Arial" charset="0"/>
                 <a:sym typeface="Cabin"/>
               </a:rPr>
               <a:t>o we want to do with the </a:t>
             </a:r>
             <a:r>
-              <a:rPr lang="en-US" sz="3400" b="0" i="0" u="none" strike="noStrike" cap="none">
+              <a:rPr lang="en-US" sz="3400" u="none" strike="noStrike" cap="none">
                 <a:solidFill>
                   <a:srgbClr val="FFFF00"/>
                 </a:solidFill>
-                <a:latin typeface="Cabin"/>
-                <a:ea typeface="Cabin"/>
-                <a:cs typeface="Cabin"/>
+                <a:latin typeface="Arial" charset="0"/>
+                <a:ea typeface="Arial" charset="0"/>
+                <a:cs typeface="Arial" charset="0"/>
                 <a:sym typeface="Cabin"/>
               </a:rPr>
               <a:t>socket</a:t>
             </a:r>
             <a:r>
-              <a:rPr lang="en-US" sz="3400" b="0" i="0" u="none" strike="noStrike" cap="none">
+              <a:rPr lang="en-US" sz="3400" u="none" strike="noStrike" cap="none">
                 <a:solidFill>
                   <a:schemeClr val="lt1"/>
                 </a:solidFill>
-                <a:latin typeface="Cabin"/>
-                <a:ea typeface="Cabin"/>
-                <a:cs typeface="Cabin"/>
+                <a:latin typeface="Arial" charset="0"/>
+                <a:ea typeface="Arial" charset="0"/>
+                <a:cs typeface="Arial" charset="0"/>
                 <a:sym typeface="Cabin"/>
               </a:rPr>
               <a:t>?  What problem do we want to solve?</a:t>
@@ -31571,13 +31571,13 @@
               <a:buFont typeface="Cabin"/>
             </a:pPr>
             <a:r>
-              <a:rPr lang="en-US" sz="3400" b="0" i="0" u="none" strike="noStrike" cap="none">
+              <a:rPr lang="en-US" sz="3400" u="none" strike="noStrike" cap="none">
                 <a:solidFill>
                   <a:schemeClr val="lt1"/>
                 </a:solidFill>
-                <a:latin typeface="Cabin"/>
-                <a:ea typeface="Cabin"/>
-                <a:cs typeface="Cabin"/>
+                <a:latin typeface="Arial" charset="0"/>
+                <a:ea typeface="Arial" charset="0"/>
+                <a:cs typeface="Arial" charset="0"/>
                 <a:sym typeface="Cabin"/>
               </a:rPr>
               <a:t>Application Protocols</a:t>
@@ -31598,13 +31598,13 @@
               <a:buFont typeface="Cabin"/>
             </a:pPr>
             <a:r>
-              <a:rPr lang="en-US" sz="3400" b="0" i="0" u="none" strike="noStrike" cap="none">
+              <a:rPr lang="en-US" sz="3400" u="none" strike="noStrike" cap="none">
                 <a:solidFill>
                   <a:schemeClr val="lt1"/>
                 </a:solidFill>
-                <a:latin typeface="Cabin"/>
-                <a:ea typeface="Cabin"/>
-                <a:cs typeface="Cabin"/>
+                <a:latin typeface="Arial" charset="0"/>
+                <a:ea typeface="Arial" charset="0"/>
+                <a:cs typeface="Arial" charset="0"/>
                 <a:sym typeface="Cabin"/>
               </a:rPr>
               <a:t>Mail</a:t>
@@ -31625,13 +31625,13 @@
               <a:buFont typeface="Cabin"/>
             </a:pPr>
             <a:r>
-              <a:rPr lang="en-US" sz="3400" b="0" i="0" u="none" strike="noStrike" cap="none">
+              <a:rPr lang="en-US" sz="3400" u="none" strike="noStrike" cap="none">
                 <a:solidFill>
                   <a:schemeClr val="lt1"/>
                 </a:solidFill>
-                <a:latin typeface="Cabin"/>
-                <a:ea typeface="Cabin"/>
-                <a:cs typeface="Cabin"/>
+                <a:latin typeface="Arial" charset="0"/>
+                <a:ea typeface="Arial" charset="0"/>
+                <a:cs typeface="Arial" charset="0"/>
                 <a:sym typeface="Cabin"/>
               </a:rPr>
               <a:t>World Wide Web</a:t>
@@ -31756,38 +31756,38 @@
               <a:buNone/>
             </a:pPr>
             <a:r>
-              <a:rPr lang="en-US" sz="2800" b="0" i="0" u="none" strike="noStrike" cap="none">
+              <a:rPr lang="en-US" sz="2800" u="none" strike="noStrike" cap="none">
                 <a:solidFill>
                   <a:schemeClr val="lt1"/>
                 </a:solidFill>
-                <a:latin typeface="Cabin"/>
-                <a:ea typeface="Cabin"/>
-                <a:cs typeface="Cabin"/>
+                <a:latin typeface="Arial" charset="0"/>
+                <a:ea typeface="Arial" charset="0"/>
+                <a:cs typeface="Arial" charset="0"/>
                 <a:sym typeface="Cabin"/>
               </a:rPr>
               <a:t>Source: </a:t>
             </a:r>
             <a:r>
-              <a:rPr lang="en-US" sz="2800" b="0" i="0" u="sng" strike="noStrike" cap="none">
+              <a:rPr lang="en-US" sz="2800" u="sng" strike="noStrike" cap="none">
                 <a:solidFill>
                   <a:srgbClr val="FFFF00"/>
                 </a:solidFill>
-                <a:latin typeface="Cabin"/>
-                <a:ea typeface="Cabin"/>
-                <a:cs typeface="Cabin"/>
+                <a:latin typeface="Arial" charset="0"/>
+                <a:ea typeface="Arial" charset="0"/>
+                <a:cs typeface="Arial" charset="0"/>
                 <a:sym typeface="Cabin"/>
                 <a:hlinkClick r:id="rId4"/>
               </a:rPr>
               <a:t>http://en.wikipedia.org/wiki/Internet_Protocol_Suite</a:t>
             </a:r>
             <a:r>
-              <a:rPr lang="en-US" sz="2800" b="0" i="0" u="none" strike="noStrike" cap="none">
+              <a:rPr lang="en-US" sz="2800" u="none" strike="noStrike" cap="none">
                 <a:solidFill>
                   <a:srgbClr val="FFFF00"/>
                 </a:solidFill>
-                <a:latin typeface="Cabin"/>
-                <a:ea typeface="Cabin"/>
-                <a:cs typeface="Cabin"/>
+                <a:latin typeface="Arial" charset="0"/>
+                <a:ea typeface="Arial" charset="0"/>
+                <a:cs typeface="Arial" charset="0"/>
                 <a:sym typeface="Cabin"/>
               </a:rPr>
               <a:t> </a:t>
@@ -31867,37 +31867,37 @@
               <a:buNone/>
             </a:pPr>
             <a:r>
-              <a:rPr lang="en-US" sz="7600" b="1" i="0" u="none" strike="noStrike" cap="none">
+              <a:rPr lang="en-US" sz="7600" u="none" strike="noStrike" cap="none">
                 <a:solidFill>
                   <a:srgbClr val="FFD966"/>
                 </a:solidFill>
-                <a:latin typeface="Cabin"/>
-                <a:ea typeface="Cabin"/>
-                <a:cs typeface="Cabin"/>
+                <a:latin typeface="Arial" charset="0"/>
+                <a:ea typeface="Arial" charset="0"/>
+                <a:cs typeface="Arial" charset="0"/>
                 <a:sym typeface="Cabin"/>
               </a:rPr>
               <a:t>HTTP - Hypertext Trans</a:t>
             </a:r>
             <a:r>
-              <a:rPr lang="en-US" sz="7600" b="1">
+              <a:rPr lang="en-US" sz="7600">
                 <a:solidFill>
                   <a:srgbClr val="FFD966"/>
                 </a:solidFill>
-                <a:latin typeface="Cabin"/>
-                <a:ea typeface="Cabin"/>
-                <a:cs typeface="Cabin"/>
+                <a:latin typeface="Arial" charset="0"/>
+                <a:ea typeface="Arial" charset="0"/>
+                <a:cs typeface="Arial" charset="0"/>
                 <a:sym typeface="Cabin"/>
               </a:rPr>
               <a:t>fer</a:t>
             </a:r>
             <a:r>
-              <a:rPr lang="en-US" sz="7600" b="1" i="0" u="none" strike="noStrike" cap="none">
+              <a:rPr lang="en-US" sz="7600" u="none" strike="noStrike" cap="none">
                 <a:solidFill>
                   <a:srgbClr val="FFD966"/>
                 </a:solidFill>
-                <a:latin typeface="Cabin"/>
-                <a:ea typeface="Cabin"/>
-                <a:cs typeface="Cabin"/>
+                <a:latin typeface="Arial" charset="0"/>
+                <a:ea typeface="Arial" charset="0"/>
+                <a:cs typeface="Arial" charset="0"/>
                 <a:sym typeface="Cabin"/>
               </a:rPr>
               <a:t> Protocol</a:t>
@@ -31948,13 +31948,13 @@
               <a:buFont typeface="Cabin"/>
             </a:pPr>
             <a:r>
-              <a:rPr lang="en-US" sz="3600" b="0" i="0" u="none" strike="noStrike" cap="none">
+              <a:rPr lang="en-US" sz="3600" u="none" strike="noStrike" cap="none">
                 <a:solidFill>
                   <a:schemeClr val="lt1"/>
                 </a:solidFill>
-                <a:latin typeface="Cabin"/>
-                <a:ea typeface="Cabin"/>
-                <a:cs typeface="Cabin"/>
+                <a:latin typeface="Arial" charset="0"/>
+                <a:ea typeface="Arial" charset="0"/>
+                <a:cs typeface="Arial" charset="0"/>
                 <a:sym typeface="Cabin"/>
               </a:rPr>
               <a:t>The dominant Application Layer Protocol on the Internet</a:t>
@@ -31975,13 +31975,13 @@
               <a:buFont typeface="Cabin"/>
             </a:pPr>
             <a:r>
-              <a:rPr lang="en-US" sz="3600" b="0" i="0" u="none" strike="noStrike" cap="none">
+              <a:rPr lang="en-US" sz="3600" u="none" strike="noStrike" cap="none">
                 <a:solidFill>
                   <a:schemeClr val="lt1"/>
                 </a:solidFill>
-                <a:latin typeface="Cabin"/>
-                <a:ea typeface="Cabin"/>
-                <a:cs typeface="Cabin"/>
+                <a:latin typeface="Arial" charset="0"/>
+                <a:ea typeface="Arial" charset="0"/>
+                <a:cs typeface="Arial" charset="0"/>
                 <a:sym typeface="Cabin"/>
               </a:rPr>
               <a:t>Invented for the Web - to Retrieve HTML,  Images, Documents, etc</a:t>
@@ -32002,13 +32002,13 @@
               <a:buFont typeface="Cabin"/>
             </a:pPr>
             <a:r>
-              <a:rPr lang="en-US" sz="3600" b="0" i="0" u="none" strike="noStrike" cap="none">
+              <a:rPr lang="en-US" sz="3600" u="none" strike="noStrike" cap="none">
                 <a:solidFill>
                   <a:schemeClr val="lt1"/>
                 </a:solidFill>
-                <a:latin typeface="Cabin"/>
-                <a:ea typeface="Cabin"/>
-                <a:cs typeface="Cabin"/>
+                <a:latin typeface="Arial" charset="0"/>
+                <a:ea typeface="Arial" charset="0"/>
+                <a:cs typeface="Arial" charset="0"/>
                 <a:sym typeface="Cabin"/>
               </a:rPr>
               <a:t>Extended to be data in addition to documents - RSS, Web Services, etc..Basic Concept - Make a Connection - Request a document - Retrieve the Document - Close the Connection</a:t>
@@ -32059,26 +32059,26 @@
               <a:buNone/>
             </a:pPr>
             <a:r>
-              <a:rPr lang="en-US" sz="3000" b="0" i="0" u="sng" strike="noStrike" cap="none">
+              <a:rPr lang="en-US" sz="3000" u="sng" strike="noStrike" cap="none">
                 <a:solidFill>
                   <a:srgbClr val="FFFF00"/>
                 </a:solidFill>
-                <a:latin typeface="Cabin"/>
-                <a:ea typeface="Cabin"/>
-                <a:cs typeface="Cabin"/>
+                <a:latin typeface="Arial" charset="0"/>
+                <a:ea typeface="Arial" charset="0"/>
+                <a:cs typeface="Arial" charset="0"/>
                 <a:sym typeface="Cabin"/>
                 <a:hlinkClick r:id="rId3"/>
               </a:rPr>
               <a:t>http://en.wikipedia.org/wiki/Http</a:t>
             </a:r>
             <a:r>
-              <a:rPr lang="en-US" sz="3000" b="0" i="0" u="none" strike="noStrike" cap="none">
+              <a:rPr lang="en-US" sz="3000" u="none" strike="noStrike" cap="none">
                 <a:solidFill>
                   <a:srgbClr val="FFFF00"/>
                 </a:solidFill>
-                <a:latin typeface="Cabin"/>
-                <a:ea typeface="Cabin"/>
-                <a:cs typeface="Cabin"/>
+                <a:latin typeface="Arial" charset="0"/>
+                <a:ea typeface="Arial" charset="0"/>
+                <a:cs typeface="Arial" charset="0"/>
                 <a:sym typeface="Cabin"/>
               </a:rPr>
               <a:t> </a:t>
@@ -32158,13 +32158,13 @@
               <a:buNone/>
             </a:pPr>
             <a:r>
-              <a:rPr lang="en-US" sz="7400" b="1" i="0" u="none" strike="noStrike" cap="none">
+              <a:rPr lang="en-US" sz="7400" u="none" strike="noStrike" cap="none">
                 <a:solidFill>
                   <a:srgbClr val="FFD966"/>
                 </a:solidFill>
-                <a:latin typeface="Cabin"/>
-                <a:ea typeface="Cabin"/>
-                <a:cs typeface="Cabin"/>
+                <a:latin typeface="Arial" charset="0"/>
+                <a:ea typeface="Arial" charset="0"/>
+                <a:cs typeface="Arial" charset="0"/>
                 <a:sym typeface="Cabin"/>
               </a:rPr>
               <a:t>HTTP</a:t>
@@ -32214,97 +32214,97 @@
               <a:buNone/>
             </a:pPr>
             <a:r>
-              <a:rPr lang="en-US" sz="4700" b="0" i="0" u="none" strike="noStrike" cap="none">
+              <a:rPr lang="en-US" sz="4700" u="none" strike="noStrike" cap="none">
                 <a:solidFill>
                   <a:schemeClr val="lt1"/>
                 </a:solidFill>
-                <a:latin typeface="Cabin"/>
-                <a:ea typeface="Cabin"/>
-                <a:cs typeface="Cabin"/>
+                <a:latin typeface="Arial" charset="0"/>
+                <a:ea typeface="Arial" charset="0"/>
+                <a:cs typeface="Arial" charset="0"/>
                 <a:sym typeface="Cabin"/>
               </a:rPr>
               <a:t>The </a:t>
             </a:r>
             <a:r>
-              <a:rPr lang="en-US" sz="4700" b="0" i="0" u="none" strike="noStrike" cap="none">
+              <a:rPr lang="en-US" sz="4700" u="none" strike="noStrike" cap="none">
                 <a:solidFill>
                   <a:srgbClr val="FFD966"/>
                 </a:solidFill>
-                <a:latin typeface="Cabin"/>
-                <a:ea typeface="Cabin"/>
-                <a:cs typeface="Cabin"/>
+                <a:latin typeface="Arial" charset="0"/>
+                <a:ea typeface="Arial" charset="0"/>
+                <a:cs typeface="Arial" charset="0"/>
                 <a:sym typeface="Cabin"/>
               </a:rPr>
               <a:t>H</a:t>
             </a:r>
             <a:r>
-              <a:rPr lang="en-US" sz="4700" b="0" i="0" u="none" strike="noStrike" cap="none">
+              <a:rPr lang="en-US" sz="4700" u="none" strike="noStrike" cap="none">
                 <a:solidFill>
                   <a:schemeClr val="lt1"/>
                 </a:solidFill>
-                <a:latin typeface="Cabin"/>
-                <a:ea typeface="Cabin"/>
-                <a:cs typeface="Cabin"/>
+                <a:latin typeface="Arial" charset="0"/>
+                <a:ea typeface="Arial" charset="0"/>
+                <a:cs typeface="Arial" charset="0"/>
                 <a:sym typeface="Cabin"/>
               </a:rPr>
               <a:t>yper</a:t>
             </a:r>
             <a:r>
-              <a:rPr lang="en-US" sz="4700" b="0" i="0" u="none" strike="noStrike" cap="none">
+              <a:rPr lang="en-US" sz="4700" u="none" strike="noStrike" cap="none">
                 <a:solidFill>
                   <a:srgbClr val="FFD966"/>
                 </a:solidFill>
-                <a:latin typeface="Cabin"/>
-                <a:ea typeface="Cabin"/>
-                <a:cs typeface="Cabin"/>
+                <a:latin typeface="Arial" charset="0"/>
+                <a:ea typeface="Arial" charset="0"/>
+                <a:cs typeface="Arial" charset="0"/>
                 <a:sym typeface="Cabin"/>
               </a:rPr>
               <a:t>T</a:t>
             </a:r>
             <a:r>
-              <a:rPr lang="en-US" sz="4700" b="0" i="0" u="none" strike="noStrike" cap="none">
+              <a:rPr lang="en-US" sz="4700" u="none" strike="noStrike" cap="none">
                 <a:solidFill>
                   <a:schemeClr val="lt1"/>
                 </a:solidFill>
-                <a:latin typeface="Cabin"/>
-                <a:ea typeface="Cabin"/>
-                <a:cs typeface="Cabin"/>
+                <a:latin typeface="Arial" charset="0"/>
+                <a:ea typeface="Arial" charset="0"/>
+                <a:cs typeface="Arial" charset="0"/>
                 <a:sym typeface="Cabin"/>
               </a:rPr>
               <a:t>ext</a:t>
             </a:r>
             <a:r>
-              <a:rPr lang="en-US" sz="4700" b="0" i="0" u="none" strike="noStrike" cap="none">
+              <a:rPr lang="en-US" sz="4700" u="none" strike="noStrike" cap="none">
                 <a:solidFill>
                   <a:srgbClr val="00FF00"/>
                 </a:solidFill>
-                <a:latin typeface="Cabin"/>
-                <a:ea typeface="Cabin"/>
-                <a:cs typeface="Cabin"/>
+                <a:latin typeface="Arial" charset="0"/>
+                <a:ea typeface="Arial" charset="0"/>
+                <a:cs typeface="Arial" charset="0"/>
                 <a:sym typeface="Cabin"/>
               </a:rPr>
               <a:t> </a:t>
             </a:r>
             <a:r>
-              <a:rPr lang="en-US" sz="4700" b="0" i="0" u="none" strike="noStrike" cap="none">
+              <a:rPr lang="en-US" sz="4700" u="none" strike="noStrike" cap="none">
                 <a:solidFill>
                   <a:srgbClr val="FFD966"/>
                 </a:solidFill>
-                <a:latin typeface="Cabin"/>
-                <a:ea typeface="Cabin"/>
-                <a:cs typeface="Cabin"/>
+                <a:latin typeface="Arial" charset="0"/>
+                <a:ea typeface="Arial" charset="0"/>
+                <a:cs typeface="Arial" charset="0"/>
                 <a:sym typeface="Cabin"/>
               </a:rPr>
               <a:t>T</a:t>
             </a:r>
             <a:r>
-              <a:rPr lang="en-US" sz="4700" b="0" i="0" u="none" strike="noStrike" cap="none">
+              <a:rPr lang="en-US" sz="4700" u="none" strike="noStrike" cap="none">
                 <a:solidFill>
                   <a:schemeClr val="lt1"/>
                 </a:solidFill>
-                <a:latin typeface="Cabin"/>
-                <a:ea typeface="Cabin"/>
-                <a:cs typeface="Cabin"/>
+                <a:latin typeface="Arial" charset="0"/>
+                <a:ea typeface="Arial" charset="0"/>
+                <a:cs typeface="Arial" charset="0"/>
                 <a:sym typeface="Cabin"/>
               </a:rPr>
               <a:t>rans</a:t>
@@ -32314,45 +32314,45 @@
                 <a:solidFill>
                   <a:schemeClr val="lt1"/>
                 </a:solidFill>
-                <a:latin typeface="Cabin"/>
-                <a:ea typeface="Cabin"/>
-                <a:cs typeface="Cabin"/>
+                <a:latin typeface="Arial" charset="0"/>
+                <a:ea typeface="Arial" charset="0"/>
+                <a:cs typeface="Arial" charset="0"/>
                 <a:sym typeface="Cabin"/>
               </a:rPr>
               <a:t>fer</a:t>
             </a:r>
             <a:r>
-              <a:rPr lang="en-US" sz="4700" b="0" i="0" u="none" strike="noStrike" cap="none">
+              <a:rPr lang="en-US" sz="4700" u="none" strike="noStrike" cap="none">
                 <a:solidFill>
                   <a:schemeClr val="lt1"/>
                 </a:solidFill>
-                <a:latin typeface="Cabin"/>
-                <a:ea typeface="Cabin"/>
-                <a:cs typeface="Cabin"/>
+                <a:latin typeface="Arial" charset="0"/>
+                <a:ea typeface="Arial" charset="0"/>
+                <a:cs typeface="Arial" charset="0"/>
                 <a:sym typeface="Cabin"/>
               </a:rPr>
               <a:t> </a:t>
             </a:r>
             <a:r>
-              <a:rPr lang="en-US" sz="4700" b="0" i="0" u="none" strike="noStrike" cap="none">
+              <a:rPr lang="en-US" sz="4700" u="none" strike="noStrike" cap="none">
                 <a:solidFill>
                   <a:srgbClr val="FFD966"/>
                 </a:solidFill>
-                <a:latin typeface="Cabin"/>
-                <a:ea typeface="Cabin"/>
-                <a:cs typeface="Cabin"/>
+                <a:latin typeface="Arial" charset="0"/>
+                <a:ea typeface="Arial" charset="0"/>
+                <a:cs typeface="Arial" charset="0"/>
                 <a:sym typeface="Cabin"/>
               </a:rPr>
               <a:t>P</a:t>
             </a:r>
             <a:r>
-              <a:rPr lang="en-US" sz="4700" b="0" i="0" u="none" strike="noStrike" cap="none">
+              <a:rPr lang="en-US" sz="4700" u="none" strike="noStrike" cap="none">
                 <a:solidFill>
                   <a:schemeClr val="lt1"/>
                 </a:solidFill>
-                <a:latin typeface="Cabin"/>
-                <a:ea typeface="Cabin"/>
-                <a:cs typeface="Cabin"/>
+                <a:latin typeface="Arial" charset="0"/>
+                <a:ea typeface="Arial" charset="0"/>
+                <a:cs typeface="Arial" charset="0"/>
                 <a:sym typeface="Cabin"/>
               </a:rPr>
               <a:t>rotocol is the set of rules to allow browsers to retrieve web documents from servers over the Internet</a:t>
@@ -32432,13 +32432,13 @@
               <a:buNone/>
             </a:pPr>
             <a:r>
-              <a:rPr lang="en-US" sz="7400" b="1" i="0" u="none" strike="noStrike" cap="none">
+              <a:rPr lang="en-US" sz="7400" u="none" strike="noStrike" cap="none">
                 <a:solidFill>
                   <a:srgbClr val="FFD966"/>
                 </a:solidFill>
-                <a:latin typeface="Cabin"/>
-                <a:ea typeface="Cabin"/>
-                <a:cs typeface="Cabin"/>
+                <a:latin typeface="Arial" charset="0"/>
+                <a:ea typeface="Arial" charset="0"/>
+                <a:cs typeface="Arial" charset="0"/>
                 <a:sym typeface="Cabin"/>
               </a:rPr>
               <a:t>What is a Protocol?</a:t>
@@ -32489,13 +32489,13 @@
               <a:buFont typeface="Cabin"/>
             </a:pPr>
             <a:r>
-              <a:rPr lang="en-US" sz="3400" b="0" i="0" u="none" strike="noStrike" cap="none">
+              <a:rPr lang="en-US" sz="3400" u="none" strike="noStrike" cap="none">
                 <a:solidFill>
                   <a:schemeClr val="lt1"/>
                 </a:solidFill>
-                <a:latin typeface="Cabin"/>
-                <a:ea typeface="Cabin"/>
-                <a:cs typeface="Cabin"/>
+                <a:latin typeface="Arial" charset="0"/>
+                <a:ea typeface="Arial" charset="0"/>
+                <a:cs typeface="Arial" charset="0"/>
                 <a:sym typeface="Cabin"/>
               </a:rPr>
               <a:t>A set of rules that all parties follow so we can predict each other</a:t>
@@ -32505,21 +32505,21 @@
                 <a:solidFill>
                   <a:schemeClr val="lt1"/>
                 </a:solidFill>
-                <a:latin typeface="Cabin"/>
-                <a:ea typeface="Cabin"/>
-                <a:cs typeface="Cabin"/>
+                <a:latin typeface="Arial" charset="0"/>
+                <a:ea typeface="Arial" charset="0"/>
+                <a:cs typeface="Arial" charset="0"/>
                 <a:sym typeface="Cabin"/>
               </a:rPr>
               <a:t>’</a:t>
             </a:r>
             <a:r>
-              <a:rPr lang="en-US" sz="3400" b="0" i="0" u="none" strike="noStrike" cap="none">
+              <a:rPr lang="en-US" sz="3400" u="none" strike="noStrike" cap="none">
                 <a:solidFill>
                   <a:schemeClr val="lt1"/>
                 </a:solidFill>
-                <a:latin typeface="Cabin"/>
-                <a:ea typeface="Cabin"/>
-                <a:cs typeface="Cabin"/>
+                <a:latin typeface="Arial" charset="0"/>
+                <a:ea typeface="Arial" charset="0"/>
+                <a:cs typeface="Arial" charset="0"/>
                 <a:sym typeface="Cabin"/>
               </a:rPr>
               <a:t>s behavior</a:t>
@@ -32540,13 +32540,13 @@
               <a:buFont typeface="Cabin"/>
             </a:pPr>
             <a:r>
-              <a:rPr lang="en-US" sz="3400" b="0" i="0" u="none" strike="noStrike" cap="none">
+              <a:rPr lang="en-US" sz="3400" u="none" strike="noStrike" cap="none">
                 <a:solidFill>
                   <a:schemeClr val="lt1"/>
                 </a:solidFill>
-                <a:latin typeface="Cabin"/>
-                <a:ea typeface="Cabin"/>
-                <a:cs typeface="Cabin"/>
+                <a:latin typeface="Arial" charset="0"/>
+                <a:ea typeface="Arial" charset="0"/>
+                <a:cs typeface="Arial" charset="0"/>
                 <a:sym typeface="Cabin"/>
               </a:rPr>
               <a:t>And not bump into each other</a:t>
@@ -32567,13 +32567,13 @@
               <a:buFont typeface="Cabin"/>
             </a:pPr>
             <a:r>
-              <a:rPr lang="en-US" sz="3400" b="0" i="0" u="none" strike="noStrike" cap="none">
+              <a:rPr lang="en-US" sz="3400" u="none" strike="noStrike" cap="none">
                 <a:solidFill>
                   <a:schemeClr val="lt1"/>
                 </a:solidFill>
-                <a:latin typeface="Cabin"/>
-                <a:ea typeface="Cabin"/>
-                <a:cs typeface="Cabin"/>
+                <a:latin typeface="Arial" charset="0"/>
+                <a:ea typeface="Arial" charset="0"/>
+                <a:cs typeface="Arial" charset="0"/>
                 <a:sym typeface="Cabin"/>
               </a:rPr>
               <a:t>On two-way roads in USA, drive on the right</a:t>
@@ -32583,21 +32583,21 @@
                 <a:solidFill>
                   <a:schemeClr val="lt1"/>
                 </a:solidFill>
-                <a:latin typeface="Cabin"/>
-                <a:ea typeface="Cabin"/>
-                <a:cs typeface="Cabin"/>
+                <a:latin typeface="Arial" charset="0"/>
+                <a:ea typeface="Arial" charset="0"/>
+                <a:cs typeface="Arial" charset="0"/>
                 <a:sym typeface="Cabin"/>
               </a:rPr>
               <a:t>-</a:t>
             </a:r>
             <a:r>
-              <a:rPr lang="en-US" sz="3400" b="0" i="0" u="none" strike="noStrike" cap="none">
+              <a:rPr lang="en-US" sz="3400" u="none" strike="noStrike" cap="none">
                 <a:solidFill>
                   <a:schemeClr val="lt1"/>
                 </a:solidFill>
-                <a:latin typeface="Cabin"/>
-                <a:ea typeface="Cabin"/>
-                <a:cs typeface="Cabin"/>
+                <a:latin typeface="Arial" charset="0"/>
+                <a:ea typeface="Arial" charset="0"/>
+                <a:cs typeface="Arial" charset="0"/>
                 <a:sym typeface="Cabin"/>
               </a:rPr>
               <a:t>hand side of the road</a:t>
@@ -32618,13 +32618,13 @@
               <a:buFont typeface="Cabin"/>
             </a:pPr>
             <a:r>
-              <a:rPr lang="en-US" sz="3400" b="0" i="0" u="none" strike="noStrike" cap="none">
+              <a:rPr lang="en-US" sz="3400" u="none" strike="noStrike" cap="none">
                 <a:solidFill>
                   <a:schemeClr val="lt1"/>
                 </a:solidFill>
-                <a:latin typeface="Cabin"/>
-                <a:ea typeface="Cabin"/>
-                <a:cs typeface="Cabin"/>
+                <a:latin typeface="Arial" charset="0"/>
+                <a:ea typeface="Arial" charset="0"/>
+                <a:cs typeface="Arial" charset="0"/>
                 <a:sym typeface="Cabin"/>
               </a:rPr>
               <a:t>On two-way roads in the UK, drive on the left</a:t>
@@ -32634,21 +32634,21 @@
                 <a:solidFill>
                   <a:schemeClr val="lt1"/>
                 </a:solidFill>
-                <a:latin typeface="Cabin"/>
-                <a:ea typeface="Cabin"/>
-                <a:cs typeface="Cabin"/>
+                <a:latin typeface="Arial" charset="0"/>
+                <a:ea typeface="Arial" charset="0"/>
+                <a:cs typeface="Arial" charset="0"/>
                 <a:sym typeface="Cabin"/>
               </a:rPr>
               <a:t>-</a:t>
             </a:r>
             <a:r>
-              <a:rPr lang="en-US" sz="3400" b="0" i="0" u="none" strike="noStrike" cap="none">
+              <a:rPr lang="en-US" sz="3400" u="none" strike="noStrike" cap="none">
                 <a:solidFill>
                   <a:schemeClr val="lt1"/>
                 </a:solidFill>
-                <a:latin typeface="Cabin"/>
-                <a:ea typeface="Cabin"/>
-                <a:cs typeface="Cabin"/>
+                <a:latin typeface="Arial" charset="0"/>
+                <a:ea typeface="Arial" charset="0"/>
+                <a:cs typeface="Arial" charset="0"/>
                 <a:sym typeface="Cabin"/>
               </a:rPr>
               <a:t>hand side of the road</a:t>
@@ -32886,13 +32886,13 @@
               <a:buNone/>
             </a:pPr>
             <a:r>
-              <a:rPr lang="en-US" sz="3600" b="0" i="0" u="none" strike="noStrike" cap="none">
+              <a:rPr lang="en-US" sz="3600" u="none" strike="noStrike" cap="none">
                 <a:solidFill>
                   <a:srgbClr val="00FF00"/>
                 </a:solidFill>
-                <a:latin typeface="Cabin"/>
-                <a:ea typeface="Cabin"/>
-                <a:cs typeface="Cabin"/>
+                <a:latin typeface="Arial" charset="0"/>
+                <a:ea typeface="Arial" charset="0"/>
+                <a:cs typeface="Arial" charset="0"/>
                 <a:sym typeface="Cabin"/>
               </a:rPr>
               <a:t>protocol</a:t>
@@ -32943,13 +32943,13 @@
               <a:buNone/>
             </a:pPr>
             <a:r>
-              <a:rPr lang="en-US" sz="3600" b="0" i="0" u="none" strike="noStrike" cap="none">
+              <a:rPr lang="en-US" sz="3600" u="none" strike="noStrike" cap="none">
                 <a:solidFill>
                   <a:srgbClr val="FF00FF"/>
                 </a:solidFill>
-                <a:latin typeface="Cabin"/>
-                <a:ea typeface="Cabin"/>
-                <a:cs typeface="Cabin"/>
+                <a:latin typeface="Arial" charset="0"/>
+                <a:ea typeface="Arial" charset="0"/>
+                <a:cs typeface="Arial" charset="0"/>
                 <a:sym typeface="Cabin"/>
               </a:rPr>
               <a:t>host</a:t>
@@ -33000,13 +33000,13 @@
               <a:buNone/>
             </a:pPr>
             <a:r>
-              <a:rPr lang="en-US" sz="3600" b="0" i="0" u="none" strike="noStrike" cap="none">
+              <a:rPr lang="en-US" sz="3600" u="none" strike="noStrike" cap="none">
                 <a:solidFill>
                   <a:srgbClr val="FF7F00"/>
                 </a:solidFill>
-                <a:latin typeface="Cabin"/>
-                <a:ea typeface="Cabin"/>
-                <a:cs typeface="Cabin"/>
+                <a:latin typeface="Arial" charset="0"/>
+                <a:ea typeface="Arial" charset="0"/>
+                <a:cs typeface="Arial" charset="0"/>
                 <a:sym typeface="Cabin"/>
               </a:rPr>
               <a:t>document</a:t>
@@ -33088,13 +33088,13 @@
               <a:buNone/>
             </a:pPr>
             <a:r>
-              <a:rPr lang="en-US" sz="3600" b="0" i="0" u="none" strike="noStrike" cap="none">
+              <a:rPr lang="en-US" sz="3600" u="none" strike="noStrike" cap="none">
                 <a:solidFill>
                   <a:schemeClr val="lt1"/>
                 </a:solidFill>
-                <a:latin typeface="Cabin"/>
-                <a:ea typeface="Cabin"/>
-                <a:cs typeface="Cabin"/>
+                <a:latin typeface="Arial" charset="0"/>
+                <a:ea typeface="Arial" charset="0"/>
+                <a:cs typeface="Arial" charset="0"/>
                 <a:sym typeface="Cabin"/>
               </a:rPr>
               <a:t>Robert Cailliau</a:t>
@@ -33119,13 +33119,13 @@
               <a:buNone/>
             </a:pPr>
             <a:r>
-              <a:rPr lang="en-US" sz="3600" b="0" i="0" u="none" strike="noStrike" cap="none">
+              <a:rPr lang="en-US" sz="3600" u="none" strike="noStrike" cap="none">
                 <a:solidFill>
                   <a:schemeClr val="lt1"/>
                 </a:solidFill>
-                <a:latin typeface="Cabin"/>
-                <a:ea typeface="Cabin"/>
-                <a:cs typeface="Cabin"/>
+                <a:latin typeface="Arial" charset="0"/>
+                <a:ea typeface="Arial" charset="0"/>
+                <a:cs typeface="Arial" charset="0"/>
                 <a:sym typeface="Cabin"/>
               </a:rPr>
               <a:t>CERN</a:t>
@@ -33176,13 +33176,13 @@
               <a:buNone/>
             </a:pPr>
             <a:r>
-              <a:rPr lang="en-US" sz="3500" b="0" i="0" u="sng" strike="noStrike" cap="none">
+              <a:rPr lang="en-US" sz="3500" u="sng" strike="noStrike" cap="none">
                 <a:solidFill>
                   <a:srgbClr val="FFFF00"/>
                 </a:solidFill>
-                <a:latin typeface="Cabin"/>
-                <a:ea typeface="Cabin"/>
-                <a:cs typeface="Cabin"/>
+                <a:latin typeface="Arial" charset="0"/>
+                <a:ea typeface="Arial" charset="0"/>
+                <a:cs typeface="Arial" charset="0"/>
                 <a:sym typeface="Cabin"/>
                 <a:hlinkClick r:id="rId5"/>
               </a:rPr>
@@ -33234,13 +33234,13 @@
               <a:buNone/>
             </a:pPr>
             <a:r>
-              <a:rPr lang="en-US" sz="3600" b="0" i="0" u="none" strike="noStrike" cap="none">
+              <a:rPr lang="en-US" sz="3600" u="none" strike="noStrike" cap="none">
                 <a:solidFill>
                   <a:schemeClr val="lt1"/>
                 </a:solidFill>
-                <a:latin typeface="Cabin"/>
-                <a:ea typeface="Cabin"/>
-                <a:cs typeface="Cabin"/>
+                <a:latin typeface="Arial" charset="0"/>
+                <a:ea typeface="Arial" charset="0"/>
+                <a:cs typeface="Arial" charset="0"/>
                 <a:sym typeface="Cabin"/>
               </a:rPr>
               <a:t>1:17 - 2:19 </a:t>
@@ -33320,13 +33320,13 @@
               <a:buNone/>
             </a:pPr>
             <a:r>
-              <a:rPr lang="en-US" sz="7600" b="1" i="0" u="none" strike="noStrike" cap="none">
+              <a:rPr lang="en-US" sz="7600" u="none" strike="noStrike" cap="none">
                 <a:solidFill>
                   <a:srgbClr val="FFD966"/>
                 </a:solidFill>
-                <a:latin typeface="Cabin"/>
-                <a:ea typeface="Cabin"/>
-                <a:cs typeface="Cabin"/>
+                <a:latin typeface="Arial" charset="0"/>
+                <a:ea typeface="Arial" charset="0"/>
+                <a:cs typeface="Arial" charset="0"/>
                 <a:sym typeface="Cabin"/>
               </a:rPr>
               <a:t>Getting Data From The Server</a:t>
@@ -33376,37 +33376,37 @@
               <a:buSzPct val="100000"/>
             </a:pPr>
             <a:r>
-              <a:rPr lang="en-US" sz="3600" b="0" i="0" u="none" strike="noStrike" cap="none">
+              <a:rPr lang="en-US" sz="3600" u="none" strike="noStrike" cap="none">
                 <a:solidFill>
                   <a:schemeClr val="lt1"/>
                 </a:solidFill>
-                <a:latin typeface="Cabin"/>
-                <a:ea typeface="Cabin"/>
-                <a:cs typeface="Cabin"/>
+                <a:latin typeface="Arial" charset="0"/>
+                <a:ea typeface="Arial" charset="0"/>
+                <a:cs typeface="Arial" charset="0"/>
                 <a:sym typeface="Cabin"/>
               </a:rPr>
               <a:t>Each time the user clicks on an anchor tag with an </a:t>
             </a:r>
             <a:r>
-              <a:rPr lang="en-US" sz="3600" b="0" i="0" u="none" strike="noStrike" cap="none">
+              <a:rPr lang="en-US" sz="3600" u="none" strike="noStrike" cap="none">
                 <a:solidFill>
                   <a:srgbClr val="00FF00"/>
                 </a:solidFill>
-                <a:latin typeface="Cabin"/>
-                <a:ea typeface="Cabin"/>
-                <a:cs typeface="Cabin"/>
+                <a:latin typeface="Arial" charset="0"/>
+                <a:ea typeface="Arial" charset="0"/>
+                <a:cs typeface="Arial" charset="0"/>
                 <a:sym typeface="Cabin"/>
               </a:rPr>
               <a:t>href=</a:t>
             </a:r>
             <a:r>
-              <a:rPr lang="en-US" sz="3600" b="0" i="0" u="none" strike="noStrike" cap="none">
+              <a:rPr lang="en-US" sz="3600" u="none" strike="noStrike" cap="none">
                 <a:solidFill>
                   <a:schemeClr val="lt1"/>
                 </a:solidFill>
-                <a:latin typeface="Cabin"/>
-                <a:ea typeface="Cabin"/>
-                <a:cs typeface="Cabin"/>
+                <a:latin typeface="Arial" charset="0"/>
+                <a:ea typeface="Arial" charset="0"/>
+                <a:cs typeface="Arial" charset="0"/>
                 <a:sym typeface="Cabin"/>
               </a:rPr>
               <a:t> value to switch to a new page, the browser makes a connection to the web server and issues a </a:t>
@@ -33424,13 +33424,13 @@
               <a:t>“</a:t>
             </a:r>
             <a:r>
-              <a:rPr lang="en-US" sz="3600" b="0" i="0" u="none" strike="noStrike" cap="none">
+              <a:rPr lang="en-US" sz="3600" u="none" strike="noStrike" cap="none">
                 <a:solidFill>
                   <a:schemeClr val="lt1"/>
                 </a:solidFill>
-                <a:latin typeface="Cabin"/>
-                <a:ea typeface="Cabin"/>
-                <a:cs typeface="Cabin"/>
+                <a:latin typeface="Arial" charset="0"/>
+                <a:ea typeface="Arial" charset="0"/>
+                <a:cs typeface="Arial" charset="0"/>
                 <a:sym typeface="Cabin"/>
               </a:rPr>
               <a:t>GET</a:t>
@@ -33448,13 +33448,13 @@
               <a:t>”</a:t>
             </a:r>
             <a:r>
-              <a:rPr lang="en-US" sz="3600" b="0" i="0" u="none" strike="noStrike" cap="none">
+              <a:rPr lang="en-US" sz="3600" u="none" strike="noStrike" cap="none">
                 <a:solidFill>
                   <a:schemeClr val="lt1"/>
                 </a:solidFill>
-                <a:latin typeface="Cabin"/>
-                <a:ea typeface="Cabin"/>
-                <a:cs typeface="Cabin"/>
+                <a:latin typeface="Arial" charset="0"/>
+                <a:ea typeface="Arial" charset="0"/>
+                <a:cs typeface="Arial" charset="0"/>
                 <a:sym typeface="Cabin"/>
               </a:rPr>
               <a:t> request - to GET the content of the page at the specified URL</a:t>
@@ -33475,13 +33475,13 @@
               <a:buFont typeface="Cabin"/>
             </a:pPr>
             <a:r>
-              <a:rPr lang="en-US" sz="3600" b="0" i="0" u="none" strike="noStrike" cap="none">
+              <a:rPr lang="en-US" sz="3600" u="none" strike="noStrike" cap="none">
                 <a:solidFill>
                   <a:schemeClr val="lt1"/>
                 </a:solidFill>
-                <a:latin typeface="Cabin"/>
-                <a:ea typeface="Cabin"/>
-                <a:cs typeface="Cabin"/>
+                <a:latin typeface="Arial" charset="0"/>
+                <a:ea typeface="Arial" charset="0"/>
+                <a:cs typeface="Arial" charset="0"/>
                 <a:sym typeface="Cabin"/>
               </a:rPr>
               <a:t>The server returns the HTML document to the </a:t>
@@ -33491,21 +33491,21 @@
                 <a:solidFill>
                   <a:schemeClr val="lt1"/>
                 </a:solidFill>
-                <a:latin typeface="Cabin"/>
-                <a:ea typeface="Cabin"/>
-                <a:cs typeface="Cabin"/>
+                <a:latin typeface="Arial" charset="0"/>
+                <a:ea typeface="Arial" charset="0"/>
+                <a:cs typeface="Arial" charset="0"/>
                 <a:sym typeface="Cabin"/>
               </a:rPr>
               <a:t>b</a:t>
             </a:r>
             <a:r>
-              <a:rPr lang="en-US" sz="3600" b="0" i="0" u="none" strike="noStrike" cap="none">
+              <a:rPr lang="en-US" sz="3600" u="none" strike="noStrike" cap="none">
                 <a:solidFill>
                   <a:schemeClr val="lt1"/>
                 </a:solidFill>
-                <a:latin typeface="Cabin"/>
-                <a:ea typeface="Cabin"/>
-                <a:cs typeface="Cabin"/>
+                <a:latin typeface="Arial" charset="0"/>
+                <a:ea typeface="Arial" charset="0"/>
+                <a:cs typeface="Arial" charset="0"/>
                 <a:sym typeface="Cabin"/>
               </a:rPr>
               <a:t>rowser, which formats and displays the document to the user</a:t>
@@ -33662,13 +33662,13 @@
               <a:buNone/>
             </a:pPr>
             <a:r>
-              <a:rPr lang="en-US" sz="5000" b="0" i="0" u="none" strike="noStrike" cap="none">
+              <a:rPr lang="en-US" sz="5000" u="none" strike="noStrike" cap="none">
                 <a:solidFill>
                   <a:srgbClr val="FF0000"/>
                 </a:solidFill>
-                <a:latin typeface="Cabin"/>
-                <a:ea typeface="Cabin"/>
-                <a:cs typeface="Cabin"/>
+                <a:latin typeface="Arial" charset="0"/>
+                <a:ea typeface="Arial" charset="0"/>
+                <a:cs typeface="Arial" charset="0"/>
                 <a:sym typeface="Cabin"/>
               </a:rPr>
               <a:t>Internet</a:t>
@@ -33771,13 +33771,13 @@
               <a:buNone/>
             </a:pPr>
             <a:r>
-              <a:rPr lang="en-US" sz="4300" b="0" i="0" u="none" strike="noStrike" cap="none">
+              <a:rPr lang="en-US" sz="4300" u="none" strike="noStrike" cap="none">
                 <a:solidFill>
                   <a:schemeClr val="lt1"/>
                 </a:solidFill>
-                <a:latin typeface="Cabin"/>
-                <a:ea typeface="Cabin"/>
-                <a:cs typeface="Cabin"/>
+                <a:latin typeface="Arial" charset="0"/>
+                <a:ea typeface="Arial" charset="0"/>
+                <a:cs typeface="Arial" charset="0"/>
                 <a:sym typeface="Cabin"/>
               </a:rPr>
               <a:t>Client</a:t>
@@ -33828,13 +33828,13 @@
               <a:buNone/>
             </a:pPr>
             <a:r>
-              <a:rPr lang="en-US" sz="4300" b="0" i="0" u="none" strike="noStrike" cap="none">
+              <a:rPr lang="en-US" sz="4300" u="none" strike="noStrike" cap="none">
                 <a:solidFill>
                   <a:schemeClr val="lt1"/>
                 </a:solidFill>
-                <a:latin typeface="Cabin"/>
-                <a:ea typeface="Cabin"/>
-                <a:cs typeface="Cabin"/>
+                <a:latin typeface="Arial" charset="0"/>
+                <a:ea typeface="Arial" charset="0"/>
+                <a:cs typeface="Arial" charset="0"/>
                 <a:sym typeface="Cabin"/>
               </a:rPr>
               <a:t>Server</a:t>
@@ -33914,13 +33914,13 @@
               <a:buNone/>
             </a:pPr>
             <a:r>
-              <a:rPr lang="en-US" sz="7600" b="1" i="0" u="none" strike="noStrike" cap="none">
+              <a:rPr lang="en-US" sz="7600" u="none" strike="noStrike" cap="none">
                 <a:solidFill>
                   <a:srgbClr val="FFD966"/>
                 </a:solidFill>
-                <a:latin typeface="Cabin"/>
-                <a:ea typeface="Cabin"/>
-                <a:cs typeface="Cabin"/>
+                <a:latin typeface="Arial" charset="0"/>
+                <a:ea typeface="Arial" charset="0"/>
+                <a:cs typeface="Arial" charset="0"/>
                 <a:sym typeface="Cabin"/>
               </a:rPr>
               <a:t>Making an HTTP request</a:t>
@@ -33971,25 +33971,25 @@
               <a:buFont typeface="Cabin"/>
             </a:pPr>
             <a:r>
-              <a:rPr lang="en-US" sz="3600" b="0" i="0" u="none" strike="noStrike" cap="none">
+              <a:rPr lang="en-US" sz="3600" u="none" strike="noStrike" cap="none">
                 <a:solidFill>
                   <a:schemeClr val="lt1"/>
                 </a:solidFill>
-                <a:latin typeface="Cabin"/>
-                <a:ea typeface="Cabin"/>
-                <a:cs typeface="Cabin"/>
+                <a:latin typeface="Arial" charset="0"/>
+                <a:ea typeface="Arial" charset="0"/>
+                <a:cs typeface="Arial" charset="0"/>
                 <a:sym typeface="Cabin"/>
               </a:rPr>
               <a:t>Connect to the server like </a:t>
             </a:r>
             <a:r>
-              <a:rPr lang="en-US" sz="3600" b="0" i="0" u="none" strike="noStrike" cap="none">
+              <a:rPr lang="en-US" sz="3600" u="none" strike="noStrike" cap="none">
                 <a:solidFill>
                   <a:srgbClr val="00FF00"/>
                 </a:solidFill>
-                <a:latin typeface="Cabin"/>
-                <a:ea typeface="Cabin"/>
-                <a:cs typeface="Cabin"/>
+                <a:latin typeface="Arial" charset="0"/>
+                <a:ea typeface="Arial" charset="0"/>
+                <a:cs typeface="Arial" charset="0"/>
                 <a:sym typeface="Cabin"/>
               </a:rPr>
               <a:t>www.dr-chuck.com</a:t>
@@ -34010,13 +34010,13 @@
               <a:buFont typeface="Cabin"/>
             </a:pPr>
             <a:r>
-              <a:rPr lang="en-US" sz="3600" b="0" i="0" u="none" strike="noStrike" cap="none">
+              <a:rPr lang="en-US" sz="3600" u="none" strike="noStrike" cap="none">
                 <a:solidFill>
                   <a:schemeClr val="lt1"/>
                 </a:solidFill>
-                <a:latin typeface="Cabin"/>
-                <a:ea typeface="Cabin"/>
-                <a:cs typeface="Cabin"/>
+                <a:latin typeface="Arial" charset="0"/>
+                <a:ea typeface="Arial" charset="0"/>
+                <a:cs typeface="Arial" charset="0"/>
                 <a:sym typeface="Cabin"/>
               </a:rPr>
               <a:t>a </a:t>
@@ -34026,21 +34026,21 @@
                 <a:solidFill>
                   <a:schemeClr val="lt1"/>
                 </a:solidFill>
-                <a:latin typeface="Cabin"/>
-                <a:ea typeface="Cabin"/>
-                <a:cs typeface="Cabin"/>
+                <a:latin typeface="Arial" charset="0"/>
+                <a:ea typeface="Arial" charset="0"/>
+                <a:cs typeface="Arial" charset="0"/>
                 <a:sym typeface="Cabin"/>
               </a:rPr>
               <a:t>“</a:t>
             </a:r>
             <a:r>
-              <a:rPr lang="en-US" sz="3600" b="0" i="0" u="none" strike="noStrike" cap="none">
+              <a:rPr lang="en-US" sz="3600" u="none" strike="noStrike" cap="none">
                 <a:solidFill>
                   <a:schemeClr val="lt1"/>
                 </a:solidFill>
-                <a:latin typeface="Cabin"/>
-                <a:ea typeface="Cabin"/>
-                <a:cs typeface="Cabin"/>
+                <a:latin typeface="Arial" charset="0"/>
+                <a:ea typeface="Arial" charset="0"/>
+                <a:cs typeface="Arial" charset="0"/>
                 <a:sym typeface="Cabin"/>
               </a:rPr>
               <a:t>hand shake</a:t>
@@ -34050,9 +34050,9 @@
                 <a:solidFill>
                   <a:schemeClr val="lt1"/>
                 </a:solidFill>
-                <a:latin typeface="Cabin"/>
-                <a:ea typeface="Cabin"/>
-                <a:cs typeface="Cabin"/>
+                <a:latin typeface="Arial" charset="0"/>
+                <a:ea typeface="Arial" charset="0"/>
+                <a:cs typeface="Arial" charset="0"/>
                 <a:sym typeface="Cabin"/>
               </a:rPr>
               <a:t>”</a:t>
@@ -34073,13 +34073,13 @@
               <a:buFont typeface="Cabin"/>
             </a:pPr>
             <a:r>
-              <a:rPr lang="en-US" sz="3600" b="0" i="0" u="none" strike="noStrike" cap="none">
+              <a:rPr lang="en-US" sz="3600" u="none" strike="noStrike" cap="none">
                 <a:solidFill>
                   <a:schemeClr val="lt1"/>
                 </a:solidFill>
-                <a:latin typeface="Cabin"/>
-                <a:ea typeface="Cabin"/>
-                <a:cs typeface="Cabin"/>
+                <a:latin typeface="Arial" charset="0"/>
+                <a:ea typeface="Arial" charset="0"/>
+                <a:cs typeface="Arial" charset="0"/>
                 <a:sym typeface="Cabin"/>
               </a:rPr>
               <a:t>Request a document (or the default document)</a:t>
@@ -34103,13 +34103,13 @@
               <a:buFont typeface="Cabin"/>
             </a:pPr>
             <a:r>
-              <a:rPr lang="en-US" sz="3600" b="0" i="0" u="none" strike="noStrike" cap="none">
+              <a:rPr lang="en-US" sz="3600" u="none" strike="noStrike" cap="none">
                 <a:solidFill>
                   <a:srgbClr val="FFFF00"/>
                 </a:solidFill>
-                <a:latin typeface="Cabin"/>
-                <a:ea typeface="Cabin"/>
-                <a:cs typeface="Cabin"/>
+                <a:latin typeface="Arial" charset="0"/>
+                <a:ea typeface="Arial" charset="0"/>
+                <a:cs typeface="Arial" charset="0"/>
                 <a:sym typeface="Cabin"/>
               </a:rPr>
               <a:t>GET http://www.dr-chuck.com/page1.htm</a:t>
@@ -34133,13 +34133,13 @@
               <a:buFont typeface="Cabin"/>
             </a:pPr>
             <a:r>
-              <a:rPr lang="en-US" sz="3600" b="0" i="0" u="none" strike="noStrike" cap="none">
+              <a:rPr lang="en-US" sz="3600" u="none" strike="noStrike" cap="none">
                 <a:solidFill>
                   <a:srgbClr val="FFFF00"/>
                 </a:solidFill>
-                <a:latin typeface="Cabin"/>
-                <a:ea typeface="Cabin"/>
-                <a:cs typeface="Cabin"/>
+                <a:latin typeface="Arial" charset="0"/>
+                <a:ea typeface="Arial" charset="0"/>
+                <a:cs typeface="Arial" charset="0"/>
                 <a:sym typeface="Cabin"/>
               </a:rPr>
               <a:t>GET http://www.mlive.com/ann-arbor/</a:t>
@@ -34163,13 +34163,13 @@
               <a:buFont typeface="Cabin"/>
             </a:pPr>
             <a:r>
-              <a:rPr lang="en-US" sz="3600" b="0" i="0" u="none" strike="noStrike" cap="none">
+              <a:rPr lang="en-US" sz="3600" u="none" strike="noStrike" cap="none">
                 <a:solidFill>
                   <a:srgbClr val="FFFF00"/>
                 </a:solidFill>
-                <a:latin typeface="Cabin"/>
-                <a:ea typeface="Cabin"/>
-                <a:cs typeface="Cabin"/>
+                <a:latin typeface="Arial" charset="0"/>
+                <a:ea typeface="Arial" charset="0"/>
+                <a:cs typeface="Arial" charset="0"/>
                 <a:sym typeface="Cabin"/>
               </a:rPr>
               <a:t>GET http://www.facebook.com</a:t>
@@ -34326,13 +34326,13 @@
               <a:buNone/>
             </a:pPr>
             <a:r>
-              <a:rPr lang="en-US" sz="6000" b="0" i="0" u="none" strike="noStrike" cap="none">
+              <a:rPr lang="en-US" sz="6000" u="none" strike="noStrike" cap="none">
                 <a:solidFill>
                   <a:srgbClr val="0000FF"/>
                 </a:solidFill>
-                <a:latin typeface="Cabin"/>
-                <a:ea typeface="Cabin"/>
-                <a:cs typeface="Cabin"/>
+                <a:latin typeface="Arial" charset="0"/>
+                <a:ea typeface="Arial" charset="0"/>
+                <a:cs typeface="Arial" charset="0"/>
                 <a:sym typeface="Cabin"/>
               </a:rPr>
               <a:t>Browser</a:t>
@@ -34517,13 +34517,13 @@
               <a:buNone/>
             </a:pPr>
             <a:r>
-              <a:rPr lang="en-US" sz="6000" b="0" i="0" u="none" strike="noStrike" cap="none">
+              <a:rPr lang="en-US" sz="6000" u="none" strike="noStrike" cap="none">
                 <a:solidFill>
                   <a:srgbClr val="0000FF"/>
                 </a:solidFill>
-                <a:latin typeface="Cabin"/>
-                <a:ea typeface="Cabin"/>
-                <a:cs typeface="Cabin"/>
+                <a:latin typeface="Arial" charset="0"/>
+                <a:ea typeface="Arial" charset="0"/>
+                <a:cs typeface="Arial" charset="0"/>
                 <a:sym typeface="Cabin"/>
               </a:rPr>
               <a:t>Browser</a:t>
@@ -34655,13 +34655,13 @@
               <a:buNone/>
             </a:pPr>
             <a:r>
-              <a:rPr lang="en-US" sz="5200" b="0" i="0" u="none" strike="noStrike" cap="none">
+              <a:rPr lang="en-US" sz="5200" u="none" strike="noStrike" cap="none">
                 <a:solidFill>
                   <a:srgbClr val="0000FF"/>
                 </a:solidFill>
-                <a:latin typeface="Cabin"/>
-                <a:ea typeface="Cabin"/>
-                <a:cs typeface="Cabin"/>
+                <a:latin typeface="Arial" charset="0"/>
+                <a:ea typeface="Arial" charset="0"/>
+                <a:cs typeface="Arial" charset="0"/>
                 <a:sym typeface="Cabin"/>
               </a:rPr>
               <a:t>Web Server</a:t>
@@ -34729,13 +34729,13 @@
               <a:buNone/>
             </a:pPr>
             <a:r>
-              <a:rPr lang="en-US" sz="2600" b="0" i="0" u="none" strike="noStrike" cap="none">
+              <a:rPr lang="en-US" sz="2600" u="none" strike="noStrike" cap="none">
                 <a:solidFill>
                   <a:schemeClr val="lt1"/>
                 </a:solidFill>
-                <a:latin typeface="Cabin"/>
-                <a:ea typeface="Cabin"/>
-                <a:cs typeface="Cabin"/>
+                <a:latin typeface="Arial" charset="0"/>
+                <a:ea typeface="Arial" charset="0"/>
+                <a:cs typeface="Arial" charset="0"/>
                 <a:sym typeface="Cabin"/>
               </a:rPr>
               <a:t>80</a:t>
@@ -34840,13 +34840,13 @@
               <a:buNone/>
             </a:pPr>
             <a:r>
-              <a:rPr lang="en-US" sz="6000" b="0" i="0" u="none" strike="noStrike" cap="none">
+              <a:rPr lang="en-US" sz="6000" u="none" strike="noStrike" cap="none">
                 <a:solidFill>
                   <a:srgbClr val="0000FF"/>
                 </a:solidFill>
-                <a:latin typeface="Cabin"/>
-                <a:ea typeface="Cabin"/>
-                <a:cs typeface="Cabin"/>
+                <a:latin typeface="Arial" charset="0"/>
+                <a:ea typeface="Arial" charset="0"/>
+                <a:cs typeface="Arial" charset="0"/>
                 <a:sym typeface="Cabin"/>
               </a:rPr>
               <a:t>Browser</a:t>
@@ -34976,13 +34976,13 @@
               <a:buNone/>
             </a:pPr>
             <a:r>
-              <a:rPr lang="en-US" sz="3000" b="0" i="0" u="none" strike="noStrike" cap="none">
+              <a:rPr lang="en-US" sz="3000" u="none" strike="noStrike" cap="none">
                 <a:solidFill>
                   <a:srgbClr val="FFFF00"/>
                 </a:solidFill>
-                <a:latin typeface="Cabin"/>
-                <a:ea typeface="Cabin"/>
-                <a:cs typeface="Cabin"/>
+                <a:latin typeface="Arial" charset="0"/>
+                <a:ea typeface="Arial" charset="0"/>
+                <a:cs typeface="Arial" charset="0"/>
                 <a:sym typeface="Cabin"/>
               </a:rPr>
               <a:t>GET http://www.dr-chuck.com/page2.htm</a:t>
@@ -35035,13 +35035,13 @@
               <a:buNone/>
             </a:pPr>
             <a:r>
-              <a:rPr lang="en-US" sz="5200" b="0" i="0" u="none" strike="noStrike" cap="none">
+              <a:rPr lang="en-US" sz="5200" u="none" strike="noStrike" cap="none">
                 <a:solidFill>
                   <a:srgbClr val="0000FF"/>
                 </a:solidFill>
-                <a:latin typeface="Cabin"/>
-                <a:ea typeface="Cabin"/>
-                <a:cs typeface="Cabin"/>
+                <a:latin typeface="Arial" charset="0"/>
+                <a:ea typeface="Arial" charset="0"/>
+                <a:cs typeface="Arial" charset="0"/>
                 <a:sym typeface="Cabin"/>
               </a:rPr>
               <a:t>Web Server</a:t>
@@ -35109,13 +35109,13 @@
               <a:buNone/>
             </a:pPr>
             <a:r>
-              <a:rPr lang="en-US" sz="2600" b="0" i="0" u="none" strike="noStrike" cap="none">
+              <a:rPr lang="en-US" sz="2600" u="none" strike="noStrike" cap="none">
                 <a:solidFill>
                   <a:schemeClr val="lt1"/>
                 </a:solidFill>
-                <a:latin typeface="Cabin"/>
-                <a:ea typeface="Cabin"/>
-                <a:cs typeface="Cabin"/>
+                <a:latin typeface="Arial" charset="0"/>
+                <a:ea typeface="Arial" charset="0"/>
+                <a:cs typeface="Arial" charset="0"/>
                 <a:sym typeface="Cabin"/>
               </a:rPr>
               <a:t>80</a:t>
@@ -35220,13 +35220,13 @@
               <a:buNone/>
             </a:pPr>
             <a:r>
-              <a:rPr lang="en-US" sz="6000" b="0" i="0" u="none" strike="noStrike" cap="none">
+              <a:rPr lang="en-US" sz="6000" u="none" strike="noStrike" cap="none">
                 <a:solidFill>
                   <a:srgbClr val="0000FF"/>
                 </a:solidFill>
-                <a:latin typeface="Cabin"/>
-                <a:ea typeface="Cabin"/>
-                <a:cs typeface="Cabin"/>
+                <a:latin typeface="Arial" charset="0"/>
+                <a:ea typeface="Arial" charset="0"/>
+                <a:cs typeface="Arial" charset="0"/>
                 <a:sym typeface="Cabin"/>
               </a:rPr>
               <a:t>Browser</a:t>
@@ -35382,13 +35382,13 @@
               <a:buNone/>
             </a:pPr>
             <a:r>
-              <a:rPr lang="en-US" sz="3000" b="0" i="0" u="none" strike="noStrike" cap="none">
+              <a:rPr lang="en-US" sz="3000" u="none" strike="noStrike" cap="none">
                 <a:solidFill>
                   <a:srgbClr val="00FF00"/>
                 </a:solidFill>
-                <a:latin typeface="Cabin"/>
-                <a:ea typeface="Cabin"/>
-                <a:cs typeface="Cabin"/>
+                <a:latin typeface="Arial" charset="0"/>
+                <a:ea typeface="Arial" charset="0"/>
+                <a:cs typeface="Arial" charset="0"/>
                 <a:sym typeface="Cabin"/>
               </a:rPr>
               <a:t>&lt;h1&gt;The Second Page&lt;/h1&gt;</a:t>
@@ -35413,13 +35413,13 @@
               <a:buNone/>
             </a:pPr>
             <a:r>
-              <a:rPr lang="en-US" sz="3000" b="0" i="0" u="none" strike="noStrike" cap="none">
+              <a:rPr lang="en-US" sz="3000" u="none" strike="noStrike" cap="none">
                 <a:solidFill>
                   <a:srgbClr val="00FF00"/>
                 </a:solidFill>
-                <a:latin typeface="Cabin"/>
-                <a:ea typeface="Cabin"/>
-                <a:cs typeface="Cabin"/>
+                <a:latin typeface="Arial" charset="0"/>
+                <a:ea typeface="Arial" charset="0"/>
+                <a:cs typeface="Arial" charset="0"/>
                 <a:sym typeface="Cabin"/>
               </a:rPr>
               <a:t>&lt;p&gt;If you like, you can switch back to the &lt;a href="page1.htm"&gt;First Page&lt;/a&gt;.&lt;/p&gt;</a:t>
@@ -35472,13 +35472,13 @@
               <a:buNone/>
             </a:pPr>
             <a:r>
-              <a:rPr lang="en-US" sz="5200" b="0" i="0" u="none" strike="noStrike" cap="none">
+              <a:rPr lang="en-US" sz="5200" u="none" strike="noStrike" cap="none">
                 <a:solidFill>
                   <a:srgbClr val="0000FF"/>
                 </a:solidFill>
-                <a:latin typeface="Cabin"/>
-                <a:ea typeface="Cabin"/>
-                <a:cs typeface="Cabin"/>
+                <a:latin typeface="Arial" charset="0"/>
+                <a:ea typeface="Arial" charset="0"/>
+                <a:cs typeface="Arial" charset="0"/>
                 <a:sym typeface="Cabin"/>
               </a:rPr>
               <a:t>Web Server</a:t>
@@ -35546,13 +35546,13 @@
               <a:buNone/>
             </a:pPr>
             <a:r>
-              <a:rPr lang="en-US" sz="2600" b="0" i="0" u="none" strike="noStrike" cap="none">
+              <a:rPr lang="en-US" sz="2600" u="none" strike="noStrike" cap="none">
                 <a:solidFill>
                   <a:schemeClr val="lt1"/>
                 </a:solidFill>
-                <a:latin typeface="Cabin"/>
-                <a:ea typeface="Cabin"/>
-                <a:cs typeface="Cabin"/>
+                <a:latin typeface="Arial" charset="0"/>
+                <a:ea typeface="Arial" charset="0"/>
+                <a:cs typeface="Arial" charset="0"/>
                 <a:sym typeface="Cabin"/>
               </a:rPr>
               <a:t>80</a:t>
@@ -35603,13 +35603,13 @@
               <a:buNone/>
             </a:pPr>
             <a:r>
-              <a:rPr lang="en-US" sz="3000" b="0" i="0" u="none" strike="noStrike" cap="none">
+              <a:rPr lang="en-US" sz="3000" u="none" strike="noStrike" cap="none">
                 <a:solidFill>
                   <a:srgbClr val="FFFF00"/>
                 </a:solidFill>
-                <a:latin typeface="Cabin"/>
-                <a:ea typeface="Cabin"/>
-                <a:cs typeface="Cabin"/>
+                <a:latin typeface="Arial" charset="0"/>
+                <a:ea typeface="Arial" charset="0"/>
+                <a:cs typeface="Arial" charset="0"/>
                 <a:sym typeface="Cabin"/>
               </a:rPr>
               <a:t>GET http://www.dr-chuck.com/page2.htm</a:t>
@@ -35714,13 +35714,13 @@
               <a:buNone/>
             </a:pPr>
             <a:r>
-              <a:rPr lang="en-US" sz="6000" b="0" i="0" u="none" strike="noStrike" cap="none">
+              <a:rPr lang="en-US" sz="6000" u="none" strike="noStrike" cap="none">
                 <a:solidFill>
                   <a:srgbClr val="0000FF"/>
                 </a:solidFill>
-                <a:latin typeface="Cabin"/>
-                <a:ea typeface="Cabin"/>
-                <a:cs typeface="Cabin"/>
+                <a:latin typeface="Arial" charset="0"/>
+                <a:ea typeface="Arial" charset="0"/>
+                <a:cs typeface="Arial" charset="0"/>
                 <a:sym typeface="Cabin"/>
               </a:rPr>
               <a:t>Browser</a:t>
@@ -35773,13 +35773,13 @@
               <a:buNone/>
             </a:pPr>
             <a:r>
-              <a:rPr lang="en-US" sz="5200" b="0" i="0" u="none" strike="noStrike" cap="none">
+              <a:rPr lang="en-US" sz="5200" u="none" strike="noStrike" cap="none">
                 <a:solidFill>
                   <a:srgbClr val="0000FF"/>
                 </a:solidFill>
-                <a:latin typeface="Cabin"/>
-                <a:ea typeface="Cabin"/>
-                <a:cs typeface="Cabin"/>
+                <a:latin typeface="Arial" charset="0"/>
+                <a:ea typeface="Arial" charset="0"/>
+                <a:cs typeface="Arial" charset="0"/>
                 <a:sym typeface="Cabin"/>
               </a:rPr>
               <a:t>Web Server</a:t>
@@ -36003,13 +36003,13 @@
               <a:buNone/>
             </a:pPr>
             <a:r>
-              <a:rPr lang="en-US" sz="3000" b="0" i="0" u="none" strike="noStrike" cap="none">
+              <a:rPr lang="en-US" sz="3000" u="none" strike="noStrike" cap="none">
                 <a:solidFill>
                   <a:srgbClr val="00FF00"/>
                 </a:solidFill>
-                <a:latin typeface="Cabin"/>
-                <a:ea typeface="Cabin"/>
-                <a:cs typeface="Cabin"/>
+                <a:latin typeface="Arial" charset="0"/>
+                <a:ea typeface="Arial" charset="0"/>
+                <a:cs typeface="Arial" charset="0"/>
                 <a:sym typeface="Cabin"/>
               </a:rPr>
               <a:t>&lt;h1&gt;The Second Page&lt;/h1&gt;</a:t>
@@ -36034,13 +36034,13 @@
               <a:buNone/>
             </a:pPr>
             <a:r>
-              <a:rPr lang="en-US" sz="3000" b="0" i="0" u="none" strike="noStrike" cap="none">
+              <a:rPr lang="en-US" sz="3000" u="none" strike="noStrike" cap="none">
                 <a:solidFill>
                   <a:srgbClr val="00FF00"/>
                 </a:solidFill>
-                <a:latin typeface="Cabin"/>
-                <a:ea typeface="Cabin"/>
-                <a:cs typeface="Cabin"/>
+                <a:latin typeface="Arial" charset="0"/>
+                <a:ea typeface="Arial" charset="0"/>
+                <a:cs typeface="Arial" charset="0"/>
                 <a:sym typeface="Cabin"/>
               </a:rPr>
               <a:t>&lt;p&gt;If you like, you can switch back to the &lt;a href="page1.htm"&gt;First Page&lt;/a&gt;.&lt;/p&gt;</a:t>
@@ -36093,13 +36093,13 @@
               <a:buNone/>
             </a:pPr>
             <a:r>
-              <a:rPr lang="en-US" sz="2600" b="0" i="0" u="none" strike="noStrike" cap="none">
+              <a:rPr lang="en-US" sz="2600" u="none" strike="noStrike" cap="none">
                 <a:solidFill>
                   <a:schemeClr val="lt1"/>
                 </a:solidFill>
-                <a:latin typeface="Cabin"/>
-                <a:ea typeface="Cabin"/>
-                <a:cs typeface="Cabin"/>
+                <a:latin typeface="Arial" charset="0"/>
+                <a:ea typeface="Arial" charset="0"/>
+                <a:cs typeface="Arial" charset="0"/>
                 <a:sym typeface="Cabin"/>
               </a:rPr>
               <a:t>80</a:t>
@@ -36150,13 +36150,13 @@
               <a:buNone/>
             </a:pPr>
             <a:r>
-              <a:rPr lang="en-US" sz="3000" b="0" i="0" u="none" strike="noStrike" cap="none">
+              <a:rPr lang="en-US" sz="3000" u="none" strike="noStrike" cap="none">
                 <a:solidFill>
                   <a:srgbClr val="FFFF00"/>
                 </a:solidFill>
-                <a:latin typeface="Cabin"/>
-                <a:ea typeface="Cabin"/>
-                <a:cs typeface="Cabin"/>
+                <a:latin typeface="Arial" charset="0"/>
+                <a:ea typeface="Arial" charset="0"/>
+                <a:cs typeface="Arial" charset="0"/>
                 <a:sym typeface="Cabin"/>
               </a:rPr>
               <a:t>GET http://www.dr-chuck.com/page2.htm</a:t>
@@ -36236,13 +36236,13 @@
               <a:buNone/>
             </a:pPr>
             <a:r>
-              <a:rPr lang="en-US" sz="7600" b="1" i="0" u="none" strike="noStrike" cap="none">
+              <a:rPr lang="en-US" sz="7600" u="none" strike="noStrike" cap="none">
                 <a:solidFill>
                   <a:srgbClr val="FFD966"/>
                 </a:solidFill>
-                <a:latin typeface="Cabin"/>
-                <a:ea typeface="Cabin"/>
-                <a:cs typeface="Cabin"/>
+                <a:latin typeface="Arial" charset="0"/>
+                <a:ea typeface="Arial" charset="0"/>
+                <a:cs typeface="Arial" charset="0"/>
                 <a:sym typeface="Cabin"/>
               </a:rPr>
               <a:t>Internet Standards</a:t>
@@ -36293,13 +36293,13 @@
               <a:buFont typeface="Cabin"/>
             </a:pPr>
             <a:r>
-              <a:rPr lang="en-US" sz="3400" b="0" i="0" u="none" strike="noStrike" cap="none">
+              <a:rPr lang="en-US" sz="3400" u="none" strike="noStrike" cap="none">
                 <a:solidFill>
                   <a:schemeClr val="lt1"/>
                 </a:solidFill>
-                <a:latin typeface="Cabin"/>
-                <a:ea typeface="Cabin"/>
-                <a:cs typeface="Cabin"/>
+                <a:latin typeface="Arial" charset="0"/>
+                <a:ea typeface="Arial" charset="0"/>
+                <a:cs typeface="Arial" charset="0"/>
                 <a:sym typeface="Cabin"/>
               </a:rPr>
               <a:t>The standards for all of the Internet protocols (inner workings) are developed by an organization</a:t>
@@ -36320,13 +36320,13 @@
               <a:buFont typeface="Cabin"/>
             </a:pPr>
             <a:r>
-              <a:rPr lang="en-US" sz="3400" b="0" i="0" u="none" strike="noStrike" cap="none">
+              <a:rPr lang="en-US" sz="3400" u="none" strike="noStrike" cap="none">
                 <a:solidFill>
                   <a:schemeClr val="lt1"/>
                 </a:solidFill>
-                <a:latin typeface="Cabin"/>
-                <a:ea typeface="Cabin"/>
-                <a:cs typeface="Cabin"/>
+                <a:latin typeface="Arial" charset="0"/>
+                <a:ea typeface="Arial" charset="0"/>
+                <a:cs typeface="Arial" charset="0"/>
                 <a:sym typeface="Cabin"/>
               </a:rPr>
               <a:t>Internet Engineering Task Force (IETF)</a:t>
@@ -36347,13 +36347,13 @@
               <a:buFont typeface="Cabin"/>
             </a:pPr>
             <a:r>
-              <a:rPr lang="en-US" sz="3400" b="0" i="0" u="none" strike="noStrike" cap="none">
+              <a:rPr lang="en-US" sz="3400" u="none" strike="noStrike" cap="none">
                 <a:solidFill>
                   <a:schemeClr val="lt1"/>
                 </a:solidFill>
-                <a:latin typeface="Cabin"/>
-                <a:ea typeface="Cabin"/>
-                <a:cs typeface="Cabin"/>
+                <a:latin typeface="Arial" charset="0"/>
+                <a:ea typeface="Arial" charset="0"/>
+                <a:cs typeface="Arial" charset="0"/>
                 <a:sym typeface="Cabin"/>
               </a:rPr>
               <a:t>www.ietf.org</a:t>
@@ -36373,13 +36373,13 @@
               <a:buSzPct val="100000"/>
             </a:pPr>
             <a:r>
-              <a:rPr lang="en-US" sz="3400" b="0" i="0" u="none" strike="noStrike" cap="none">
+              <a:rPr lang="en-US" sz="3400" u="none" strike="noStrike" cap="none">
                 <a:solidFill>
                   <a:schemeClr val="lt1"/>
                 </a:solidFill>
-                <a:latin typeface="Cabin"/>
-                <a:ea typeface="Cabin"/>
-                <a:cs typeface="Cabin"/>
+                <a:latin typeface="Arial" charset="0"/>
+                <a:ea typeface="Arial" charset="0"/>
+                <a:cs typeface="Arial" charset="0"/>
                 <a:sym typeface="Cabin"/>
               </a:rPr>
               <a:t>Standards are called </a:t>
@@ -36397,13 +36397,13 @@
               <a:t>“</a:t>
             </a:r>
             <a:r>
-              <a:rPr lang="en-US" sz="3400" b="0" i="0" u="none" strike="noStrike" cap="none">
+              <a:rPr lang="en-US" sz="3400" u="none" strike="noStrike" cap="none">
                 <a:solidFill>
                   <a:schemeClr val="lt1"/>
                 </a:solidFill>
-                <a:latin typeface="Cabin"/>
-                <a:ea typeface="Cabin"/>
-                <a:cs typeface="Cabin"/>
+                <a:latin typeface="Arial" charset="0"/>
+                <a:ea typeface="Arial" charset="0"/>
+                <a:cs typeface="Arial" charset="0"/>
                 <a:sym typeface="Cabin"/>
               </a:rPr>
               <a:t>RFCs</a:t>
@@ -36421,13 +36421,13 @@
               <a:t>”</a:t>
             </a:r>
             <a:r>
-              <a:rPr lang="en-US" sz="3400" b="0" i="0" u="none" strike="noStrike" cap="none">
+              <a:rPr lang="en-US" sz="3400" u="none" strike="noStrike" cap="none">
                 <a:solidFill>
                   <a:schemeClr val="lt1"/>
                 </a:solidFill>
-                <a:latin typeface="Cabin"/>
-                <a:ea typeface="Cabin"/>
-                <a:cs typeface="Cabin"/>
+                <a:latin typeface="Arial" charset="0"/>
+                <a:ea typeface="Arial" charset="0"/>
+                <a:cs typeface="Arial" charset="0"/>
                 <a:sym typeface="Cabin"/>
               </a:rPr>
               <a:t> - </a:t>
@@ -36445,13 +36445,13 @@
               <a:t>“</a:t>
             </a:r>
             <a:r>
-              <a:rPr lang="en-US" sz="3400" b="0" i="0" u="none" strike="noStrike" cap="none">
+              <a:rPr lang="en-US" sz="3400" u="none" strike="noStrike" cap="none">
                 <a:solidFill>
                   <a:schemeClr val="lt1"/>
                 </a:solidFill>
-                <a:latin typeface="Cabin"/>
-                <a:ea typeface="Cabin"/>
-                <a:cs typeface="Cabin"/>
+                <a:latin typeface="Arial" charset="0"/>
+                <a:ea typeface="Arial" charset="0"/>
+                <a:cs typeface="Arial" charset="0"/>
                 <a:sym typeface="Cabin"/>
               </a:rPr>
               <a:t>Request for Comments</a:t>
@@ -36514,50 +36514,50 @@
               <a:buNone/>
             </a:pPr>
             <a:r>
-              <a:rPr lang="en-US" sz="3000" b="0" i="0" u="none" strike="noStrike" cap="none">
+              <a:rPr lang="en-US" sz="3000" u="none" strike="noStrike" cap="none">
                 <a:solidFill>
                   <a:schemeClr val="lt1"/>
                 </a:solidFill>
-                <a:latin typeface="Cabin"/>
-                <a:ea typeface="Cabin"/>
-                <a:cs typeface="Cabin"/>
+                <a:latin typeface="Arial" charset="0"/>
+                <a:ea typeface="Arial" charset="0"/>
+                <a:cs typeface="Arial" charset="0"/>
                 <a:sym typeface="Cabin"/>
               </a:rPr>
               <a:t>Source:</a:t>
             </a:r>
             <a:r>
-              <a:rPr lang="en-US" sz="3000" b="0" i="0" u="none" strike="noStrike" cap="none">
+              <a:rPr lang="en-US" sz="3000" u="none" strike="noStrike" cap="none">
                 <a:solidFill>
                   <a:srgbClr val="FFFF00"/>
                 </a:solidFill>
-                <a:latin typeface="Cabin"/>
-                <a:ea typeface="Cabin"/>
-                <a:cs typeface="Cabin"/>
+                <a:latin typeface="Arial" charset="0"/>
+                <a:ea typeface="Arial" charset="0"/>
+                <a:cs typeface="Arial" charset="0"/>
                 <a:sym typeface="Cabin"/>
               </a:rPr>
               <a:t> </a:t>
             </a:r>
             <a:r>
-              <a:rPr lang="en-US" sz="3000" b="0" i="0" u="sng" strike="noStrike" cap="none">
+              <a:rPr lang="en-US" sz="3000" u="sng" strike="noStrike" cap="none">
                 <a:solidFill>
                   <a:srgbClr val="FFFF00"/>
                 </a:solidFill>
-                <a:latin typeface="Cabin"/>
-                <a:ea typeface="Cabin"/>
-                <a:cs typeface="Cabin"/>
+                <a:latin typeface="Arial" charset="0"/>
+                <a:ea typeface="Arial" charset="0"/>
+                <a:cs typeface="Arial" charset="0"/>
                 <a:sym typeface="Cabin"/>
                 <a:hlinkClick r:id="rId3"/>
               </a:rPr>
               <a:t>http://tools.ietf.org/html/rfc791</a:t>
             </a:r>
             <a:r>
-              <a:rPr lang="en-US" sz="3000" b="0" i="0" u="none" strike="noStrike" cap="none">
+              <a:rPr lang="en-US" sz="3000" u="none" strike="noStrike" cap="none">
                 <a:solidFill>
                   <a:srgbClr val="FFFF00"/>
                 </a:solidFill>
-                <a:latin typeface="Cabin"/>
-                <a:ea typeface="Cabin"/>
-                <a:cs typeface="Cabin"/>
+                <a:latin typeface="Arial" charset="0"/>
+                <a:ea typeface="Arial" charset="0"/>
+                <a:cs typeface="Arial" charset="0"/>
                 <a:sym typeface="Cabin"/>
               </a:rPr>
               <a:t> </a:t>
@@ -36714,13 +36714,13 @@
               <a:buNone/>
             </a:pPr>
             <a:r>
-              <a:rPr lang="en-US" sz="3400" i="0" u="none" strike="noStrike" cap="none">
+              <a:rPr lang="en-US" sz="3400" u="none" strike="noStrike" cap="none">
                 <a:solidFill>
                   <a:srgbClr val="FFFF00"/>
                 </a:solidFill>
-                <a:latin typeface="Cabin"/>
-                <a:ea typeface="Cabin"/>
-                <a:cs typeface="Cabin"/>
+                <a:latin typeface="Arial" charset="0"/>
+                <a:ea typeface="Arial" charset="0"/>
+                <a:cs typeface="Arial" charset="0"/>
                 <a:sym typeface="Cabin"/>
               </a:rPr>
               <a:t>http://www.w3.org/Protocols/rfc2616/rfc2616.txt</a:t>
@@ -36929,13 +36929,13 @@
               <a:buNone/>
             </a:pPr>
             <a:r>
-              <a:rPr lang="en-US" sz="5000" b="0" i="0" u="none" strike="noStrike" cap="none">
+              <a:rPr lang="en-US" sz="5000" u="none" strike="noStrike" cap="none">
                 <a:solidFill>
                   <a:srgbClr val="FF0000"/>
                 </a:solidFill>
-                <a:latin typeface="Cabin"/>
-                <a:ea typeface="Cabin"/>
-                <a:cs typeface="Cabin"/>
+                <a:latin typeface="Arial" charset="0"/>
+                <a:ea typeface="Arial" charset="0"/>
+                <a:cs typeface="Arial" charset="0"/>
                 <a:sym typeface="Cabin"/>
               </a:rPr>
               <a:t>Internet</a:t>
@@ -37038,13 +37038,13 @@
               <a:buNone/>
             </a:pPr>
             <a:r>
-              <a:rPr lang="en-US" sz="3400" b="0" i="0" u="none" strike="noStrike" cap="none">
+              <a:rPr lang="en-US" sz="3400" u="none" strike="noStrike" cap="none">
                 <a:solidFill>
                   <a:srgbClr val="FF7F00"/>
                 </a:solidFill>
-                <a:latin typeface="Cabin"/>
-                <a:ea typeface="Cabin"/>
-                <a:cs typeface="Cabin"/>
+                <a:latin typeface="Arial" charset="0"/>
+                <a:ea typeface="Arial" charset="0"/>
+                <a:cs typeface="Arial" charset="0"/>
                 <a:sym typeface="Cabin"/>
               </a:rPr>
               <a:t>HTML</a:t>
@@ -37095,13 +37095,13 @@
               <a:buNone/>
             </a:pPr>
             <a:r>
-              <a:rPr lang="en-US" sz="3400" b="0" i="0" u="none" strike="noStrike" cap="none">
+              <a:rPr lang="en-US" sz="3400" u="none" strike="noStrike" cap="none">
                 <a:solidFill>
                   <a:schemeClr val="lt1"/>
                 </a:solidFill>
-                <a:latin typeface="Cabin"/>
-                <a:ea typeface="Cabin"/>
-                <a:cs typeface="Cabin"/>
+                <a:latin typeface="Arial" charset="0"/>
+                <a:ea typeface="Arial" charset="0"/>
+                <a:cs typeface="Arial" charset="0"/>
                 <a:sym typeface="Cabin"/>
               </a:rPr>
               <a:t>CSS</a:t>
@@ -37152,13 +37152,13 @@
               <a:buNone/>
             </a:pPr>
             <a:r>
-              <a:rPr lang="en-US" sz="3400" b="0" i="0" u="none" strike="noStrike" cap="none">
+              <a:rPr lang="en-US" sz="3400" u="none" strike="noStrike" cap="none">
                 <a:solidFill>
                   <a:schemeClr val="lt1"/>
                 </a:solidFill>
-                <a:latin typeface="Cabin"/>
-                <a:ea typeface="Cabin"/>
-                <a:cs typeface="Cabin"/>
+                <a:latin typeface="Arial" charset="0"/>
+                <a:ea typeface="Arial" charset="0"/>
+                <a:cs typeface="Arial" charset="0"/>
                 <a:sym typeface="Cabin"/>
               </a:rPr>
               <a:t>JavaScript</a:t>
@@ -37209,13 +37209,13 @@
               <a:buNone/>
             </a:pPr>
             <a:r>
-              <a:rPr lang="en-US" sz="3400" b="0" i="0" u="none" strike="noStrike" cap="none">
+              <a:rPr lang="en-US" sz="3400" u="none" strike="noStrike" cap="none">
                 <a:solidFill>
                   <a:schemeClr val="lt1"/>
                 </a:solidFill>
-                <a:latin typeface="Cabin"/>
-                <a:ea typeface="Cabin"/>
-                <a:cs typeface="Cabin"/>
+                <a:latin typeface="Arial" charset="0"/>
+                <a:ea typeface="Arial" charset="0"/>
+                <a:cs typeface="Arial" charset="0"/>
                 <a:sym typeface="Cabin"/>
               </a:rPr>
               <a:t>AJAX</a:t>
@@ -37266,13 +37266,13 @@
               <a:buNone/>
             </a:pPr>
             <a:r>
-              <a:rPr lang="en-US" sz="3400" b="0" i="0" u="none" strike="noStrike" cap="none">
+              <a:rPr lang="en-US" sz="3400" u="none" strike="noStrike" cap="none">
                 <a:solidFill>
                   <a:srgbClr val="00FF00"/>
                 </a:solidFill>
-                <a:latin typeface="Cabin"/>
-                <a:ea typeface="Cabin"/>
-                <a:cs typeface="Cabin"/>
+                <a:latin typeface="Arial" charset="0"/>
+                <a:ea typeface="Arial" charset="0"/>
+                <a:cs typeface="Arial" charset="0"/>
                 <a:sym typeface="Cabin"/>
               </a:rPr>
               <a:t>HTTP</a:t>
@@ -37323,13 +37323,13 @@
               <a:buNone/>
             </a:pPr>
             <a:r>
-              <a:rPr lang="en-US" sz="3400" b="0" i="0" u="none" strike="noStrike" cap="none">
+              <a:rPr lang="en-US" sz="3400" u="none" strike="noStrike" cap="none">
                 <a:solidFill>
                   <a:srgbClr val="00FF00"/>
                 </a:solidFill>
-                <a:latin typeface="Cabin"/>
-                <a:ea typeface="Cabin"/>
-                <a:cs typeface="Cabin"/>
+                <a:latin typeface="Arial" charset="0"/>
+                <a:ea typeface="Arial" charset="0"/>
+                <a:cs typeface="Arial" charset="0"/>
                 <a:sym typeface="Cabin"/>
               </a:rPr>
               <a:t>Request</a:t>
@@ -37380,13 +37380,13 @@
               <a:buNone/>
             </a:pPr>
             <a:r>
-              <a:rPr lang="en-US" sz="3400" b="0" i="0" u="none" strike="noStrike" cap="none">
+              <a:rPr lang="en-US" sz="3400" u="none" strike="noStrike" cap="none">
                 <a:solidFill>
                   <a:srgbClr val="00FF00"/>
                 </a:solidFill>
-                <a:latin typeface="Cabin"/>
-                <a:ea typeface="Cabin"/>
-                <a:cs typeface="Cabin"/>
+                <a:latin typeface="Arial" charset="0"/>
+                <a:ea typeface="Arial" charset="0"/>
+                <a:cs typeface="Arial" charset="0"/>
                 <a:sym typeface="Cabin"/>
               </a:rPr>
               <a:t>Response</a:t>
@@ -37437,13 +37437,13 @@
               <a:buNone/>
             </a:pPr>
             <a:r>
-              <a:rPr lang="en-US" sz="3400" b="0" i="0" u="none" strike="noStrike" cap="none">
+              <a:rPr lang="en-US" sz="3400" u="none" strike="noStrike" cap="none">
                 <a:solidFill>
                   <a:srgbClr val="00FF00"/>
                 </a:solidFill>
-                <a:latin typeface="Cabin"/>
-                <a:ea typeface="Cabin"/>
-                <a:cs typeface="Cabin"/>
+                <a:latin typeface="Arial" charset="0"/>
+                <a:ea typeface="Arial" charset="0"/>
+                <a:cs typeface="Arial" charset="0"/>
                 <a:sym typeface="Cabin"/>
               </a:rPr>
               <a:t>GET</a:t>
@@ -37494,13 +37494,13 @@
               <a:buNone/>
             </a:pPr>
             <a:r>
-              <a:rPr lang="en-US" sz="3400" b="0" i="0" u="none" strike="noStrike" cap="none">
+              <a:rPr lang="en-US" sz="3400" u="none" strike="noStrike" cap="none">
                 <a:solidFill>
                   <a:srgbClr val="00FF00"/>
                 </a:solidFill>
-                <a:latin typeface="Cabin"/>
-                <a:ea typeface="Cabin"/>
-                <a:cs typeface="Cabin"/>
+                <a:latin typeface="Arial" charset="0"/>
+                <a:ea typeface="Arial" charset="0"/>
+                <a:cs typeface="Arial" charset="0"/>
                 <a:sym typeface="Cabin"/>
               </a:rPr>
               <a:t>POST</a:t>
@@ -37551,13 +37551,13 @@
               <a:buNone/>
             </a:pPr>
             <a:r>
-              <a:rPr lang="en-US" sz="3400" b="0" i="0" u="none" strike="noStrike" cap="none">
+              <a:rPr lang="en-US" sz="3400" u="none" strike="noStrike" cap="none">
                 <a:solidFill>
                   <a:srgbClr val="FF00FF"/>
                 </a:solidFill>
-                <a:latin typeface="Cabin"/>
-                <a:ea typeface="Cabin"/>
-                <a:cs typeface="Cabin"/>
+                <a:latin typeface="Arial" charset="0"/>
+                <a:ea typeface="Arial" charset="0"/>
+                <a:cs typeface="Arial" charset="0"/>
                 <a:sym typeface="Cabin"/>
               </a:rPr>
               <a:t>Python</a:t>
@@ -37608,13 +37608,13 @@
               <a:buNone/>
             </a:pPr>
             <a:r>
-              <a:rPr lang="en-US" sz="3400" b="0" i="0" u="none" strike="noStrike" cap="none">
+              <a:rPr lang="en-US" sz="3400" u="none" strike="noStrike" cap="none">
                 <a:solidFill>
                   <a:schemeClr val="lt1"/>
                 </a:solidFill>
-                <a:latin typeface="Cabin"/>
-                <a:ea typeface="Cabin"/>
-                <a:cs typeface="Cabin"/>
+                <a:latin typeface="Arial" charset="0"/>
+                <a:ea typeface="Arial" charset="0"/>
+                <a:cs typeface="Arial" charset="0"/>
                 <a:sym typeface="Cabin"/>
               </a:rPr>
               <a:t>Templates</a:t>
@@ -37665,13 +37665,13 @@
               <a:buNone/>
             </a:pPr>
             <a:r>
-              <a:rPr lang="en-US" sz="3400" b="0" i="0" u="none" strike="noStrike" cap="none">
+              <a:rPr lang="en-US" sz="3400" u="none" strike="noStrike" cap="none">
                 <a:solidFill>
                   <a:schemeClr val="lt1"/>
                 </a:solidFill>
-                <a:latin typeface="Cabin"/>
-                <a:ea typeface="Cabin"/>
-                <a:cs typeface="Cabin"/>
+                <a:latin typeface="Arial" charset="0"/>
+                <a:ea typeface="Arial" charset="0"/>
+                <a:cs typeface="Arial" charset="0"/>
                 <a:sym typeface="Cabin"/>
               </a:rPr>
               <a:t>Data Store</a:t>
@@ -37722,13 +37722,13 @@
               <a:buNone/>
             </a:pPr>
             <a:r>
-              <a:rPr lang="en-US" sz="3400" b="0" i="0" u="none" strike="noStrike" cap="none">
+              <a:rPr lang="en-US" sz="3400" u="none" strike="noStrike" cap="none">
                 <a:solidFill>
                   <a:schemeClr val="lt1"/>
                 </a:solidFill>
-                <a:latin typeface="Cabin"/>
-                <a:ea typeface="Cabin"/>
-                <a:cs typeface="Cabin"/>
+                <a:latin typeface="Arial" charset="0"/>
+                <a:ea typeface="Arial" charset="0"/>
+                <a:cs typeface="Arial" charset="0"/>
                 <a:sym typeface="Cabin"/>
               </a:rPr>
               <a:t>memcache</a:t>
@@ -37779,13 +37779,13 @@
               <a:buNone/>
             </a:pPr>
             <a:r>
-              <a:rPr lang="en-US" sz="3400" b="0" i="0" u="none" strike="noStrike" cap="none">
+              <a:rPr lang="en-US" sz="3400" u="none" strike="noStrike" cap="none">
                 <a:solidFill>
                   <a:srgbClr val="00FF00"/>
                 </a:solidFill>
-                <a:latin typeface="Cabin"/>
-                <a:ea typeface="Cabin"/>
-                <a:cs typeface="Cabin"/>
+                <a:latin typeface="Arial" charset="0"/>
+                <a:ea typeface="Arial" charset="0"/>
+                <a:cs typeface="Arial" charset="0"/>
                 <a:sym typeface="Cabin"/>
               </a:rPr>
               <a:t>socket</a:t>
@@ -37865,13 +37865,13 @@
               <a:buNone/>
             </a:pPr>
             <a:r>
-              <a:rPr lang="en-US" sz="7600" b="1" i="0" u="none" strike="noStrike" cap="none">
+              <a:rPr lang="en-US" sz="7600" u="none" strike="noStrike" cap="none">
                 <a:solidFill>
                   <a:srgbClr val="FFD966"/>
                 </a:solidFill>
-                <a:latin typeface="Cabin"/>
-                <a:ea typeface="Cabin"/>
-                <a:cs typeface="Cabin"/>
+                <a:latin typeface="Arial" charset="0"/>
+                <a:ea typeface="Arial" charset="0"/>
+                <a:cs typeface="Arial" charset="0"/>
                 <a:sym typeface="Cabin"/>
               </a:rPr>
               <a:t>Making an HTTP request</a:t>
@@ -37922,25 +37922,25 @@
               <a:buFont typeface="Cabin"/>
             </a:pPr>
             <a:r>
-              <a:rPr lang="en-US" sz="3600" b="0" i="0" u="none" strike="noStrike" cap="none">
+              <a:rPr lang="en-US" sz="3600" u="none" strike="noStrike" cap="none">
                 <a:solidFill>
                   <a:schemeClr val="lt1"/>
                 </a:solidFill>
-                <a:latin typeface="Cabin"/>
-                <a:ea typeface="Cabin"/>
-                <a:cs typeface="Cabin"/>
+                <a:latin typeface="Arial" charset="0"/>
+                <a:ea typeface="Arial" charset="0"/>
+                <a:cs typeface="Arial" charset="0"/>
                 <a:sym typeface="Cabin"/>
               </a:rPr>
               <a:t>Connect to the server like </a:t>
             </a:r>
             <a:r>
-              <a:rPr lang="en-US" sz="3600" b="0" i="0" u="none" strike="noStrike" cap="none">
+              <a:rPr lang="en-US" sz="3600" u="none" strike="noStrike" cap="none">
                 <a:solidFill>
                   <a:srgbClr val="FFFF00"/>
                 </a:solidFill>
-                <a:latin typeface="Cabin"/>
-                <a:ea typeface="Cabin"/>
-                <a:cs typeface="Cabin"/>
+                <a:latin typeface="Arial" charset="0"/>
+                <a:ea typeface="Arial" charset="0"/>
+                <a:cs typeface="Arial" charset="0"/>
                 <a:sym typeface="Cabin"/>
               </a:rPr>
               <a:t>www.dr-chuck.com</a:t>
@@ -37961,13 +37961,13 @@
               <a:buFont typeface="Cabin"/>
             </a:pPr>
             <a:r>
-              <a:rPr lang="en-US" sz="3600" b="0" i="0" u="none" strike="noStrike" cap="none">
+              <a:rPr lang="en-US" sz="3600" u="none" strike="noStrike" cap="none">
                 <a:solidFill>
                   <a:schemeClr val="lt1"/>
                 </a:solidFill>
-                <a:latin typeface="Cabin"/>
-                <a:ea typeface="Cabin"/>
-                <a:cs typeface="Cabin"/>
+                <a:latin typeface="Arial" charset="0"/>
+                <a:ea typeface="Arial" charset="0"/>
+                <a:cs typeface="Arial" charset="0"/>
                 <a:sym typeface="Cabin"/>
               </a:rPr>
               <a:t>a </a:t>
@@ -37977,21 +37977,21 @@
                 <a:solidFill>
                   <a:schemeClr val="lt1"/>
                 </a:solidFill>
-                <a:latin typeface="Cabin"/>
-                <a:ea typeface="Cabin"/>
-                <a:cs typeface="Cabin"/>
+                <a:latin typeface="Arial" charset="0"/>
+                <a:ea typeface="Arial" charset="0"/>
+                <a:cs typeface="Arial" charset="0"/>
                 <a:sym typeface="Cabin"/>
               </a:rPr>
               <a:t>“</a:t>
             </a:r>
             <a:r>
-              <a:rPr lang="en-US" sz="3600" b="0" i="0" u="none" strike="noStrike" cap="none">
+              <a:rPr lang="en-US" sz="3600" u="none" strike="noStrike" cap="none">
                 <a:solidFill>
                   <a:schemeClr val="lt1"/>
                 </a:solidFill>
-                <a:latin typeface="Cabin"/>
-                <a:ea typeface="Cabin"/>
-                <a:cs typeface="Cabin"/>
+                <a:latin typeface="Arial" charset="0"/>
+                <a:ea typeface="Arial" charset="0"/>
+                <a:cs typeface="Arial" charset="0"/>
                 <a:sym typeface="Cabin"/>
               </a:rPr>
               <a:t>hand shake</a:t>
@@ -38001,9 +38001,9 @@
                 <a:solidFill>
                   <a:schemeClr val="lt1"/>
                 </a:solidFill>
-                <a:latin typeface="Cabin"/>
-                <a:ea typeface="Cabin"/>
-                <a:cs typeface="Cabin"/>
+                <a:latin typeface="Arial" charset="0"/>
+                <a:ea typeface="Arial" charset="0"/>
+                <a:cs typeface="Arial" charset="0"/>
                 <a:sym typeface="Cabin"/>
               </a:rPr>
               <a:t>”</a:t>
@@ -38024,13 +38024,13 @@
               <a:buFont typeface="Cabin"/>
             </a:pPr>
             <a:r>
-              <a:rPr lang="en-US" sz="3600" b="0" i="0" u="none" strike="noStrike" cap="none">
+              <a:rPr lang="en-US" sz="3600" u="none" strike="noStrike" cap="none">
                 <a:solidFill>
                   <a:schemeClr val="lt1"/>
                 </a:solidFill>
-                <a:latin typeface="Cabin"/>
-                <a:ea typeface="Cabin"/>
-                <a:cs typeface="Cabin"/>
+                <a:latin typeface="Arial" charset="0"/>
+                <a:ea typeface="Arial" charset="0"/>
+                <a:cs typeface="Arial" charset="0"/>
                 <a:sym typeface="Cabin"/>
               </a:rPr>
               <a:t>Request a document (or the default document)</a:t>
@@ -38054,13 +38054,13 @@
               <a:buFont typeface="Cabin"/>
             </a:pPr>
             <a:r>
-              <a:rPr lang="en-US" sz="3600" b="0" i="0" u="none" strike="noStrike" cap="none">
+              <a:rPr lang="en-US" sz="3600" u="none" strike="noStrike" cap="none">
                 <a:solidFill>
                   <a:srgbClr val="00FF00"/>
                 </a:solidFill>
-                <a:latin typeface="Cabin"/>
-                <a:ea typeface="Cabin"/>
-                <a:cs typeface="Cabin"/>
+                <a:latin typeface="Arial" charset="0"/>
+                <a:ea typeface="Arial" charset="0"/>
+                <a:cs typeface="Arial" charset="0"/>
                 <a:sym typeface="Cabin"/>
               </a:rPr>
               <a:t>GET http://www.dr-chuck.com/page1.htm</a:t>
@@ -38084,13 +38084,13 @@
               <a:buFont typeface="Cabin"/>
             </a:pPr>
             <a:r>
-              <a:rPr lang="en-US" sz="3600" b="0" i="0" u="none" strike="noStrike" cap="none">
+              <a:rPr lang="en-US" sz="3600" u="none" strike="noStrike" cap="none">
                 <a:solidFill>
                   <a:srgbClr val="00FF00"/>
                 </a:solidFill>
-                <a:latin typeface="Cabin"/>
-                <a:ea typeface="Cabin"/>
-                <a:cs typeface="Cabin"/>
+                <a:latin typeface="Arial" charset="0"/>
+                <a:ea typeface="Arial" charset="0"/>
+                <a:cs typeface="Arial" charset="0"/>
                 <a:sym typeface="Cabin"/>
               </a:rPr>
               <a:t>GET http://www.mlive.com/ann-arbor/</a:t>
@@ -38114,13 +38114,13 @@
               <a:buFont typeface="Cabin"/>
             </a:pPr>
             <a:r>
-              <a:rPr lang="en-US" sz="3600" b="0" i="0" u="none" strike="noStrike" cap="none">
+              <a:rPr lang="en-US" sz="3600" u="none" strike="noStrike" cap="none">
                 <a:solidFill>
                   <a:srgbClr val="00FF00"/>
                 </a:solidFill>
-                <a:latin typeface="Cabin"/>
-                <a:ea typeface="Cabin"/>
-                <a:cs typeface="Cabin"/>
+                <a:latin typeface="Arial" charset="0"/>
+                <a:ea typeface="Arial" charset="0"/>
+                <a:cs typeface="Arial" charset="0"/>
                 <a:sym typeface="Cabin"/>
               </a:rPr>
               <a:t>GET http://www.facebook.com</a:t>
@@ -38212,13 +38212,13 @@
               <a:t>“</a:t>
             </a:r>
             <a:r>
-              <a:rPr lang="en-US" sz="7600" b="1" i="0" u="none" strike="noStrike" cap="none">
+              <a:rPr lang="en-US" sz="7600" u="none" strike="noStrike" cap="none">
                 <a:solidFill>
                   <a:srgbClr val="FFD966"/>
                 </a:solidFill>
-                <a:latin typeface="Cabin"/>
-                <a:ea typeface="Cabin"/>
-                <a:cs typeface="Cabin"/>
+                <a:latin typeface="Arial" charset="0"/>
+                <a:ea typeface="Arial" charset="0"/>
+                <a:cs typeface="Arial" charset="0"/>
                 <a:sym typeface="Cabin"/>
               </a:rPr>
               <a:t>Hacking</a:t>
@@ -38236,13 +38236,13 @@
               <a:t>”</a:t>
             </a:r>
             <a:r>
-              <a:rPr lang="en-US" sz="7600" b="1" i="0" u="none" strike="noStrike" cap="none">
+              <a:rPr lang="en-US" sz="7600" u="none" strike="noStrike" cap="none">
                 <a:solidFill>
                   <a:srgbClr val="FFD966"/>
                 </a:solidFill>
-                <a:latin typeface="Cabin"/>
-                <a:ea typeface="Cabin"/>
-                <a:cs typeface="Cabin"/>
+                <a:latin typeface="Arial" charset="0"/>
+                <a:ea typeface="Arial" charset="0"/>
+                <a:cs typeface="Arial" charset="0"/>
                 <a:sym typeface="Cabin"/>
               </a:rPr>
               <a:t> HTTP</a:t>
@@ -38293,25 +38293,25 @@
               <a:buNone/>
             </a:pPr>
             <a:r>
-              <a:rPr lang="en-US" sz="3400" b="0" i="0" u="none" strike="noStrike" cap="none">
+              <a:rPr lang="en-US" sz="3400" u="none" strike="noStrike" cap="none">
                 <a:solidFill>
                   <a:schemeClr val="lt1"/>
                 </a:solidFill>
-                <a:latin typeface="Cabin"/>
-                <a:ea typeface="Cabin"/>
-                <a:cs typeface="Cabin"/>
+                <a:latin typeface="Arial" charset="0"/>
+                <a:ea typeface="Arial" charset="0"/>
+                <a:cs typeface="Arial" charset="0"/>
                 <a:sym typeface="Cabin"/>
               </a:rPr>
               <a:t>$ </a:t>
             </a:r>
             <a:r>
-              <a:rPr lang="en-US" sz="3400" b="0" i="0" u="none" strike="noStrike" cap="none">
+              <a:rPr lang="en-US" sz="3400" u="none" strike="noStrike" cap="none">
                 <a:solidFill>
                   <a:srgbClr val="FF9900"/>
                 </a:solidFill>
-                <a:latin typeface="Cabin"/>
-                <a:ea typeface="Cabin"/>
-                <a:cs typeface="Cabin"/>
+                <a:latin typeface="Arial" charset="0"/>
+                <a:ea typeface="Arial" charset="0"/>
+                <a:cs typeface="Arial" charset="0"/>
                 <a:sym typeface="Cabin"/>
               </a:rPr>
               <a:t>telnet www.dr-chuck.com 80</a:t>
@@ -38336,13 +38336,13 @@
               <a:buNone/>
             </a:pPr>
             <a:r>
-              <a:rPr lang="en-US" sz="3400" b="0" i="0" u="none" strike="noStrike" cap="none">
+              <a:rPr lang="en-US" sz="3400" u="none" strike="noStrike" cap="none">
                 <a:solidFill>
                   <a:schemeClr val="lt1"/>
                 </a:solidFill>
-                <a:latin typeface="Cabin"/>
-                <a:ea typeface="Cabin"/>
-                <a:cs typeface="Cabin"/>
+                <a:latin typeface="Arial" charset="0"/>
+                <a:ea typeface="Arial" charset="0"/>
+                <a:cs typeface="Arial" charset="0"/>
                 <a:sym typeface="Cabin"/>
               </a:rPr>
               <a:t>Trying 74.208.28.177...</a:t>
@@ -38367,13 +38367,13 @@
               <a:buNone/>
             </a:pPr>
             <a:r>
-              <a:rPr lang="en-US" sz="3400" b="0" i="0" u="none" strike="noStrike" cap="none">
+              <a:rPr lang="en-US" sz="3400" u="none" strike="noStrike" cap="none">
                 <a:solidFill>
                   <a:schemeClr val="lt1"/>
                 </a:solidFill>
-                <a:latin typeface="Cabin"/>
-                <a:ea typeface="Cabin"/>
-                <a:cs typeface="Cabin"/>
+                <a:latin typeface="Arial" charset="0"/>
+                <a:ea typeface="Arial" charset="0"/>
+                <a:cs typeface="Arial" charset="0"/>
                 <a:sym typeface="Cabin"/>
               </a:rPr>
               <a:t>Connected to www.dr-chuck.com.</a:t>
@@ -38398,13 +38398,13 @@
               <a:buNone/>
             </a:pPr>
             <a:r>
-              <a:rPr lang="en-US" sz="3400" b="0" i="0" u="none" strike="noStrike" cap="none">
+              <a:rPr lang="en-US" sz="3400" u="none" strike="noStrike" cap="none">
                 <a:solidFill>
                   <a:schemeClr val="lt1"/>
                 </a:solidFill>
-                <a:latin typeface="Cabin"/>
-                <a:ea typeface="Cabin"/>
-                <a:cs typeface="Cabin"/>
+                <a:latin typeface="Arial" charset="0"/>
+                <a:ea typeface="Arial" charset="0"/>
+                <a:cs typeface="Arial" charset="0"/>
                 <a:sym typeface="Cabin"/>
               </a:rPr>
               <a:t>Escape character is '^]'.</a:t>
@@ -38429,13 +38429,13 @@
               <a:buNone/>
             </a:pPr>
             <a:r>
-              <a:rPr lang="en-US" sz="3400" b="0" i="0" u="none" strike="noStrike" cap="none">
+              <a:rPr lang="en-US" sz="3400" u="none" strike="noStrike" cap="none">
                 <a:solidFill>
                   <a:srgbClr val="FFFF00"/>
                 </a:solidFill>
-                <a:latin typeface="Cabin"/>
-                <a:ea typeface="Cabin"/>
-                <a:cs typeface="Cabin"/>
+                <a:latin typeface="Arial" charset="0"/>
+                <a:ea typeface="Arial" charset="0"/>
+                <a:cs typeface="Arial" charset="0"/>
                 <a:sym typeface="Cabin"/>
               </a:rPr>
               <a:t>GET http://www.dr-chuck.com/page1.htm HTTP/1.0</a:t>
@@ -38462,9 +38462,9 @@
               <a:solidFill>
                 <a:srgbClr val="FFFF00"/>
               </a:solidFill>
-              <a:latin typeface="Cabin"/>
-              <a:ea typeface="Cabin"/>
-              <a:cs typeface="Cabin"/>
+              <a:latin typeface="Arial" charset="0"/>
+              <a:ea typeface="Arial" charset="0"/>
+              <a:cs typeface="Arial" charset="0"/>
               <a:sym typeface="Cabin"/>
             </a:endParaRPr>
           </a:p>
@@ -38487,13 +38487,13 @@
               <a:buNone/>
             </a:pPr>
             <a:r>
-              <a:rPr lang="en-US" sz="3400" b="0" i="0" u="none" strike="noStrike" cap="none">
+              <a:rPr lang="en-US" sz="3400" u="none" strike="noStrike" cap="none">
                 <a:solidFill>
                   <a:srgbClr val="00FF00"/>
                 </a:solidFill>
-                <a:latin typeface="Cabin"/>
-                <a:ea typeface="Cabin"/>
-                <a:cs typeface="Cabin"/>
+                <a:latin typeface="Arial" charset="0"/>
+                <a:ea typeface="Arial" charset="0"/>
+                <a:cs typeface="Arial" charset="0"/>
                 <a:sym typeface="Cabin"/>
               </a:rPr>
               <a:t>&lt;h1&gt;The First Page&lt;/h1&gt;</a:t>
@@ -38518,13 +38518,13 @@
               <a:buNone/>
             </a:pPr>
             <a:r>
-              <a:rPr lang="en-US" sz="3400" b="0" i="0" u="none" strike="noStrike" cap="none">
+              <a:rPr lang="en-US" sz="3400" u="none" strike="noStrike" cap="none">
                 <a:solidFill>
                   <a:srgbClr val="00FF00"/>
                 </a:solidFill>
-                <a:latin typeface="Cabin"/>
-                <a:ea typeface="Cabin"/>
-                <a:cs typeface="Cabin"/>
+                <a:latin typeface="Arial" charset="0"/>
+                <a:ea typeface="Arial" charset="0"/>
+                <a:cs typeface="Arial" charset="0"/>
                 <a:sym typeface="Cabin"/>
               </a:rPr>
               <a:t>&lt;p&gt;If you like, you can switch </a:t>
@@ -38534,9 +38534,9 @@
                 <a:solidFill>
                   <a:srgbClr val="00FF00"/>
                 </a:solidFill>
-                <a:latin typeface="Cabin"/>
-                <a:ea typeface="Cabin"/>
-                <a:cs typeface="Cabin"/>
+                <a:latin typeface="Arial" charset="0"/>
+                <a:ea typeface="Arial" charset="0"/>
+                <a:cs typeface="Arial" charset="0"/>
                 <a:sym typeface="Cabin"/>
               </a:rPr>
               <a:t>to the </a:t>
@@ -38561,13 +38561,13 @@
               <a:buNone/>
             </a:pPr>
             <a:r>
-              <a:rPr lang="en-US" sz="3400" b="0" i="0" u="none" strike="noStrike" cap="none">
+              <a:rPr lang="en-US" sz="3400" u="none" strike="noStrike" cap="none">
                 <a:solidFill>
                   <a:srgbClr val="00FF00"/>
                 </a:solidFill>
-                <a:latin typeface="Cabin"/>
-                <a:ea typeface="Cabin"/>
-                <a:cs typeface="Cabin"/>
+                <a:latin typeface="Arial" charset="0"/>
+                <a:ea typeface="Arial" charset="0"/>
+                <a:cs typeface="Arial" charset="0"/>
                 <a:sym typeface="Cabin"/>
               </a:rPr>
               <a:t>&lt;a href="http://www.dr-chuck.com/page2.htm"&gt;Second Page&lt;/a&gt;.</a:t>
@@ -38592,13 +38592,13 @@
               <a:buNone/>
             </a:pPr>
             <a:r>
-              <a:rPr lang="en-US" sz="3400" b="0" i="0" u="none" strike="noStrike" cap="none">
+              <a:rPr lang="en-US" sz="3400" u="none" strike="noStrike" cap="none">
                 <a:solidFill>
                   <a:srgbClr val="00FF00"/>
                 </a:solidFill>
-                <a:latin typeface="Cabin"/>
-                <a:ea typeface="Cabin"/>
-                <a:cs typeface="Cabin"/>
+                <a:latin typeface="Arial" charset="0"/>
+                <a:ea typeface="Arial" charset="0"/>
+                <a:cs typeface="Arial" charset="0"/>
                 <a:sym typeface="Cabin"/>
               </a:rPr>
               <a:t>&lt;/p&gt;</a:t>
@@ -38649,13 +38649,13 @@
               <a:buNone/>
             </a:pPr>
             <a:r>
-              <a:rPr lang="en-US" sz="3600" b="0" i="0" u="none" strike="noStrike" cap="none">
+              <a:rPr lang="en-US" sz="3600" u="none" strike="noStrike" cap="none">
                 <a:solidFill>
                   <a:srgbClr val="FFFF00"/>
                 </a:solidFill>
-                <a:latin typeface="Cabin"/>
-                <a:ea typeface="Cabin"/>
-                <a:cs typeface="Cabin"/>
+                <a:latin typeface="Arial" charset="0"/>
+                <a:ea typeface="Arial" charset="0"/>
+                <a:cs typeface="Arial" charset="0"/>
                 <a:sym typeface="Cabin"/>
               </a:rPr>
               <a:t>HTTP</a:t>
@@ -38680,13 +38680,13 @@
               <a:buNone/>
             </a:pPr>
             <a:r>
-              <a:rPr lang="en-US" sz="3600" b="0" i="0" u="none" strike="noStrike" cap="none">
+              <a:rPr lang="en-US" sz="3600" u="none" strike="noStrike" cap="none">
                 <a:solidFill>
                   <a:srgbClr val="FFFF00"/>
                 </a:solidFill>
-                <a:latin typeface="Cabin"/>
-                <a:ea typeface="Cabin"/>
-                <a:cs typeface="Cabin"/>
+                <a:latin typeface="Arial" charset="0"/>
+                <a:ea typeface="Arial" charset="0"/>
+                <a:cs typeface="Arial" charset="0"/>
                 <a:sym typeface="Cabin"/>
               </a:rPr>
               <a:t>Request</a:t>
@@ -38737,13 +38737,13 @@
               <a:buNone/>
             </a:pPr>
             <a:r>
-              <a:rPr lang="en-US" sz="3600" b="0" i="0" u="none" strike="noStrike" cap="none">
+              <a:rPr lang="en-US" sz="3600" u="none" strike="noStrike" cap="none">
                 <a:solidFill>
                   <a:srgbClr val="00FF00"/>
                 </a:solidFill>
-                <a:latin typeface="Cabin"/>
-                <a:ea typeface="Cabin"/>
-                <a:cs typeface="Cabin"/>
+                <a:latin typeface="Arial" charset="0"/>
+                <a:ea typeface="Arial" charset="0"/>
+                <a:cs typeface="Arial" charset="0"/>
                 <a:sym typeface="Cabin"/>
               </a:rPr>
               <a:t>HTTP</a:t>
@@ -38768,13 +38768,13 @@
               <a:buNone/>
             </a:pPr>
             <a:r>
-              <a:rPr lang="en-US" sz="3600" b="0" i="0" u="none" strike="noStrike" cap="none">
+              <a:rPr lang="en-US" sz="3600" u="none" strike="noStrike" cap="none">
                 <a:solidFill>
                   <a:srgbClr val="00FF00"/>
                 </a:solidFill>
-                <a:latin typeface="Cabin"/>
-                <a:ea typeface="Cabin"/>
-                <a:cs typeface="Cabin"/>
+                <a:latin typeface="Arial" charset="0"/>
+                <a:ea typeface="Arial" charset="0"/>
+                <a:cs typeface="Arial" charset="0"/>
                 <a:sym typeface="Cabin"/>
               </a:rPr>
               <a:t>Response</a:t>
@@ -38827,13 +38827,13 @@
               <a:buNone/>
             </a:pPr>
             <a:r>
-              <a:rPr lang="en-US" sz="6000" b="0" i="0" u="none" strike="noStrike" cap="none">
+              <a:rPr lang="en-US" sz="6000" u="none" strike="noStrike" cap="none">
                 <a:solidFill>
                   <a:srgbClr val="0000FF"/>
                 </a:solidFill>
-                <a:latin typeface="Cabin"/>
-                <a:ea typeface="Cabin"/>
-                <a:cs typeface="Cabin"/>
+                <a:latin typeface="Arial" charset="0"/>
+                <a:ea typeface="Arial" charset="0"/>
+                <a:cs typeface="Arial" charset="0"/>
                 <a:sym typeface="Cabin"/>
               </a:rPr>
               <a:t>Browser</a:t>
@@ -38886,13 +38886,13 @@
               <a:buNone/>
             </a:pPr>
             <a:r>
-              <a:rPr lang="en-US" sz="5200" b="0" i="0" u="none" strike="noStrike" cap="none">
+              <a:rPr lang="en-US" sz="5200" u="none" strike="noStrike" cap="none">
                 <a:solidFill>
                   <a:srgbClr val="0000FF"/>
                 </a:solidFill>
-                <a:latin typeface="Cabin"/>
-                <a:ea typeface="Cabin"/>
-                <a:cs typeface="Cabin"/>
+                <a:latin typeface="Arial" charset="0"/>
+                <a:ea typeface="Arial" charset="0"/>
+                <a:cs typeface="Arial" charset="0"/>
                 <a:sym typeface="Cabin"/>
               </a:rPr>
               <a:t>Web Server</a:t>
@@ -38995,13 +38995,13 @@
               <a:buNone/>
             </a:pPr>
             <a:r>
-              <a:rPr lang="en-US" sz="3600" b="0" i="0" u="none" strike="noStrike" cap="none">
+              <a:rPr lang="en-US" sz="3600" u="none" strike="noStrike" cap="none">
                 <a:solidFill>
                   <a:srgbClr val="FF9900"/>
                 </a:solidFill>
-                <a:latin typeface="Cabin"/>
-                <a:ea typeface="Cabin"/>
-                <a:cs typeface="Cabin"/>
+                <a:latin typeface="Arial" charset="0"/>
+                <a:ea typeface="Arial" charset="0"/>
+                <a:cs typeface="Arial" charset="0"/>
                 <a:sym typeface="Cabin"/>
               </a:rPr>
               <a:t>Port 80 is the non-encrypted HTTP port</a:t>
@@ -39081,13 +39081,13 @@
               <a:buNone/>
             </a:pPr>
             <a:r>
-              <a:rPr lang="en-US" sz="7600" b="1" i="0" u="none" strike="noStrike" cap="none">
+              <a:rPr lang="en-US" sz="7600" u="none" strike="noStrike" cap="none">
                 <a:solidFill>
                   <a:srgbClr val="FFD966"/>
                 </a:solidFill>
-                <a:latin typeface="Cabin"/>
-                <a:ea typeface="Cabin"/>
-                <a:cs typeface="Cabin"/>
+                <a:latin typeface="Arial" charset="0"/>
+                <a:ea typeface="Arial" charset="0"/>
+                <a:cs typeface="Arial" charset="0"/>
                 <a:sym typeface="Cabin"/>
               </a:rPr>
               <a:t>Accurate Hacking in the Movies</a:t>
@@ -39138,13 +39138,13 @@
               <a:buFont typeface="Cabin"/>
             </a:pPr>
             <a:r>
-              <a:rPr lang="en-US" sz="3600" b="0" i="0" u="none" strike="noStrike" cap="none">
+              <a:rPr lang="en-US" sz="3600" u="none" strike="noStrike" cap="none">
                 <a:solidFill>
                   <a:schemeClr val="lt1"/>
                 </a:solidFill>
-                <a:latin typeface="Cabin"/>
-                <a:ea typeface="Cabin"/>
-                <a:cs typeface="Cabin"/>
+                <a:latin typeface="Arial" charset="0"/>
+                <a:ea typeface="Arial" charset="0"/>
+                <a:cs typeface="Arial" charset="0"/>
                 <a:sym typeface="Cabin"/>
               </a:rPr>
               <a:t>Matrix Reloaded</a:t>
@@ -39165,13 +39165,13 @@
               <a:buFont typeface="Cabin"/>
             </a:pPr>
             <a:r>
-              <a:rPr lang="en-US" sz="3600" b="0" i="0" u="none" strike="noStrike" cap="none">
+              <a:rPr lang="en-US" sz="3600" u="none" strike="noStrike" cap="none">
                 <a:solidFill>
                   <a:schemeClr val="lt1"/>
                 </a:solidFill>
-                <a:latin typeface="Cabin"/>
-                <a:ea typeface="Cabin"/>
-                <a:cs typeface="Cabin"/>
+                <a:latin typeface="Arial" charset="0"/>
+                <a:ea typeface="Arial" charset="0"/>
+                <a:cs typeface="Arial" charset="0"/>
                 <a:sym typeface="Cabin"/>
               </a:rPr>
               <a:t>Bourne Ultimatum</a:t>
@@ -39192,13 +39192,13 @@
               <a:buFont typeface="Cabin"/>
             </a:pPr>
             <a:r>
-              <a:rPr lang="en-US" sz="3600" b="0" i="0" u="none" strike="noStrike" cap="none">
+              <a:rPr lang="en-US" sz="3600" u="none" strike="noStrike" cap="none">
                 <a:solidFill>
                   <a:schemeClr val="lt1"/>
                 </a:solidFill>
-                <a:latin typeface="Cabin"/>
-                <a:ea typeface="Cabin"/>
-                <a:cs typeface="Cabin"/>
+                <a:latin typeface="Arial" charset="0"/>
+                <a:ea typeface="Arial" charset="0"/>
+                <a:cs typeface="Arial" charset="0"/>
                 <a:sym typeface="Cabin"/>
               </a:rPr>
               <a:t>Die Hard 4</a:t>
@@ -39219,13 +39219,13 @@
               <a:buFont typeface="Cabin"/>
             </a:pPr>
             <a:r>
-              <a:rPr lang="en-US" sz="3600" b="0" i="0" u="none" strike="noStrike" cap="none">
+              <a:rPr lang="en-US" sz="3600" u="none" strike="noStrike" cap="none">
                 <a:solidFill>
                   <a:schemeClr val="lt1"/>
                 </a:solidFill>
-                <a:latin typeface="Cabin"/>
-                <a:ea typeface="Cabin"/>
-                <a:cs typeface="Cabin"/>
+                <a:latin typeface="Arial" charset="0"/>
+                <a:ea typeface="Arial" charset="0"/>
+                <a:cs typeface="Arial" charset="0"/>
                 <a:sym typeface="Cabin"/>
               </a:rPr>
               <a:t>...</a:t>
@@ -39330,13 +39330,13 @@
               <a:buNone/>
             </a:pPr>
             <a:r>
-              <a:rPr lang="en-US" sz="3000" b="0" i="0" u="sng" strike="noStrike" cap="none">
+              <a:rPr lang="en-US" sz="3000" u="sng" strike="noStrike" cap="none">
                 <a:solidFill>
                   <a:srgbClr val="FFFF00"/>
                 </a:solidFill>
-                <a:latin typeface="Cabin"/>
-                <a:ea typeface="Cabin"/>
-                <a:cs typeface="Cabin"/>
+                <a:latin typeface="Arial" charset="0"/>
+                <a:ea typeface="Arial" charset="0"/>
+                <a:cs typeface="Arial" charset="0"/>
                 <a:sym typeface="Cabin"/>
                 <a:hlinkClick r:id="rId5"/>
               </a:rPr>
@@ -39436,25 +39436,25 @@
               <a:buNone/>
             </a:pPr>
             <a:r>
-              <a:rPr lang="en-US" sz="3600" b="0" i="0" u="none" strike="noStrike" cap="none">
+              <a:rPr lang="en-US" sz="3600" u="none" strike="noStrike" cap="none">
                 <a:solidFill>
                   <a:schemeClr val="lt1"/>
                 </a:solidFill>
-                <a:latin typeface="Cabin"/>
-                <a:ea typeface="Cabin"/>
-                <a:cs typeface="Cabin"/>
+                <a:latin typeface="Arial" charset="0"/>
+                <a:ea typeface="Arial" charset="0"/>
+                <a:cs typeface="Arial" charset="0"/>
                 <a:sym typeface="Cabin"/>
               </a:rPr>
               <a:t>$ </a:t>
             </a:r>
             <a:r>
-              <a:rPr lang="en-US" sz="3600" b="0" i="0" u="none" strike="noStrike" cap="none">
+              <a:rPr lang="en-US" sz="3600" u="none" strike="noStrike" cap="none">
                 <a:solidFill>
                   <a:srgbClr val="FFFF00"/>
                 </a:solidFill>
-                <a:latin typeface="Cabin"/>
-                <a:ea typeface="Cabin"/>
-                <a:cs typeface="Cabin"/>
+                <a:latin typeface="Arial" charset="0"/>
+                <a:ea typeface="Arial" charset="0"/>
+                <a:cs typeface="Arial" charset="0"/>
                 <a:sym typeface="Cabin"/>
               </a:rPr>
               <a:t>telnet www.dr-chuck.com 80</a:t>
@@ -39479,13 +39479,13 @@
               <a:buNone/>
             </a:pPr>
             <a:r>
-              <a:rPr lang="en-US" sz="3600" b="0" i="0" u="none" strike="noStrike" cap="none">
+              <a:rPr lang="en-US" sz="3600" u="none" strike="noStrike" cap="none">
                 <a:solidFill>
                   <a:schemeClr val="lt1"/>
                 </a:solidFill>
-                <a:latin typeface="Cabin"/>
-                <a:ea typeface="Cabin"/>
-                <a:cs typeface="Cabin"/>
+                <a:latin typeface="Arial" charset="0"/>
+                <a:ea typeface="Arial" charset="0"/>
+                <a:cs typeface="Arial" charset="0"/>
                 <a:sym typeface="Cabin"/>
               </a:rPr>
               <a:t>Trying 74.208.28.177...</a:t>
@@ -39510,13 +39510,13 @@
               <a:buNone/>
             </a:pPr>
             <a:r>
-              <a:rPr lang="en-US" sz="3600" b="0" i="0" u="none" strike="noStrike" cap="none">
+              <a:rPr lang="en-US" sz="3600" u="none" strike="noStrike" cap="none">
                 <a:solidFill>
                   <a:schemeClr val="lt1"/>
                 </a:solidFill>
-                <a:latin typeface="Cabin"/>
-                <a:ea typeface="Cabin"/>
-                <a:cs typeface="Cabin"/>
+                <a:latin typeface="Arial" charset="0"/>
+                <a:ea typeface="Arial" charset="0"/>
+                <a:cs typeface="Arial" charset="0"/>
                 <a:sym typeface="Cabin"/>
               </a:rPr>
               <a:t>Connected to www.dr-chuck.com.Escape character is '^]'.</a:t>
@@ -39541,13 +39541,13 @@
               <a:buNone/>
             </a:pPr>
             <a:r>
-              <a:rPr lang="en-US" sz="3600" b="0" i="0" u="none" strike="noStrike" cap="none">
+              <a:rPr lang="en-US" sz="3600" u="none" strike="noStrike" cap="none">
                 <a:solidFill>
                   <a:srgbClr val="FF00FF"/>
                 </a:solidFill>
-                <a:latin typeface="Cabin"/>
-                <a:ea typeface="Cabin"/>
-                <a:cs typeface="Cabin"/>
+                <a:latin typeface="Arial" charset="0"/>
+                <a:ea typeface="Arial" charset="0"/>
+                <a:cs typeface="Arial" charset="0"/>
                 <a:sym typeface="Cabin"/>
               </a:rPr>
               <a:t>GET http://www.dr-chuck.com/page1.htm HTTP/1.0</a:t>
@@ -39566,13 +39566,13 @@
               </a:spcAft>
               <a:buNone/>
             </a:pPr>
-            <a:endParaRPr sz="3600" b="0" i="0" u="none" strike="noStrike" cap="none">
+            <a:endParaRPr sz="3600" u="none" strike="noStrike" cap="none">
               <a:solidFill>
                 <a:srgbClr val="FF00FF"/>
               </a:solidFill>
-              <a:latin typeface="Cabin"/>
-              <a:ea typeface="Cabin"/>
-              <a:cs typeface="Cabin"/>
+              <a:latin typeface="Arial" charset="0"/>
+              <a:ea typeface="Arial" charset="0"/>
+              <a:cs typeface="Arial" charset="0"/>
               <a:sym typeface="Cabin"/>
             </a:endParaRPr>
           </a:p>
@@ -39595,13 +39595,13 @@
               <a:buNone/>
             </a:pPr>
             <a:r>
-              <a:rPr lang="en-US" sz="3600" b="0" i="0" u="none" strike="noStrike" cap="none">
+              <a:rPr lang="en-US" sz="3600" u="none" strike="noStrike" cap="none">
                 <a:solidFill>
                   <a:schemeClr val="lt1"/>
                 </a:solidFill>
-                <a:latin typeface="Cabin"/>
-                <a:ea typeface="Cabin"/>
-                <a:cs typeface="Cabin"/>
+                <a:latin typeface="Arial" charset="0"/>
+                <a:ea typeface="Arial" charset="0"/>
+                <a:cs typeface="Arial" charset="0"/>
                 <a:sym typeface="Cabin"/>
               </a:rPr>
               <a:t>&lt;h1&gt;The First Page&lt;/h1&gt;</a:t>
@@ -39626,13 +39626,13 @@
               <a:buNone/>
             </a:pPr>
             <a:r>
-              <a:rPr lang="en-US" sz="3600" b="0" i="0" u="none" strike="noStrike" cap="none">
+              <a:rPr lang="en-US" sz="3600" u="none" strike="noStrike" cap="none">
                 <a:solidFill>
                   <a:schemeClr val="lt1"/>
                 </a:solidFill>
-                <a:latin typeface="Cabin"/>
-                <a:ea typeface="Cabin"/>
-                <a:cs typeface="Cabin"/>
+                <a:latin typeface="Arial" charset="0"/>
+                <a:ea typeface="Arial" charset="0"/>
+                <a:cs typeface="Arial" charset="0"/>
                 <a:sym typeface="Cabin"/>
               </a:rPr>
               <a:t>&lt;p&gt;If you like, you can switch to the </a:t>
@@ -39657,36 +39657,36 @@
               <a:buNone/>
             </a:pPr>
             <a:r>
-              <a:rPr lang="en-US" sz="3600" b="0" i="0" u="none" strike="noStrike" cap="none">
+              <a:rPr lang="en-US" sz="3600" u="none" strike="noStrike" cap="none">
                 <a:solidFill>
                   <a:schemeClr val="lt1"/>
                 </a:solidFill>
-                <a:latin typeface="Cabin"/>
-                <a:ea typeface="Cabin"/>
-                <a:cs typeface="Cabin"/>
+                <a:latin typeface="Arial" charset="0"/>
+                <a:ea typeface="Arial" charset="0"/>
+                <a:cs typeface="Arial" charset="0"/>
                 <a:sym typeface="Cabin"/>
               </a:rPr>
               <a:t>&lt;a href="http://www.dr-chuck.com/page2.htm"&gt;Second </a:t>
             </a:r>
             <a:br>
-              <a:rPr lang="en-US" sz="3600" b="0" i="0" u="none" strike="noStrike" cap="none">
+              <a:rPr lang="en-US" sz="3600" u="none" strike="noStrike" cap="none">
                 <a:solidFill>
                   <a:schemeClr val="lt1"/>
                 </a:solidFill>
-                <a:latin typeface="Cabin"/>
-                <a:ea typeface="Cabin"/>
-                <a:cs typeface="Cabin"/>
+                <a:latin typeface="Arial" charset="0"/>
+                <a:ea typeface="Arial" charset="0"/>
+                <a:cs typeface="Arial" charset="0"/>
                 <a:sym typeface="Cabin"/>
               </a:rPr>
             </a:br>
             <a:r>
-              <a:rPr lang="en-US" sz="3600" b="0" i="0" u="none" strike="noStrike" cap="none">
+              <a:rPr lang="en-US" sz="3600" u="none" strike="noStrike" cap="none">
                 <a:solidFill>
                   <a:schemeClr val="lt1"/>
                 </a:solidFill>
-                <a:latin typeface="Cabin"/>
-                <a:ea typeface="Cabin"/>
-                <a:cs typeface="Cabin"/>
+                <a:latin typeface="Arial" charset="0"/>
+                <a:ea typeface="Arial" charset="0"/>
+                <a:cs typeface="Arial" charset="0"/>
                 <a:sym typeface="Cabin"/>
               </a:rPr>
               <a:t>Page&lt;/a&gt;.&lt;/p&gt;</a:t>
@@ -39711,13 +39711,13 @@
               <a:buNone/>
             </a:pPr>
             <a:r>
-              <a:rPr lang="en-US" sz="3600" b="0" i="0" u="none" strike="noStrike" cap="none">
+              <a:rPr lang="en-US" sz="3600" u="none" strike="noStrike" cap="none">
                 <a:solidFill>
                   <a:schemeClr val="lt1"/>
                 </a:solidFill>
-                <a:latin typeface="Cabin"/>
-                <a:ea typeface="Cabin"/>
-                <a:cs typeface="Cabin"/>
+                <a:latin typeface="Arial" charset="0"/>
+                <a:ea typeface="Arial" charset="0"/>
+                <a:cs typeface="Arial" charset="0"/>
                 <a:sym typeface="Cabin"/>
               </a:rPr>
               <a:t>Connection closed by foreign host.</a:t>
@@ -39793,13 +39793,13 @@
               <a:buNone/>
             </a:pPr>
             <a:r>
-              <a:rPr lang="en-US" sz="3600" b="0" i="0" u="none" strike="noStrike" cap="none">
+              <a:rPr lang="en-US" sz="3600" u="none" strike="noStrike" cap="none">
                 <a:solidFill>
                   <a:srgbClr val="000000"/>
                 </a:solidFill>
-                <a:latin typeface="Cabin"/>
-                <a:ea typeface="Cabin"/>
-                <a:cs typeface="Cabin"/>
+                <a:latin typeface="Arial" charset="0"/>
+                <a:ea typeface="Arial" charset="0"/>
+                <a:cs typeface="Arial" charset="0"/>
                 <a:sym typeface="Cabin"/>
               </a:rPr>
               <a:t>Hmmm - This looks kind of Complex..   Lots of GET commands</a:t>
@@ -40371,37 +40371,37 @@
               <a:buNone/>
             </a:pPr>
             <a:r>
-              <a:rPr lang="en-US" sz="3600" b="0" i="0" u="none" strike="noStrike" cap="none">
+              <a:rPr lang="en-US" sz="3600" u="none" strike="noStrike" cap="none">
                 <a:solidFill>
                   <a:srgbClr val="FFFF00"/>
                 </a:solidFill>
-                <a:latin typeface="Cabin"/>
-                <a:ea typeface="Cabin"/>
-                <a:cs typeface="Cabin"/>
+                <a:latin typeface="Arial" charset="0"/>
+                <a:ea typeface="Arial" charset="0"/>
+                <a:cs typeface="Arial" charset="0"/>
                 <a:sym typeface="Cabin"/>
               </a:rPr>
               <a:t>As the browser reads the document, it finds </a:t>
             </a:r>
             <a:r>
-              <a:rPr lang="en-US" sz="3600" b="0" i="0" u="none" strike="noStrike" cap="none">
+              <a:rPr lang="en-US" sz="3600" u="none" strike="noStrike" cap="none">
                 <a:solidFill>
                   <a:srgbClr val="FF00FF"/>
                 </a:solidFill>
-                <a:latin typeface="Cabin"/>
-                <a:ea typeface="Cabin"/>
-                <a:cs typeface="Cabin"/>
+                <a:latin typeface="Arial" charset="0"/>
+                <a:ea typeface="Arial" charset="0"/>
+                <a:cs typeface="Arial" charset="0"/>
                 <a:sym typeface="Cabin"/>
               </a:rPr>
               <a:t>other URLs </a:t>
             </a:r>
             <a:r>
-              <a:rPr lang="en-US" sz="3600" b="0" i="0" u="none" strike="noStrike" cap="none">
+              <a:rPr lang="en-US" sz="3600" u="none" strike="noStrike" cap="none">
                 <a:solidFill>
                   <a:srgbClr val="FFFF00"/>
                 </a:solidFill>
-                <a:latin typeface="Cabin"/>
-                <a:ea typeface="Cabin"/>
-                <a:cs typeface="Cabin"/>
+                <a:latin typeface="Arial" charset="0"/>
+                <a:ea typeface="Arial" charset="0"/>
+                <a:cs typeface="Arial" charset="0"/>
                 <a:sym typeface="Cabin"/>
               </a:rPr>
               <a:t>that must be retr</a:t>
@@ -40411,21 +40411,21 @@
                 <a:solidFill>
                   <a:srgbClr val="FFFF00"/>
                 </a:solidFill>
-                <a:latin typeface="Cabin"/>
-                <a:ea typeface="Cabin"/>
-                <a:cs typeface="Cabin"/>
+                <a:latin typeface="Arial" charset="0"/>
+                <a:ea typeface="Arial" charset="0"/>
+                <a:cs typeface="Arial" charset="0"/>
                 <a:sym typeface="Cabin"/>
               </a:rPr>
               <a:t>ie</a:t>
             </a:r>
             <a:r>
-              <a:rPr lang="en-US" sz="3600" b="0" i="0" u="none" strike="noStrike" cap="none">
+              <a:rPr lang="en-US" sz="3600" u="none" strike="noStrike" cap="none">
                 <a:solidFill>
                   <a:srgbClr val="FFFF00"/>
                 </a:solidFill>
-                <a:latin typeface="Cabin"/>
-                <a:ea typeface="Cabin"/>
-                <a:cs typeface="Cabin"/>
+                <a:latin typeface="Arial" charset="0"/>
+                <a:ea typeface="Arial" charset="0"/>
+                <a:cs typeface="Arial" charset="0"/>
                 <a:sym typeface="Cabin"/>
               </a:rPr>
               <a:t>ved to produce the document.</a:t>
@@ -40532,13 +40532,13 @@
               <a:buNone/>
             </a:pPr>
             <a:r>
-              <a:rPr lang="en-US" sz="5900" b="1" i="0" u="none" strike="noStrike" cap="none">
+              <a:rPr lang="en-US" sz="5900" u="none" strike="noStrike" cap="none">
                 <a:solidFill>
                   <a:srgbClr val="FFD966"/>
                 </a:solidFill>
-                <a:latin typeface="Cabin"/>
-                <a:ea typeface="Cabin"/>
-                <a:cs typeface="Cabin"/>
+                <a:latin typeface="Arial" charset="0"/>
+                <a:ea typeface="Arial" charset="0"/>
+                <a:cs typeface="Arial" charset="0"/>
                 <a:sym typeface="Cabin"/>
               </a:rPr>
               <a:t>The big picture...</a:t>
@@ -40595,38 +40595,38 @@
               <a:buNone/>
             </a:pPr>
             <a:r>
-              <a:rPr lang="en-US" sz="2100" b="0" i="0" u="none" strike="noStrike" cap="none">
+              <a:rPr lang="en-US" sz="2100" u="none" strike="noStrike" cap="none">
                 <a:solidFill>
                   <a:srgbClr val="FFFF00"/>
                 </a:solidFill>
-                <a:latin typeface="Cabin"/>
-                <a:ea typeface="Cabin"/>
-                <a:cs typeface="Cabin"/>
+                <a:latin typeface="Arial" charset="0"/>
+                <a:ea typeface="Arial" charset="0"/>
+                <a:cs typeface="Arial" charset="0"/>
                 <a:sym typeface="Cabin"/>
               </a:rPr>
               <a:t>&lt;!DOCTYPE html PUBLIC "-//W3C//DTD XHTML 1.0 Strict//EN" "</a:t>
             </a:r>
             <a:r>
-              <a:rPr lang="en-US" sz="2100" b="0" i="0" u="sng" strike="noStrike" cap="none">
+              <a:rPr lang="en-US" sz="2100" u="sng" strike="noStrike" cap="none">
                 <a:solidFill>
                   <a:srgbClr val="00FFFF"/>
                 </a:solidFill>
-                <a:latin typeface="Cabin"/>
-                <a:ea typeface="Cabin"/>
-                <a:cs typeface="Cabin"/>
+                <a:latin typeface="Arial" charset="0"/>
+                <a:ea typeface="Arial" charset="0"/>
+                <a:cs typeface="Arial" charset="0"/>
                 <a:sym typeface="Cabin"/>
                 <a:hlinkClick r:id="rId3"/>
               </a:rPr>
               <a:t>http://www.w3.org/TR/xhtml1/DTD/xhtml1-strict.dtd</a:t>
             </a:r>
             <a:r>
-              <a:rPr lang="en-US" sz="2100" b="0" i="0" u="none" strike="noStrike" cap="none">
+              <a:rPr lang="en-US" sz="2100" u="none" strike="noStrike" cap="none">
                 <a:solidFill>
                   <a:srgbClr val="FFFF00"/>
                 </a:solidFill>
-                <a:latin typeface="Cabin"/>
-                <a:ea typeface="Cabin"/>
-                <a:cs typeface="Cabin"/>
+                <a:latin typeface="Arial" charset="0"/>
+                <a:ea typeface="Arial" charset="0"/>
+                <a:cs typeface="Arial" charset="0"/>
                 <a:sym typeface="Cabin"/>
               </a:rPr>
               <a:t>"&gt;</a:t>
@@ -40651,37 +40651,37 @@
               <a:buNone/>
             </a:pPr>
             <a:r>
-              <a:rPr lang="en-US" sz="2100" b="0" i="0" u="none" strike="noStrike" cap="none">
+              <a:rPr lang="en-US" sz="2100" u="none" strike="noStrike" cap="none">
                 <a:solidFill>
                   <a:srgbClr val="FFFF00"/>
                 </a:solidFill>
-                <a:latin typeface="Cabin"/>
-                <a:ea typeface="Cabin"/>
-                <a:cs typeface="Cabin"/>
+                <a:latin typeface="Arial" charset="0"/>
+                <a:ea typeface="Arial" charset="0"/>
+                <a:cs typeface="Arial" charset="0"/>
                 <a:sym typeface="Cabin"/>
               </a:rPr>
               <a:t>&lt;html xmlns="</a:t>
             </a:r>
             <a:r>
-              <a:rPr lang="en-US" sz="2100" b="0" i="0" u="sng" strike="noStrike" cap="none">
+              <a:rPr lang="en-US" sz="2100" u="sng" strike="noStrike" cap="none">
                 <a:solidFill>
                   <a:srgbClr val="FFFF00"/>
                 </a:solidFill>
-                <a:latin typeface="Cabin"/>
-                <a:ea typeface="Cabin"/>
-                <a:cs typeface="Cabin"/>
+                <a:latin typeface="Arial" charset="0"/>
+                <a:ea typeface="Arial" charset="0"/>
+                <a:cs typeface="Arial" charset="0"/>
                 <a:sym typeface="Cabin"/>
               </a:rPr>
               <a:t>http://www.w3.org/1999/xhtml</a:t>
             </a:r>
             <a:r>
-              <a:rPr lang="en-US" sz="2100" b="0" i="0" u="none" strike="noStrike" cap="none">
+              <a:rPr lang="en-US" sz="2100" u="none" strike="noStrike" cap="none">
                 <a:solidFill>
                   <a:srgbClr val="FFFF00"/>
                 </a:solidFill>
-                <a:latin typeface="Cabin"/>
-                <a:ea typeface="Cabin"/>
-                <a:cs typeface="Cabin"/>
+                <a:latin typeface="Arial" charset="0"/>
+                <a:ea typeface="Arial" charset="0"/>
+                <a:cs typeface="Arial" charset="0"/>
                 <a:sym typeface="Cabin"/>
               </a:rPr>
               <a:t>" xml:lang="en"&gt;</a:t>
@@ -40706,25 +40706,25 @@
               <a:buNone/>
             </a:pPr>
             <a:r>
-              <a:rPr lang="en-US" sz="2100" b="0" i="0" u="none" strike="noStrike" cap="none">
+              <a:rPr lang="en-US" sz="2100" u="none" strike="noStrike" cap="none">
                 <a:solidFill>
                   <a:srgbClr val="FFFF00"/>
                 </a:solidFill>
-                <a:latin typeface="Cabin"/>
-                <a:ea typeface="Cabin"/>
-                <a:cs typeface="Cabin"/>
+                <a:latin typeface="Arial" charset="0"/>
+                <a:ea typeface="Arial" charset="0"/>
+                <a:cs typeface="Arial" charset="0"/>
                 <a:sym typeface="Cabin"/>
               </a:rPr>
               <a:t>&lt;hea</a:t>
             </a:r>
             <a:r>
-              <a:rPr lang="en-US" sz="2100" b="0" i="0" u="sng" strike="noStrike" cap="none">
+              <a:rPr lang="en-US" sz="2100" u="sng" strike="noStrike" cap="none">
                 <a:solidFill>
                   <a:schemeClr val="hlink"/>
                 </a:solidFill>
-                <a:latin typeface="Cabin"/>
-                <a:ea typeface="Cabin"/>
-                <a:cs typeface="Cabin"/>
+                <a:latin typeface="Arial" charset="0"/>
+                <a:ea typeface="Arial" charset="0"/>
+                <a:cs typeface="Arial" charset="0"/>
                 <a:sym typeface="Cabin"/>
                 <a:hlinkClick r:id="rId4"/>
               </a:rPr>
@@ -40750,26 +40750,26 @@
               <a:buNone/>
             </a:pPr>
             <a:r>
-              <a:rPr lang="en-US" sz="2100" b="0" i="0" u="sng" strike="noStrike" cap="none">
+              <a:rPr lang="en-US" sz="2100" u="sng" strike="noStrike" cap="none">
                 <a:solidFill>
                   <a:srgbClr val="FFFF00"/>
                 </a:solidFill>
-                <a:latin typeface="Cabin"/>
-                <a:ea typeface="Cabin"/>
-                <a:cs typeface="Cabin"/>
+                <a:latin typeface="Arial" charset="0"/>
+                <a:ea typeface="Arial" charset="0"/>
+                <a:cs typeface="Arial" charset="0"/>
                 <a:sym typeface="Cabin"/>
                 <a:hlinkClick r:id="rId4"/>
               </a:rPr>
               <a:t>&lt;title&gt;University of Mich</a:t>
             </a:r>
             <a:r>
-              <a:rPr lang="en-US" sz="2100" b="0" i="0" u="none" strike="noStrike" cap="none">
+              <a:rPr lang="en-US" sz="2100" u="none" strike="noStrike" cap="none">
                 <a:solidFill>
                   <a:srgbClr val="FFFF00"/>
                 </a:solidFill>
-                <a:latin typeface="Cabin"/>
-                <a:ea typeface="Cabin"/>
-                <a:cs typeface="Cabin"/>
+                <a:latin typeface="Arial" charset="0"/>
+                <a:ea typeface="Arial" charset="0"/>
+                <a:cs typeface="Arial" charset="0"/>
                 <a:sym typeface="Cabin"/>
               </a:rPr>
               <a:t>igan&lt;/title&gt;</a:t>
@@ -40794,13 +40794,13 @@
               <a:buNone/>
             </a:pPr>
             <a:r>
-              <a:rPr lang="en-US" sz="2100" b="0" i="0" u="none" strike="noStrike" cap="none">
+              <a:rPr lang="en-US" sz="2100" u="none" strike="noStrike" cap="none">
                 <a:solidFill>
                   <a:srgbClr val="FFFF00"/>
                 </a:solidFill>
-                <a:latin typeface="Cabin"/>
-                <a:ea typeface="Cabin"/>
-                <a:cs typeface="Cabin"/>
+                <a:latin typeface="Arial" charset="0"/>
+                <a:ea typeface="Arial" charset="0"/>
+                <a:cs typeface="Arial" charset="0"/>
                 <a:sym typeface="Cabin"/>
               </a:rPr>
               <a:t>....</a:t>
@@ -40877,13 +40877,13 @@
               <a:buNone/>
             </a:pPr>
             <a:r>
-              <a:rPr lang="en-US" sz="2100" b="0" i="0" u="none" strike="noStrike" cap="none">
+              <a:rPr lang="en-US" sz="2100" u="none" strike="noStrike" cap="none">
                 <a:solidFill>
                   <a:srgbClr val="FF00FF"/>
                 </a:solidFill>
-                <a:latin typeface="Cabin"/>
-                <a:ea typeface="Cabin"/>
-                <a:cs typeface="Cabin"/>
+                <a:latin typeface="Arial" charset="0"/>
+                <a:ea typeface="Arial" charset="0"/>
+                <a:cs typeface="Arial" charset="0"/>
                 <a:sym typeface="Cabin"/>
               </a:rPr>
               <a:t>@import "/CSS/graphical.css"/**/;</a:t>
@@ -40908,13 +40908,13 @@
               <a:buNone/>
             </a:pPr>
             <a:r>
-              <a:rPr lang="en-US" sz="2100" b="0" i="0" u="none" strike="noStrike" cap="none">
+              <a:rPr lang="en-US" sz="2100" u="none" strike="noStrike" cap="none">
                 <a:solidFill>
                   <a:srgbClr val="FF00FF"/>
                 </a:solidFill>
-                <a:latin typeface="Cabin"/>
-                <a:ea typeface="Cabin"/>
-                <a:cs typeface="Cabin"/>
+                <a:latin typeface="Arial" charset="0"/>
+                <a:ea typeface="Arial" charset="0"/>
+                <a:cs typeface="Arial" charset="0"/>
                 <a:sym typeface="Cabin"/>
               </a:rPr>
               <a:t>p.text strong, .verbose, .verbose p, .verbose h2{text-indent:-876em;position:absolute}</a:t>
@@ -40939,13 +40939,13 @@
               <a:buNone/>
             </a:pPr>
             <a:r>
-              <a:rPr lang="en-US" sz="2100" b="0" i="0" u="none" strike="noStrike" cap="none">
+              <a:rPr lang="en-US" sz="2100" u="none" strike="noStrike" cap="none">
                 <a:solidFill>
                   <a:srgbClr val="FF00FF"/>
                 </a:solidFill>
-                <a:latin typeface="Cabin"/>
-                <a:ea typeface="Cabin"/>
-                <a:cs typeface="Cabin"/>
+                <a:latin typeface="Arial" charset="0"/>
+                <a:ea typeface="Arial" charset="0"/>
+                <a:cs typeface="Arial" charset="0"/>
                 <a:sym typeface="Cabin"/>
               </a:rPr>
               <a:t>p.text strong a{text-decoration:none}</a:t>
@@ -40970,13 +40970,13 @@
               <a:buNone/>
             </a:pPr>
             <a:r>
-              <a:rPr lang="en-US" sz="2100" b="0" i="0" u="none" strike="noStrike" cap="none">
+              <a:rPr lang="en-US" sz="2100" u="none" strike="noStrike" cap="none">
                 <a:solidFill>
                   <a:srgbClr val="FF00FF"/>
                 </a:solidFill>
-                <a:latin typeface="Cabin"/>
-                <a:ea typeface="Cabin"/>
-                <a:cs typeface="Cabin"/>
+                <a:latin typeface="Arial" charset="0"/>
+                <a:ea typeface="Arial" charset="0"/>
+                <a:cs typeface="Arial" charset="0"/>
                 <a:sym typeface="Cabin"/>
               </a:rPr>
               <a:t>p.text em{font-weight:bold;font-style:normal}</a:t>
@@ -41001,13 +41001,13 @@
               <a:buNone/>
             </a:pPr>
             <a:r>
-              <a:rPr lang="en-US" sz="2100" b="0" i="0" u="none" strike="noStrike" cap="none">
+              <a:rPr lang="en-US" sz="2100" u="none" strike="noStrike" cap="none">
                 <a:solidFill>
                   <a:srgbClr val="FF00FF"/>
                 </a:solidFill>
-                <a:latin typeface="Cabin"/>
-                <a:ea typeface="Cabin"/>
-                <a:cs typeface="Cabin"/>
+                <a:latin typeface="Arial" charset="0"/>
+                <a:ea typeface="Arial" charset="0"/>
+                <a:cs typeface="Arial" charset="0"/>
                 <a:sym typeface="Cabin"/>
               </a:rPr>
               <a:t>div.alert{background:#eee;border:1px solid red;padding:.5em;margin:0 25%}</a:t>
@@ -41032,13 +41032,13 @@
               <a:buNone/>
             </a:pPr>
             <a:r>
-              <a:rPr lang="en-US" sz="2100" b="0" i="0" u="none" strike="noStrike" cap="none">
+              <a:rPr lang="en-US" sz="2100" u="none" strike="noStrike" cap="none">
                 <a:solidFill>
                   <a:srgbClr val="FF00FF"/>
                 </a:solidFill>
-                <a:latin typeface="Cabin"/>
-                <a:ea typeface="Cabin"/>
-                <a:cs typeface="Cabin"/>
+                <a:latin typeface="Arial" charset="0"/>
+                <a:ea typeface="Arial" charset="0"/>
+                <a:cs typeface="Arial" charset="0"/>
                 <a:sym typeface="Cabin"/>
               </a:rPr>
               <a:t>a img{border:none}</a:t>
@@ -41063,13 +41063,13 @@
               <a:buNone/>
             </a:pPr>
             <a:r>
-              <a:rPr lang="en-US" sz="2100" b="0" i="0" u="none" strike="noStrike" cap="none">
+              <a:rPr lang="en-US" sz="2100" u="none" strike="noStrike" cap="none">
                 <a:solidFill>
                   <a:srgbClr val="FF00FF"/>
                 </a:solidFill>
-                <a:latin typeface="Cabin"/>
-                <a:ea typeface="Cabin"/>
-                <a:cs typeface="Cabin"/>
+                <a:latin typeface="Arial" charset="0"/>
+                <a:ea typeface="Arial" charset="0"/>
+                <a:cs typeface="Arial" charset="0"/>
                 <a:sym typeface="Cabin"/>
               </a:rPr>
               <a:t>.hot br, .quick br, dl.feature2 img{display:none}</a:t>
@@ -41094,13 +41094,13 @@
               <a:buNone/>
             </a:pPr>
             <a:r>
-              <a:rPr lang="en-US" sz="2100" b="0" i="0" u="none" strike="noStrike" cap="none">
+              <a:rPr lang="en-US" sz="2100" u="none" strike="noStrike" cap="none">
                 <a:solidFill>
                   <a:srgbClr val="FF00FF"/>
                 </a:solidFill>
-                <a:latin typeface="Cabin"/>
-                <a:ea typeface="Cabin"/>
-                <a:cs typeface="Cabin"/>
+                <a:latin typeface="Arial" charset="0"/>
+                <a:ea typeface="Arial" charset="0"/>
+                <a:cs typeface="Arial" charset="0"/>
                 <a:sym typeface="Cabin"/>
               </a:rPr>
               <a:t>div#main label, legend{font-weight:bold}</a:t>
@@ -41255,13 +41255,13 @@
               <a:buNone/>
             </a:pPr>
             <a:r>
-              <a:rPr lang="en-US" sz="6200" b="0" i="0" u="none" strike="noStrike" cap="none">
+              <a:rPr lang="en-US" sz="6200" u="none" strike="noStrike" cap="none">
                 <a:solidFill>
                   <a:srgbClr val="FF00FF"/>
                 </a:solidFill>
-                <a:latin typeface="Cabin"/>
-                <a:ea typeface="Cabin"/>
-                <a:cs typeface="Cabin"/>
+                <a:latin typeface="Arial" charset="0"/>
+                <a:ea typeface="Arial" charset="0"/>
+                <a:cs typeface="Arial" charset="0"/>
                 <a:sym typeface="Cabin"/>
               </a:rPr>
               <a:t>...</a:t>
@@ -41395,25 +41395,25 @@
               <a:buNone/>
             </a:pPr>
             <a:r>
-              <a:rPr lang="en-US" sz="7200" b="1">
+              <a:rPr lang="en-US" sz="7200">
                 <a:solidFill>
                   <a:srgbClr val="FFD966"/>
                 </a:solidFill>
-                <a:latin typeface="Cabin"/>
-                <a:ea typeface="Cabin"/>
-                <a:cs typeface="Cabin"/>
+                <a:latin typeface="Arial" charset="0"/>
+                <a:ea typeface="Arial" charset="0"/>
+                <a:cs typeface="Arial" charset="0"/>
                 <a:sym typeface="Cabin"/>
               </a:rPr>
               <a:t>A browser debugger </a:t>
             </a:r>
             <a:r>
-              <a:rPr lang="en-US" sz="7200" b="1" i="0" u="none" strike="noStrike" cap="none">
+              <a:rPr lang="en-US" sz="7200" u="none" strike="noStrike" cap="none">
                 <a:solidFill>
                   <a:srgbClr val="FFD966"/>
                 </a:solidFill>
-                <a:latin typeface="Cabin"/>
-                <a:ea typeface="Cabin"/>
-                <a:cs typeface="Cabin"/>
+                <a:latin typeface="Arial" charset="0"/>
+                <a:ea typeface="Arial" charset="0"/>
+                <a:cs typeface="Arial" charset="0"/>
                 <a:sym typeface="Cabin"/>
               </a:rPr>
               <a:t>reveals detail...</a:t>
@@ -41468,9 +41468,9 @@
                 <a:solidFill>
                   <a:schemeClr val="lt1"/>
                 </a:solidFill>
-                <a:latin typeface="Cabin"/>
-                <a:ea typeface="Cabin"/>
-                <a:cs typeface="Cabin"/>
+                <a:latin typeface="Arial" charset="0"/>
+                <a:ea typeface="Arial" charset="0"/>
+                <a:cs typeface="Arial" charset="0"/>
                 <a:sym typeface="Cabin"/>
               </a:rPr>
               <a:t>Most browsers have a developer mode so you can watch it in action</a:t>
@@ -41491,13 +41491,13 @@
               <a:buFont typeface="Cabin"/>
             </a:pPr>
             <a:r>
-              <a:rPr lang="en-US" sz="3200" b="0" i="0" u="none" strike="noStrike" cap="none">
+              <a:rPr lang="en-US" sz="3200" u="none" strike="noStrike" cap="none">
                 <a:solidFill>
                   <a:schemeClr val="lt1"/>
                 </a:solidFill>
-                <a:latin typeface="Cabin"/>
-                <a:ea typeface="Cabin"/>
-                <a:cs typeface="Cabin"/>
+                <a:latin typeface="Arial" charset="0"/>
+                <a:ea typeface="Arial" charset="0"/>
+                <a:cs typeface="Arial" charset="0"/>
                 <a:sym typeface="Cabin"/>
               </a:rPr>
               <a:t>It can help explore the HTTP request-response cycle</a:t>
@@ -41518,37 +41518,37 @@
               <a:buFont typeface="Cabin"/>
             </a:pPr>
             <a:r>
-              <a:rPr lang="en-US" sz="3200" b="0" i="0" u="none" strike="noStrike" cap="none">
+              <a:rPr lang="en-US" sz="3200" u="none" strike="noStrike" cap="none">
                 <a:solidFill>
                   <a:schemeClr val="lt1"/>
                 </a:solidFill>
-                <a:latin typeface="Cabin"/>
-                <a:ea typeface="Cabin"/>
-                <a:cs typeface="Cabin"/>
+                <a:latin typeface="Arial" charset="0"/>
+                <a:ea typeface="Arial" charset="0"/>
+                <a:cs typeface="Arial" charset="0"/>
                 <a:sym typeface="Cabin"/>
               </a:rPr>
               <a:t>Some simple-looking pages involve </a:t>
             </a:r>
             <a:r>
-              <a:rPr lang="en-US" sz="3200" b="0" i="0" u="none" strike="noStrike" cap="none">
+              <a:rPr lang="en-US" sz="3200" u="none" strike="noStrike" cap="none">
                 <a:solidFill>
                   <a:srgbClr val="FFFF00"/>
                 </a:solidFill>
-                <a:latin typeface="Cabin"/>
-                <a:ea typeface="Cabin"/>
-                <a:cs typeface="Cabin"/>
+                <a:latin typeface="Arial" charset="0"/>
+                <a:ea typeface="Arial" charset="0"/>
+                <a:cs typeface="Arial" charset="0"/>
                 <a:sym typeface="Cabin"/>
               </a:rPr>
               <a:t>lots of requests</a:t>
             </a:r>
             <a:r>
-              <a:rPr lang="en-US" sz="3200" b="0" i="0" u="none" strike="noStrike" cap="none">
+              <a:rPr lang="en-US" sz="3200" u="none" strike="noStrike" cap="none">
                 <a:solidFill>
                   <a:schemeClr val="lt1"/>
                 </a:solidFill>
-                <a:latin typeface="Cabin"/>
-                <a:ea typeface="Cabin"/>
-                <a:cs typeface="Cabin"/>
+                <a:latin typeface="Arial" charset="0"/>
+                <a:ea typeface="Arial" charset="0"/>
+                <a:cs typeface="Arial" charset="0"/>
                 <a:sym typeface="Cabin"/>
               </a:rPr>
               <a:t>:</a:t>
@@ -41569,13 +41569,13 @@
               <a:buFont typeface="Cabin"/>
             </a:pPr>
             <a:r>
-              <a:rPr lang="en-US" sz="3200" b="0" i="0" u="none" strike="noStrike" cap="none">
+              <a:rPr lang="en-US" sz="3200" u="none" strike="noStrike" cap="none">
                 <a:solidFill>
                   <a:schemeClr val="lt1"/>
                 </a:solidFill>
-                <a:latin typeface="Cabin"/>
-                <a:ea typeface="Cabin"/>
-                <a:cs typeface="Cabin"/>
+                <a:latin typeface="Arial" charset="0"/>
+                <a:ea typeface="Arial" charset="0"/>
+                <a:cs typeface="Arial" charset="0"/>
                 <a:sym typeface="Cabin"/>
               </a:rPr>
               <a:t>HTML page(s)</a:t>
@@ -41596,13 +41596,13 @@
               <a:buFont typeface="Cabin"/>
             </a:pPr>
             <a:r>
-              <a:rPr lang="en-US" sz="3200" b="0" i="0" u="none" strike="noStrike" cap="none">
+              <a:rPr lang="en-US" sz="3200" u="none" strike="noStrike" cap="none">
                 <a:solidFill>
                   <a:schemeClr val="lt1"/>
                 </a:solidFill>
-                <a:latin typeface="Cabin"/>
-                <a:ea typeface="Cabin"/>
-                <a:cs typeface="Cabin"/>
+                <a:latin typeface="Arial" charset="0"/>
+                <a:ea typeface="Arial" charset="0"/>
+                <a:cs typeface="Arial" charset="0"/>
                 <a:sym typeface="Cabin"/>
               </a:rPr>
               <a:t>Image files</a:t>
@@ -41623,13 +41623,13 @@
               <a:buFont typeface="Cabin"/>
             </a:pPr>
             <a:r>
-              <a:rPr lang="en-US" sz="3200" b="0" i="0" u="none" strike="noStrike" cap="none">
+              <a:rPr lang="en-US" sz="3200" u="none" strike="noStrike" cap="none">
                 <a:solidFill>
                   <a:schemeClr val="lt1"/>
                 </a:solidFill>
-                <a:latin typeface="Cabin"/>
-                <a:ea typeface="Cabin"/>
-                <a:cs typeface="Cabin"/>
+                <a:latin typeface="Arial" charset="0"/>
+                <a:ea typeface="Arial" charset="0"/>
+                <a:cs typeface="Arial" charset="0"/>
                 <a:sym typeface="Cabin"/>
               </a:rPr>
               <a:t>CSS Style Sheets</a:t>
@@ -41657,9 +41657,9 @@
                 <a:solidFill>
                   <a:schemeClr val="lt1"/>
                 </a:solidFill>
-                <a:latin typeface="Cabin"/>
-                <a:ea typeface="Cabin"/>
-                <a:cs typeface="Cabin"/>
+                <a:latin typeface="Arial" charset="0"/>
+                <a:ea typeface="Arial" charset="0"/>
+                <a:cs typeface="Arial" charset="0"/>
                 <a:sym typeface="Cabin"/>
               </a:rPr>
               <a:t>JavaScript files</a:t>
@@ -41792,13 +41792,13 @@
               <a:buNone/>
             </a:pPr>
             <a:r>
-              <a:rPr lang="en-US" sz="7600" b="1" i="0" u="none" strike="noStrike" cap="none">
+              <a:rPr lang="en-US" sz="7600" u="none" strike="noStrike" cap="none">
                 <a:solidFill>
                   <a:srgbClr val="FFD966"/>
                 </a:solidFill>
-                <a:latin typeface="Cabin"/>
-                <a:ea typeface="Cabin"/>
-                <a:cs typeface="Cabin"/>
+                <a:latin typeface="Arial" charset="0"/>
+                <a:ea typeface="Arial" charset="0"/>
+                <a:cs typeface="Arial" charset="0"/>
                 <a:sym typeface="Cabin"/>
               </a:rPr>
               <a:t>Network Architecture....</a:t>
@@ -41878,37 +41878,37 @@
               <a:buNone/>
             </a:pPr>
             <a:r>
-              <a:rPr lang="en-US" sz="7600" b="1" i="0" u="none" strike="noStrike" cap="none">
+              <a:rPr lang="en-US" sz="7600" u="none" strike="noStrike" cap="none">
                 <a:solidFill>
                   <a:srgbClr val="FFD966"/>
                 </a:solidFill>
-                <a:latin typeface="Cabin"/>
-                <a:ea typeface="Cabin"/>
-                <a:cs typeface="Cabin"/>
+                <a:latin typeface="Arial" charset="0"/>
+                <a:ea typeface="Arial" charset="0"/>
+                <a:cs typeface="Arial" charset="0"/>
                 <a:sym typeface="Cabin"/>
               </a:rPr>
               <a:t>Let</a:t>
             </a:r>
             <a:r>
-              <a:rPr lang="en-US" sz="7600" b="1">
+              <a:rPr lang="en-US" sz="7600">
                 <a:solidFill>
                   <a:srgbClr val="FFD966"/>
                 </a:solidFill>
-                <a:latin typeface="Cabin"/>
-                <a:ea typeface="Cabin"/>
-                <a:cs typeface="Cabin"/>
+                <a:latin typeface="Arial" charset="0"/>
+                <a:ea typeface="Arial" charset="0"/>
+                <a:cs typeface="Arial" charset="0"/>
                 <a:sym typeface="Cabin"/>
               </a:rPr>
               <a:t>’</a:t>
             </a:r>
             <a:r>
-              <a:rPr lang="en-US" sz="7600" b="1" i="0" u="none" strike="noStrike" cap="none">
+              <a:rPr lang="en-US" sz="7600" u="none" strike="noStrike" cap="none">
                 <a:solidFill>
                   <a:srgbClr val="FFD966"/>
                 </a:solidFill>
-                <a:latin typeface="Cabin"/>
-                <a:ea typeface="Cabin"/>
-                <a:cs typeface="Cabin"/>
+                <a:latin typeface="Arial" charset="0"/>
+                <a:ea typeface="Arial" charset="0"/>
+                <a:cs typeface="Arial" charset="0"/>
                 <a:sym typeface="Cabin"/>
               </a:rPr>
               <a:t>s Write a Web Browser!</a:t>
@@ -42031,13 +42031,13 @@
               <a:buNone/>
             </a:pPr>
             <a:r>
-              <a:rPr lang="en-US" sz="7600" b="1" i="0" u="none" strike="noStrike" cap="none">
+              <a:rPr lang="en-US" sz="7600" u="none" strike="noStrike" cap="none">
                 <a:solidFill>
                   <a:srgbClr val="FFD966"/>
                 </a:solidFill>
-                <a:latin typeface="Cabin"/>
-                <a:ea typeface="Cabin"/>
-                <a:cs typeface="Cabin"/>
+                <a:latin typeface="Arial" charset="0"/>
+                <a:ea typeface="Arial" charset="0"/>
+                <a:cs typeface="Arial" charset="0"/>
                 <a:sym typeface="Cabin"/>
               </a:rPr>
               <a:t>An HTTP Request in Python</a:t>
@@ -43161,13 +43161,13 @@
               <a:buNone/>
             </a:pPr>
             <a:r>
-              <a:rPr lang="en-US" sz="3600" b="0" i="0" u="none" strike="noStrike" cap="none">
+              <a:rPr lang="en-US" sz="3600" u="none" strike="noStrike" cap="none">
                 <a:solidFill>
                   <a:srgbClr val="FF00FF"/>
                 </a:solidFill>
-                <a:latin typeface="Cabin"/>
-                <a:ea typeface="Cabin"/>
-                <a:cs typeface="Cabin"/>
+                <a:latin typeface="Arial" charset="0"/>
+                <a:ea typeface="Arial" charset="0"/>
+                <a:cs typeface="Arial" charset="0"/>
                 <a:sym typeface="Cabin"/>
               </a:rPr>
               <a:t>HTTP Header</a:t>
@@ -43218,13 +43218,13 @@
               <a:buNone/>
             </a:pPr>
             <a:r>
-              <a:rPr lang="en-US" sz="3600" b="0" i="0" u="none" strike="noStrike" cap="none">
+              <a:rPr lang="en-US" sz="3600" u="none" strike="noStrike" cap="none">
                 <a:solidFill>
                   <a:schemeClr val="lt1"/>
                 </a:solidFill>
-                <a:latin typeface="Cabin"/>
-                <a:ea typeface="Cabin"/>
-                <a:cs typeface="Cabin"/>
+                <a:latin typeface="Arial" charset="0"/>
+                <a:ea typeface="Arial" charset="0"/>
+                <a:cs typeface="Arial" charset="0"/>
                 <a:sym typeface="Cabin"/>
               </a:rPr>
               <a:t>HTTP Body</a:t>
@@ -43304,13 +43304,13 @@
               <a:buNone/>
             </a:pPr>
             <a:r>
-              <a:rPr lang="en-US" sz="7600" b="1" i="0" u="none" strike="noStrike" cap="none">
+              <a:rPr lang="en-US" sz="7600" u="none" strike="noStrike" cap="none">
                 <a:solidFill>
                   <a:srgbClr val="FFD966"/>
                 </a:solidFill>
-                <a:latin typeface="Cabin"/>
-                <a:ea typeface="Cabin"/>
-                <a:cs typeface="Cabin"/>
+                <a:latin typeface="Arial" charset="0"/>
+                <a:ea typeface="Arial" charset="0"/>
+                <a:cs typeface="Arial" charset="0"/>
                 <a:sym typeface="Cabin"/>
               </a:rPr>
               <a:t>Making HTTP Easier With urllib</a:t>
@@ -43433,37 +43433,37 @@
               <a:buNone/>
             </a:pPr>
             <a:r>
-              <a:rPr lang="en-US" sz="7600" b="1" i="0" u="none" strike="noStrike" cap="none">
+              <a:rPr lang="en-US" sz="7600" u="none" strike="noStrike" cap="none">
                 <a:solidFill>
                   <a:schemeClr val="lt1"/>
                 </a:solidFill>
-                <a:latin typeface="Cabin"/>
-                <a:ea typeface="Cabin"/>
-                <a:cs typeface="Cabin"/>
+                <a:latin typeface="Arial" charset="0"/>
+                <a:ea typeface="Arial" charset="0"/>
+                <a:cs typeface="Arial" charset="0"/>
                 <a:sym typeface="Cabin"/>
               </a:rPr>
               <a:t>Using </a:t>
             </a:r>
             <a:r>
-              <a:rPr lang="en-US" sz="7600" b="1" i="0" u="none" strike="noStrike" cap="none">
+              <a:rPr lang="en-US" sz="7600" u="none" strike="noStrike" cap="none">
                 <a:solidFill>
                   <a:srgbClr val="00FF00"/>
                 </a:solidFill>
-                <a:latin typeface="Cabin"/>
-                <a:ea typeface="Cabin"/>
-                <a:cs typeface="Cabin"/>
+                <a:latin typeface="Arial" charset="0"/>
+                <a:ea typeface="Arial" charset="0"/>
+                <a:cs typeface="Arial" charset="0"/>
                 <a:sym typeface="Cabin"/>
               </a:rPr>
               <a:t>urllib</a:t>
             </a:r>
             <a:r>
-              <a:rPr lang="en-US" sz="7600" b="1" i="0" u="none" strike="noStrike" cap="none">
+              <a:rPr lang="en-US" sz="7600" u="none" strike="noStrike" cap="none">
                 <a:solidFill>
                   <a:schemeClr val="lt1"/>
                 </a:solidFill>
-                <a:latin typeface="Cabin"/>
-                <a:ea typeface="Cabin"/>
-                <a:cs typeface="Cabin"/>
+                <a:latin typeface="Arial" charset="0"/>
+                <a:ea typeface="Arial" charset="0"/>
+                <a:cs typeface="Arial" charset="0"/>
                 <a:sym typeface="Cabin"/>
               </a:rPr>
               <a:t> in Python</a:t>
@@ -43513,13 +43513,13 @@
               <a:buNone/>
             </a:pPr>
             <a:r>
-              <a:rPr lang="en-US" sz="3600" b="0" i="0" u="none" strike="noStrike" cap="none">
+              <a:rPr lang="en-US" sz="3600" u="none" strike="noStrike" cap="none">
                 <a:solidFill>
                   <a:schemeClr val="lt1"/>
                 </a:solidFill>
-                <a:latin typeface="Cabin"/>
-                <a:ea typeface="Cabin"/>
-                <a:cs typeface="Cabin"/>
+                <a:latin typeface="Arial" charset="0"/>
+                <a:ea typeface="Arial" charset="0"/>
+                <a:cs typeface="Arial" charset="0"/>
                 <a:sym typeface="Cabin"/>
               </a:rPr>
               <a:t>Since HTTP is so common, we have a library that does all the socket work for us and makes web pages look like a file</a:t>
@@ -43779,13 +43779,13 @@
               <a:buNone/>
             </a:pPr>
             <a:r>
-              <a:rPr lang="en-US" sz="3000" b="0" i="0" u="sng" strike="noStrike" cap="none">
+              <a:rPr lang="en-US" sz="3000" u="sng" strike="noStrike" cap="none">
                 <a:solidFill>
                   <a:srgbClr val="FFFF00"/>
                 </a:solidFill>
-                <a:latin typeface="Cabin"/>
-                <a:ea typeface="Cabin"/>
-                <a:cs typeface="Cabin"/>
+                <a:latin typeface="Arial" charset="0"/>
+                <a:ea typeface="Arial" charset="0"/>
+                <a:cs typeface="Arial" charset="0"/>
                 <a:sym typeface="Cabin"/>
                 <a:hlinkClick r:id="rId3"/>
               </a:rPr>
@@ -43837,13 +43837,13 @@
               <a:buNone/>
             </a:pPr>
             <a:r>
-              <a:rPr lang="en-US" sz="3600" b="0" i="0" u="none" strike="noStrike" cap="none">
+              <a:rPr lang="en-US" sz="3600" u="none" strike="noStrike" cap="none">
                 <a:solidFill>
                   <a:schemeClr val="lt1"/>
                 </a:solidFill>
-                <a:latin typeface="Cabin"/>
-                <a:ea typeface="Cabin"/>
-                <a:cs typeface="Cabin"/>
+                <a:latin typeface="Arial" charset="0"/>
+                <a:ea typeface="Arial" charset="0"/>
+                <a:cs typeface="Arial" charset="0"/>
                 <a:sym typeface="Cabin"/>
               </a:rPr>
               <a:t>urllib1.py</a:t>
@@ -44105,13 +44105,13 @@
               <a:buNone/>
             </a:pPr>
             <a:r>
-              <a:rPr lang="en-US" sz="3600" b="0" i="0" u="none" strike="noStrike" cap="none">
+              <a:rPr lang="en-US" sz="3600" u="none" strike="noStrike" cap="none">
                 <a:solidFill>
                   <a:srgbClr val="FF00FF"/>
                 </a:solidFill>
-                <a:latin typeface="Cabin"/>
-                <a:ea typeface="Cabin"/>
-                <a:cs typeface="Cabin"/>
+                <a:latin typeface="Arial" charset="0"/>
+                <a:ea typeface="Arial" charset="0"/>
+                <a:cs typeface="Arial" charset="0"/>
                 <a:sym typeface="Cabin"/>
               </a:rPr>
               <a:t>But soft what light through yonder window breaks</a:t>
@@ -44136,13 +44136,13 @@
               <a:buNone/>
             </a:pPr>
             <a:r>
-              <a:rPr lang="en-US" sz="3600" b="0" i="0" u="none" strike="noStrike" cap="none">
+              <a:rPr lang="en-US" sz="3600" u="none" strike="noStrike" cap="none">
                 <a:solidFill>
                   <a:srgbClr val="FF00FF"/>
                 </a:solidFill>
-                <a:latin typeface="Cabin"/>
-                <a:ea typeface="Cabin"/>
-                <a:cs typeface="Cabin"/>
+                <a:latin typeface="Arial" charset="0"/>
+                <a:ea typeface="Arial" charset="0"/>
+                <a:cs typeface="Arial" charset="0"/>
                 <a:sym typeface="Cabin"/>
               </a:rPr>
               <a:t>It is the east and Juliet is the sun</a:t>
@@ -44167,13 +44167,13 @@
               <a:buNone/>
             </a:pPr>
             <a:r>
-              <a:rPr lang="en-US" sz="3600" b="0" i="0" u="none" strike="noStrike" cap="none">
+              <a:rPr lang="en-US" sz="3600" u="none" strike="noStrike" cap="none">
                 <a:solidFill>
                   <a:srgbClr val="FF00FF"/>
                 </a:solidFill>
-                <a:latin typeface="Cabin"/>
-                <a:ea typeface="Cabin"/>
-                <a:cs typeface="Cabin"/>
+                <a:latin typeface="Arial" charset="0"/>
+                <a:ea typeface="Arial" charset="0"/>
+                <a:cs typeface="Arial" charset="0"/>
                 <a:sym typeface="Cabin"/>
               </a:rPr>
               <a:t>Arise fair sun and kill the envious moon</a:t>
@@ -44198,13 +44198,13 @@
               <a:buNone/>
             </a:pPr>
             <a:r>
-              <a:rPr lang="en-US" sz="3600" b="0" i="0" u="none" strike="noStrike" cap="none">
+              <a:rPr lang="en-US" sz="3600" u="none" strike="noStrike" cap="none">
                 <a:solidFill>
                   <a:srgbClr val="FF00FF"/>
                 </a:solidFill>
-                <a:latin typeface="Cabin"/>
-                <a:ea typeface="Cabin"/>
-                <a:cs typeface="Cabin"/>
+                <a:latin typeface="Arial" charset="0"/>
+                <a:ea typeface="Arial" charset="0"/>
+                <a:cs typeface="Arial" charset="0"/>
                 <a:sym typeface="Cabin"/>
               </a:rPr>
               <a:t>Who is already sick and pale with grief</a:t>
@@ -44255,13 +44255,13 @@
               <a:buNone/>
             </a:pPr>
             <a:r>
-              <a:rPr lang="en-US" sz="3600" b="0" i="0" u="none" strike="noStrike" cap="none">
+              <a:rPr lang="en-US" sz="3600" u="none" strike="noStrike" cap="none">
                 <a:solidFill>
                   <a:schemeClr val="lt1"/>
                 </a:solidFill>
-                <a:latin typeface="Cabin"/>
-                <a:ea typeface="Cabin"/>
-                <a:cs typeface="Cabin"/>
+                <a:latin typeface="Arial" charset="0"/>
+                <a:ea typeface="Arial" charset="0"/>
+                <a:cs typeface="Arial" charset="0"/>
                 <a:sym typeface="Cabin"/>
               </a:rPr>
               <a:t>urllib1.py</a:t>
@@ -44312,13 +44312,13 @@
               <a:buNone/>
             </a:pPr>
             <a:r>
-              <a:rPr lang="en-US" sz="3000" b="0" i="0" u="sng" strike="noStrike" cap="none">
+              <a:rPr lang="en-US" sz="3000" u="sng" strike="noStrike" cap="none">
                 <a:solidFill>
                   <a:srgbClr val="FFFF00"/>
                 </a:solidFill>
-                <a:latin typeface="Cabin"/>
-                <a:ea typeface="Cabin"/>
-                <a:cs typeface="Cabin"/>
+                <a:latin typeface="Arial" charset="0"/>
+                <a:ea typeface="Arial" charset="0"/>
+                <a:cs typeface="Arial" charset="0"/>
                 <a:sym typeface="Cabin"/>
                 <a:hlinkClick r:id="rId3"/>
               </a:rPr>
@@ -44399,13 +44399,13 @@
               <a:buNone/>
             </a:pPr>
             <a:r>
-              <a:rPr lang="en-US" sz="7600" b="1" i="0" u="none" strike="noStrike" cap="none">
+              <a:rPr lang="en-US" sz="7600" u="none" strike="noStrike" cap="none">
                 <a:solidFill>
                   <a:srgbClr val="FFD966"/>
                 </a:solidFill>
-                <a:latin typeface="Cabin"/>
-                <a:ea typeface="Cabin"/>
-                <a:cs typeface="Cabin"/>
+                <a:latin typeface="Arial" charset="0"/>
+                <a:ea typeface="Arial" charset="0"/>
+                <a:cs typeface="Arial" charset="0"/>
                 <a:sym typeface="Cabin"/>
               </a:rPr>
               <a:t>Like a file...</a:t>
@@ -44753,13 +44753,13 @@
               <a:buNone/>
             </a:pPr>
             <a:r>
-              <a:rPr lang="en-US" sz="3600" b="0" i="0" u="none" strike="noStrike" cap="none">
+              <a:rPr lang="en-US" sz="3600" u="none" strike="noStrike" cap="none">
                 <a:solidFill>
                   <a:schemeClr val="lt1"/>
                 </a:solidFill>
-                <a:latin typeface="Cabin"/>
-                <a:ea typeface="Cabin"/>
-                <a:cs typeface="Cabin"/>
+                <a:latin typeface="Arial" charset="0"/>
+                <a:ea typeface="Arial" charset="0"/>
+                <a:cs typeface="Arial" charset="0"/>
                 <a:sym typeface="Cabin"/>
               </a:rPr>
               <a:t>urlwords.py </a:t>
@@ -44839,13 +44839,13 @@
               <a:buNone/>
             </a:pPr>
             <a:r>
-              <a:rPr lang="en-US" sz="7600" b="1" i="0" u="none" strike="noStrike" cap="none">
+              <a:rPr lang="en-US" sz="7600" u="none" strike="noStrike" cap="none">
                 <a:solidFill>
                   <a:srgbClr val="FFD966"/>
                 </a:solidFill>
-                <a:latin typeface="Cabin"/>
-                <a:ea typeface="Cabin"/>
-                <a:cs typeface="Cabin"/>
+                <a:latin typeface="Arial" charset="0"/>
+                <a:ea typeface="Arial" charset="0"/>
+                <a:cs typeface="Arial" charset="0"/>
                 <a:sym typeface="Cabin"/>
               </a:rPr>
               <a:t>Reading Web Pages</a:t>
@@ -45196,13 +45196,13 @@
               <a:buNone/>
             </a:pPr>
             <a:r>
-              <a:rPr lang="en-US" sz="3600" b="0" i="0" u="none" strike="noStrike" cap="none">
+              <a:rPr lang="en-US" sz="3600" u="none" strike="noStrike" cap="none">
                 <a:solidFill>
                   <a:schemeClr val="lt1"/>
                 </a:solidFill>
-                <a:latin typeface="Cabin"/>
-                <a:ea typeface="Cabin"/>
-                <a:cs typeface="Cabin"/>
+                <a:latin typeface="Arial" charset="0"/>
+                <a:ea typeface="Arial" charset="0"/>
+                <a:cs typeface="Arial" charset="0"/>
                 <a:sym typeface="Cabin"/>
               </a:rPr>
               <a:t>urllib</a:t>
@@ -45212,21 +45212,21 @@
                 <a:solidFill>
                   <a:schemeClr val="lt1"/>
                 </a:solidFill>
-                <a:latin typeface="Cabin"/>
-                <a:ea typeface="Cabin"/>
-                <a:cs typeface="Cabin"/>
+                <a:latin typeface="Arial" charset="0"/>
+                <a:ea typeface="Arial" charset="0"/>
+                <a:cs typeface="Arial" charset="0"/>
                 <a:sym typeface="Cabin"/>
               </a:rPr>
               <a:t>2</a:t>
             </a:r>
             <a:r>
-              <a:rPr lang="en-US" sz="3600" b="0" i="0" u="none" strike="noStrike" cap="none">
+              <a:rPr lang="en-US" sz="3600" u="none" strike="noStrike" cap="none">
                 <a:solidFill>
                   <a:schemeClr val="lt1"/>
                 </a:solidFill>
-                <a:latin typeface="Cabin"/>
-                <a:ea typeface="Cabin"/>
-                <a:cs typeface="Cabin"/>
+                <a:latin typeface="Arial" charset="0"/>
+                <a:ea typeface="Arial" charset="0"/>
+                <a:cs typeface="Arial" charset="0"/>
                 <a:sym typeface="Cabin"/>
               </a:rPr>
               <a:t>.py</a:t>
@@ -45306,13 +45306,13 @@
               <a:buNone/>
             </a:pPr>
             <a:r>
-              <a:rPr lang="en-US" sz="7600" b="1" i="0" u="none" strike="noStrike" cap="none">
+              <a:rPr lang="en-US" sz="7600" u="none" strike="noStrike" cap="none">
                 <a:solidFill>
                   <a:srgbClr val="FFD966"/>
                 </a:solidFill>
-                <a:latin typeface="Cabin"/>
-                <a:ea typeface="Cabin"/>
-                <a:cs typeface="Cabin"/>
+                <a:latin typeface="Arial" charset="0"/>
+                <a:ea typeface="Arial" charset="0"/>
+                <a:cs typeface="Arial" charset="0"/>
                 <a:sym typeface="Cabin"/>
               </a:rPr>
               <a:t>Going from one page to another...</a:t>
@@ -45807,73 +45807,73 @@
               <a:buNone/>
             </a:pPr>
             <a:r>
-              <a:rPr lang="en-US" sz="16400" b="0" i="0" u="none" strike="noStrike" cap="none">
+              <a:rPr lang="en-US" sz="16400" u="none" strike="noStrike" cap="none">
                 <a:solidFill>
                   <a:srgbClr val="0000FF"/>
                 </a:solidFill>
-                <a:latin typeface="Cabin"/>
-                <a:ea typeface="Cabin"/>
-                <a:cs typeface="Cabin"/>
+                <a:latin typeface="Arial" charset="0"/>
+                <a:ea typeface="Arial" charset="0"/>
+                <a:cs typeface="Arial" charset="0"/>
                 <a:sym typeface="Cabin"/>
               </a:rPr>
               <a:t>G</a:t>
             </a:r>
             <a:r>
-              <a:rPr lang="en-US" sz="16400" b="0" i="0" u="none" strike="noStrike" cap="none">
+              <a:rPr lang="en-US" sz="16400" u="none" strike="noStrike" cap="none">
                 <a:solidFill>
                   <a:srgbClr val="FF0000"/>
                 </a:solidFill>
-                <a:latin typeface="Cabin"/>
-                <a:ea typeface="Cabin"/>
-                <a:cs typeface="Cabin"/>
+                <a:latin typeface="Arial" charset="0"/>
+                <a:ea typeface="Arial" charset="0"/>
+                <a:cs typeface="Arial" charset="0"/>
                 <a:sym typeface="Cabin"/>
               </a:rPr>
               <a:t>o</a:t>
             </a:r>
             <a:r>
-              <a:rPr lang="en-US" sz="16400" b="0" i="0" u="none" strike="noStrike" cap="none">
+              <a:rPr lang="en-US" sz="16400" u="none" strike="noStrike" cap="none">
                 <a:solidFill>
                   <a:srgbClr val="FFFF00"/>
                 </a:solidFill>
-                <a:latin typeface="Cabin"/>
-                <a:ea typeface="Cabin"/>
-                <a:cs typeface="Cabin"/>
+                <a:latin typeface="Arial" charset="0"/>
+                <a:ea typeface="Arial" charset="0"/>
+                <a:cs typeface="Arial" charset="0"/>
                 <a:sym typeface="Cabin"/>
               </a:rPr>
               <a:t>o</a:t>
             </a:r>
             <a:r>
-              <a:rPr lang="en-US" sz="16400" b="0" i="0" u="none" strike="noStrike" cap="none">
+              <a:rPr lang="en-US" sz="16400" u="none" strike="noStrike" cap="none">
                 <a:solidFill>
                   <a:srgbClr val="0000FF"/>
                 </a:solidFill>
-                <a:latin typeface="Cabin"/>
-                <a:ea typeface="Cabin"/>
-                <a:cs typeface="Cabin"/>
+                <a:latin typeface="Arial" charset="0"/>
+                <a:ea typeface="Arial" charset="0"/>
+                <a:cs typeface="Arial" charset="0"/>
                 <a:sym typeface="Cabin"/>
               </a:rPr>
               <a:t>g</a:t>
             </a:r>
             <a:r>
-              <a:rPr lang="en-US" sz="16400" b="0" i="0" u="none" strike="noStrike" cap="none">
+              <a:rPr lang="en-US" sz="16400" u="none" strike="noStrike" cap="none">
                 <a:solidFill>
                   <a:srgbClr val="00FF00"/>
                 </a:solidFill>
-                <a:latin typeface="Cabin"/>
-                <a:ea typeface="Cabin"/>
-                <a:cs typeface="Cabin"/>
+                <a:latin typeface="Arial" charset="0"/>
+                <a:ea typeface="Arial" charset="0"/>
+                <a:cs typeface="Arial" charset="0"/>
                 <a:sym typeface="Cabin"/>
               </a:rPr>
               <a:t>l</a:t>
             </a:r>
             <a:r>
-              <a:rPr lang="en-US" sz="16400" b="0" i="0" u="none" strike="noStrike" cap="none">
+              <a:rPr lang="en-US" sz="16400" u="none" strike="noStrike" cap="none">
                 <a:solidFill>
                   <a:srgbClr val="FF0000"/>
                 </a:solidFill>
-                <a:latin typeface="Cabin"/>
-                <a:ea typeface="Cabin"/>
-                <a:cs typeface="Cabin"/>
+                <a:latin typeface="Arial" charset="0"/>
+                <a:ea typeface="Arial" charset="0"/>
+                <a:cs typeface="Arial" charset="0"/>
                 <a:sym typeface="Cabin"/>
               </a:rPr>
               <a:t>e</a:t>
@@ -46103,13 +46103,13 @@
               <a:buNone/>
             </a:pPr>
             <a:r>
-              <a:rPr lang="en-US" sz="7600" b="1" i="0" u="none" strike="noStrike" cap="none">
+              <a:rPr lang="en-US" sz="7600" u="none" strike="noStrike" cap="none">
                 <a:solidFill>
                   <a:srgbClr val="FFD966"/>
                 </a:solidFill>
-                <a:latin typeface="Cabin"/>
-                <a:ea typeface="Cabin"/>
-                <a:cs typeface="Cabin"/>
+                <a:latin typeface="Arial" charset="0"/>
+                <a:ea typeface="Arial" charset="0"/>
+                <a:cs typeface="Arial" charset="0"/>
                 <a:sym typeface="Cabin"/>
               </a:rPr>
               <a:t>Transport Control Protocol (TCP)</a:t>
@@ -46160,13 +46160,13 @@
               <a:buFont typeface="Cabin"/>
             </a:pPr>
             <a:r>
-              <a:rPr lang="en-US" sz="3600" b="0" i="0" u="none" strike="noStrike" cap="none">
+              <a:rPr lang="en-US" sz="3600" u="none" strike="noStrike" cap="none">
                 <a:solidFill>
                   <a:schemeClr val="lt1"/>
                 </a:solidFill>
-                <a:latin typeface="Cabin"/>
-                <a:ea typeface="Cabin"/>
-                <a:cs typeface="Cabin"/>
+                <a:latin typeface="Arial" charset="0"/>
+                <a:ea typeface="Arial" charset="0"/>
+                <a:cs typeface="Arial" charset="0"/>
                 <a:sym typeface="Cabin"/>
               </a:rPr>
               <a:t>Built on top of IP (Internet Protocol)</a:t>
@@ -46187,13 +46187,13 @@
               <a:buFont typeface="Cabin"/>
             </a:pPr>
             <a:r>
-              <a:rPr lang="en-US" sz="3600" b="0" i="0" u="none" strike="noStrike" cap="none">
+              <a:rPr lang="en-US" sz="3600" u="none" strike="noStrike" cap="none">
                 <a:solidFill>
                   <a:schemeClr val="lt1"/>
                 </a:solidFill>
-                <a:latin typeface="Cabin"/>
-                <a:ea typeface="Cabin"/>
-                <a:cs typeface="Cabin"/>
+                <a:latin typeface="Arial" charset="0"/>
+                <a:ea typeface="Arial" charset="0"/>
+                <a:cs typeface="Arial" charset="0"/>
                 <a:sym typeface="Cabin"/>
               </a:rPr>
               <a:t>Assumes IP might lose some data - stores and retransmits data if it seems to be lost</a:t>
@@ -46213,13 +46213,13 @@
               <a:buSzPct val="100000"/>
             </a:pPr>
             <a:r>
-              <a:rPr lang="en-US" sz="3600" b="0" i="0" u="none" strike="noStrike" cap="none">
+              <a:rPr lang="en-US" sz="3600" u="none" strike="noStrike" cap="none">
                 <a:solidFill>
                   <a:schemeClr val="lt1"/>
                 </a:solidFill>
-                <a:latin typeface="Cabin"/>
-                <a:ea typeface="Cabin"/>
-                <a:cs typeface="Cabin"/>
+                <a:latin typeface="Arial" charset="0"/>
+                <a:ea typeface="Arial" charset="0"/>
+                <a:cs typeface="Arial" charset="0"/>
                 <a:sym typeface="Cabin"/>
               </a:rPr>
               <a:t>Handles </a:t>
@@ -46237,13 +46237,13 @@
               <a:t>“</a:t>
             </a:r>
             <a:r>
-              <a:rPr lang="en-US" sz="3600" b="0" i="0" u="none" strike="noStrike" cap="none">
+              <a:rPr lang="en-US" sz="3600" u="none" strike="noStrike" cap="none">
                 <a:solidFill>
                   <a:schemeClr val="lt1"/>
                 </a:solidFill>
-                <a:latin typeface="Cabin"/>
-                <a:ea typeface="Cabin"/>
-                <a:cs typeface="Cabin"/>
+                <a:latin typeface="Arial" charset="0"/>
+                <a:ea typeface="Arial" charset="0"/>
+                <a:cs typeface="Arial" charset="0"/>
                 <a:sym typeface="Cabin"/>
               </a:rPr>
               <a:t>flow control</a:t>
@@ -46261,13 +46261,13 @@
               <a:t>”</a:t>
             </a:r>
             <a:r>
-              <a:rPr lang="en-US" sz="3600" b="0" i="0" u="none" strike="noStrike" cap="none">
+              <a:rPr lang="en-US" sz="3600" u="none" strike="noStrike" cap="none">
                 <a:solidFill>
                   <a:schemeClr val="lt1"/>
                 </a:solidFill>
-                <a:latin typeface="Cabin"/>
-                <a:ea typeface="Cabin"/>
-                <a:cs typeface="Cabin"/>
+                <a:latin typeface="Arial" charset="0"/>
+                <a:ea typeface="Arial" charset="0"/>
+                <a:cs typeface="Arial" charset="0"/>
                 <a:sym typeface="Cabin"/>
               </a:rPr>
               <a:t> using a transmit window</a:t>
@@ -46288,25 +46288,25 @@
               <a:buFont typeface="Cabin"/>
             </a:pPr>
             <a:r>
-              <a:rPr lang="en-US" sz="3600" b="0" i="0" u="none" strike="noStrike" cap="none">
+              <a:rPr lang="en-US" sz="3600" u="none" strike="noStrike" cap="none">
                 <a:solidFill>
                   <a:schemeClr val="lt1"/>
                 </a:solidFill>
-                <a:latin typeface="Cabin"/>
-                <a:ea typeface="Cabin"/>
-                <a:cs typeface="Cabin"/>
+                <a:latin typeface="Arial" charset="0"/>
+                <a:ea typeface="Arial" charset="0"/>
+                <a:cs typeface="Arial" charset="0"/>
                 <a:sym typeface="Cabin"/>
               </a:rPr>
               <a:t>Provides a nice reliable </a:t>
             </a:r>
             <a:r>
-              <a:rPr lang="en-US" sz="3600" b="0" i="0" u="none" strike="noStrike" cap="none">
+              <a:rPr lang="en-US" sz="3600" u="none" strike="noStrike" cap="none">
                 <a:solidFill>
                   <a:srgbClr val="FFFF00"/>
                 </a:solidFill>
-                <a:latin typeface="Cabin"/>
-                <a:ea typeface="Cabin"/>
-                <a:cs typeface="Cabin"/>
+                <a:latin typeface="Arial" charset="0"/>
+                <a:ea typeface="Arial" charset="0"/>
+                <a:cs typeface="Arial" charset="0"/>
                 <a:sym typeface="Cabin"/>
               </a:rPr>
               <a:t>pipe</a:t>
@@ -46431,38 +46431,38 @@
               <a:buNone/>
             </a:pPr>
             <a:r>
-              <a:rPr lang="en-US" sz="2500" b="0" i="0" u="none" strike="noStrike" cap="none">
+              <a:rPr lang="en-US" sz="2500" u="none" strike="noStrike" cap="none">
                 <a:solidFill>
                   <a:schemeClr val="lt1"/>
                 </a:solidFill>
-                <a:latin typeface="Cabin"/>
-                <a:ea typeface="Cabin"/>
-                <a:cs typeface="Cabin"/>
+                <a:latin typeface="Arial" charset="0"/>
+                <a:ea typeface="Arial" charset="0"/>
+                <a:cs typeface="Arial" charset="0"/>
                 <a:sym typeface="Cabin"/>
               </a:rPr>
               <a:t>Source: </a:t>
             </a:r>
             <a:r>
-              <a:rPr lang="en-US" sz="2500" b="0" i="0" u="sng" strike="noStrike" cap="none">
+              <a:rPr lang="en-US" sz="2500" u="sng" strike="noStrike" cap="none">
                 <a:solidFill>
                   <a:srgbClr val="FFFF00"/>
                 </a:solidFill>
-                <a:latin typeface="Cabin"/>
-                <a:ea typeface="Cabin"/>
-                <a:cs typeface="Cabin"/>
+                <a:latin typeface="Arial" charset="0"/>
+                <a:ea typeface="Arial" charset="0"/>
+                <a:cs typeface="Arial" charset="0"/>
                 <a:sym typeface="Cabin"/>
                 <a:hlinkClick r:id="rId4"/>
               </a:rPr>
               <a:t>http://en.wikipedia.org/wiki/Internet_Protocol_Suite</a:t>
             </a:r>
             <a:r>
-              <a:rPr lang="en-US" sz="2500" b="0" i="0" u="none" strike="noStrike" cap="none">
+              <a:rPr lang="en-US" sz="2500" u="none" strike="noStrike" cap="none">
                 <a:solidFill>
                   <a:srgbClr val="FFFF00"/>
                 </a:solidFill>
-                <a:latin typeface="Cabin"/>
-                <a:ea typeface="Cabin"/>
-                <a:cs typeface="Cabin"/>
+                <a:latin typeface="Arial" charset="0"/>
+                <a:ea typeface="Arial" charset="0"/>
+                <a:cs typeface="Arial" charset="0"/>
                 <a:sym typeface="Cabin"/>
               </a:rPr>
               <a:t> </a:t>
@@ -46542,36 +46542,36 @@
               <a:buNone/>
             </a:pPr>
             <a:r>
-              <a:rPr lang="en-US" sz="7600" b="1" i="0" u="none" strike="noStrike" cap="none">
+              <a:rPr lang="en-US" sz="7600" u="none" strike="noStrike" cap="none">
                 <a:solidFill>
                   <a:srgbClr val="FFD966"/>
                 </a:solidFill>
-                <a:latin typeface="Cabin"/>
-                <a:ea typeface="Cabin"/>
-                <a:cs typeface="Cabin"/>
+                <a:latin typeface="Arial" charset="0"/>
+                <a:ea typeface="Arial" charset="0"/>
+                <a:cs typeface="Arial" charset="0"/>
                 <a:sym typeface="Cabin"/>
               </a:rPr>
               <a:t>Parsing HTML </a:t>
             </a:r>
             <a:br>
-              <a:rPr lang="en-US" sz="7600" b="1" i="0" u="none" strike="noStrike" cap="none">
+              <a:rPr lang="en-US" sz="7600" u="none" strike="noStrike" cap="none">
                 <a:solidFill>
                   <a:srgbClr val="FFD966"/>
                 </a:solidFill>
-                <a:latin typeface="Cabin"/>
-                <a:ea typeface="Cabin"/>
-                <a:cs typeface="Cabin"/>
+                <a:latin typeface="Arial" charset="0"/>
+                <a:ea typeface="Arial" charset="0"/>
+                <a:cs typeface="Arial" charset="0"/>
                 <a:sym typeface="Cabin"/>
               </a:rPr>
             </a:br>
             <a:r>
-              <a:rPr lang="en-US" sz="7600" b="1" i="0" u="none" strike="noStrike" cap="none">
+              <a:rPr lang="en-US" sz="7600" u="none" strike="noStrike" cap="none">
                 <a:solidFill>
                   <a:srgbClr val="FFD966"/>
                 </a:solidFill>
-                <a:latin typeface="Cabin"/>
-                <a:ea typeface="Cabin"/>
-                <a:cs typeface="Cabin"/>
+                <a:latin typeface="Arial" charset="0"/>
+                <a:ea typeface="Arial" charset="0"/>
+                <a:cs typeface="Arial" charset="0"/>
                 <a:sym typeface="Cabin"/>
               </a:rPr>
               <a:t>(a.k.a. Web Scraping)</a:t>
@@ -46694,13 +46694,13 @@
               <a:buNone/>
             </a:pPr>
             <a:r>
-              <a:rPr lang="en-US" sz="7600" b="1" i="0" u="none" strike="noStrike" cap="none">
+              <a:rPr lang="en-US" sz="7600" u="none" strike="noStrike" cap="none">
                 <a:solidFill>
                   <a:srgbClr val="FFD966"/>
                 </a:solidFill>
-                <a:latin typeface="Cabin"/>
-                <a:ea typeface="Cabin"/>
-                <a:cs typeface="Cabin"/>
+                <a:latin typeface="Arial" charset="0"/>
+                <a:ea typeface="Arial" charset="0"/>
+                <a:cs typeface="Arial" charset="0"/>
                 <a:sym typeface="Cabin"/>
               </a:rPr>
               <a:t>What is Web Scraping?</a:t>
@@ -46755,13 +46755,13 @@
               <a:buChar char="•"/>
             </a:pPr>
             <a:r>
-              <a:rPr lang="en-US" sz="3600" b="0" i="0" u="none" strike="noStrike" cap="none">
+              <a:rPr lang="en-US" sz="3600" u="none" strike="noStrike" cap="none">
                 <a:solidFill>
                   <a:schemeClr val="lt1"/>
                 </a:solidFill>
-                <a:latin typeface="Cabin"/>
-                <a:ea typeface="Cabin"/>
-                <a:cs typeface="Cabin"/>
+                <a:latin typeface="Arial" charset="0"/>
+                <a:ea typeface="Arial" charset="0"/>
+                <a:cs typeface="Arial" charset="0"/>
                 <a:sym typeface="Cabin"/>
               </a:rPr>
               <a:t>When a program or script pretends to be a browser and retrieves web pages, looks at those web pages, extracts information, and then looks at more web pages</a:t>
@@ -46786,13 +46786,13 @@
               <a:buChar char="•"/>
             </a:pPr>
             <a:r>
-              <a:rPr lang="en-US" sz="3600" b="0" i="0" u="none" strike="noStrike" cap="none">
+              <a:rPr lang="en-US" sz="3600" u="none" strike="noStrike" cap="none">
                 <a:solidFill>
                   <a:schemeClr val="lt1"/>
                 </a:solidFill>
-                <a:latin typeface="Cabin"/>
-                <a:ea typeface="Cabin"/>
-                <a:cs typeface="Cabin"/>
+                <a:latin typeface="Arial" charset="0"/>
+                <a:ea typeface="Arial" charset="0"/>
+                <a:cs typeface="Arial" charset="0"/>
                 <a:sym typeface="Cabin"/>
               </a:rPr>
               <a:t>Search engines scrape web pages - we call this </a:t>
@@ -46810,13 +46810,13 @@
               <a:t>“</a:t>
             </a:r>
             <a:r>
-              <a:rPr lang="en-US" sz="3600" b="0" i="0" u="none" strike="noStrike" cap="none">
+              <a:rPr lang="en-US" sz="3600" u="none" strike="noStrike" cap="none">
                 <a:solidFill>
                   <a:schemeClr val="lt1"/>
                 </a:solidFill>
-                <a:latin typeface="Cabin"/>
-                <a:ea typeface="Cabin"/>
-                <a:cs typeface="Cabin"/>
+                <a:latin typeface="Arial" charset="0"/>
+                <a:ea typeface="Arial" charset="0"/>
+                <a:cs typeface="Arial" charset="0"/>
                 <a:sym typeface="Cabin"/>
               </a:rPr>
               <a:t>spidering the web</a:t>
@@ -46834,13 +46834,13 @@
               <a:t>”</a:t>
             </a:r>
             <a:r>
-              <a:rPr lang="en-US" sz="3600" b="0" i="0" u="none" strike="noStrike" cap="none">
+              <a:rPr lang="en-US" sz="3600" u="none" strike="noStrike" cap="none">
                 <a:solidFill>
                   <a:schemeClr val="lt1"/>
                 </a:solidFill>
-                <a:latin typeface="Cabin"/>
-                <a:ea typeface="Cabin"/>
-                <a:cs typeface="Cabin"/>
+                <a:latin typeface="Arial" charset="0"/>
+                <a:ea typeface="Arial" charset="0"/>
+                <a:cs typeface="Arial" charset="0"/>
                 <a:sym typeface="Cabin"/>
               </a:rPr>
               <a:t> or </a:t>
@@ -46858,13 +46858,13 @@
               <a:t>“</a:t>
             </a:r>
             <a:r>
-              <a:rPr lang="en-US" sz="3600" b="0" i="0" u="none" strike="noStrike" cap="none">
+              <a:rPr lang="en-US" sz="3600" u="none" strike="noStrike" cap="none">
                 <a:solidFill>
                   <a:schemeClr val="lt1"/>
                 </a:solidFill>
-                <a:latin typeface="Cabin"/>
-                <a:ea typeface="Cabin"/>
-                <a:cs typeface="Cabin"/>
+                <a:latin typeface="Arial" charset="0"/>
+                <a:ea typeface="Arial" charset="0"/>
+                <a:cs typeface="Arial" charset="0"/>
                 <a:sym typeface="Cabin"/>
               </a:rPr>
               <a:t>web crawling</a:t>
@@ -46927,13 +46927,13 @@
               <a:buNone/>
             </a:pPr>
             <a:r>
-              <a:rPr lang="en-US" sz="3000" b="0" i="0" u="sng" strike="noStrike" cap="none">
+              <a:rPr lang="en-US" sz="3000" u="sng" strike="noStrike" cap="none">
                 <a:solidFill>
                   <a:srgbClr val="FFFF00"/>
                 </a:solidFill>
-                <a:latin typeface="Cabin"/>
-                <a:ea typeface="Cabin"/>
-                <a:cs typeface="Cabin"/>
+                <a:latin typeface="Arial" charset="0"/>
+                <a:ea typeface="Arial" charset="0"/>
+                <a:cs typeface="Arial" charset="0"/>
                 <a:sym typeface="Cabin"/>
                 <a:hlinkClick r:id="rId3"/>
               </a:rPr>
@@ -46959,13 +46959,13 @@
               <a:buNone/>
             </a:pPr>
             <a:r>
-              <a:rPr lang="en-US" sz="3000" b="0" i="0" u="sng" strike="noStrike" cap="none">
+              <a:rPr lang="en-US" sz="3000" u="sng" strike="noStrike" cap="none">
                 <a:solidFill>
                   <a:srgbClr val="FFFF00"/>
                 </a:solidFill>
-                <a:latin typeface="Cabin"/>
-                <a:ea typeface="Cabin"/>
-                <a:cs typeface="Cabin"/>
+                <a:latin typeface="Arial" charset="0"/>
+                <a:ea typeface="Arial" charset="0"/>
+                <a:cs typeface="Arial" charset="0"/>
                 <a:sym typeface="Cabin"/>
                 <a:hlinkClick r:id="rId4"/>
               </a:rPr>
@@ -47048,21 +47048,21 @@
                 <a:solidFill>
                   <a:schemeClr val="lt1"/>
                 </a:solidFill>
-                <a:latin typeface="Cabin"/>
-                <a:ea typeface="Cabin"/>
-                <a:cs typeface="Cabin"/>
+                <a:latin typeface="Arial" charset="0"/>
+                <a:ea typeface="Arial" charset="0"/>
+                <a:cs typeface="Arial" charset="0"/>
                 <a:sym typeface="Cabin"/>
               </a:rPr>
               <a:t> </a:t>
             </a:r>
             <a:r>
-              <a:rPr lang="en-US" sz="4100" b="0" i="0" u="none" strike="noStrike" cap="none">
+              <a:rPr lang="en-US" sz="4100" u="none" strike="noStrike" cap="none">
                 <a:solidFill>
                   <a:schemeClr val="lt1"/>
                 </a:solidFill>
-                <a:latin typeface="Cabin"/>
-                <a:ea typeface="Cabin"/>
-                <a:cs typeface="Cabin"/>
+                <a:latin typeface="Arial" charset="0"/>
+                <a:ea typeface="Arial" charset="0"/>
+                <a:cs typeface="Arial" charset="0"/>
                 <a:sym typeface="Cabin"/>
               </a:rPr>
               <a:t>Server</a:t>
@@ -47139,13 +47139,13 @@
               <a:buNone/>
             </a:pPr>
             <a:r>
-              <a:rPr lang="en-US" sz="3600" b="0" i="0" u="none" strike="noStrike" cap="none">
+              <a:rPr lang="en-US" sz="3600" u="none" strike="noStrike" cap="none">
                 <a:solidFill>
                   <a:schemeClr val="lt1"/>
                 </a:solidFill>
-                <a:latin typeface="Cabin"/>
-                <a:ea typeface="Cabin"/>
-                <a:cs typeface="Cabin"/>
+                <a:latin typeface="Arial" charset="0"/>
+                <a:ea typeface="Arial" charset="0"/>
+                <a:cs typeface="Arial" charset="0"/>
                 <a:sym typeface="Cabin"/>
               </a:rPr>
               <a:t>GET</a:t>
@@ -47222,13 +47222,13 @@
               <a:buNone/>
             </a:pPr>
             <a:r>
-              <a:rPr lang="en-US" sz="3600" b="0" i="0" u="none" strike="noStrike" cap="none">
+              <a:rPr lang="en-US" sz="3600" u="none" strike="noStrike" cap="none">
                 <a:solidFill>
                   <a:schemeClr val="lt1"/>
                 </a:solidFill>
-                <a:latin typeface="Cabin"/>
-                <a:ea typeface="Cabin"/>
-                <a:cs typeface="Cabin"/>
+                <a:latin typeface="Arial" charset="0"/>
+                <a:ea typeface="Arial" charset="0"/>
+                <a:cs typeface="Arial" charset="0"/>
                 <a:sym typeface="Cabin"/>
               </a:rPr>
               <a:t>HTML</a:t>
@@ -47359,13 +47359,13 @@
               <a:buNone/>
             </a:pPr>
             <a:r>
-              <a:rPr lang="en-US" sz="3600" b="0" i="0" u="none" strike="noStrike" cap="none">
+              <a:rPr lang="en-US" sz="3600" u="none" strike="noStrike" cap="none">
                 <a:solidFill>
                   <a:schemeClr val="lt1"/>
                 </a:solidFill>
-                <a:latin typeface="Cabin"/>
-                <a:ea typeface="Cabin"/>
-                <a:cs typeface="Cabin"/>
+                <a:latin typeface="Arial" charset="0"/>
+                <a:ea typeface="Arial" charset="0"/>
+                <a:cs typeface="Arial" charset="0"/>
                 <a:sym typeface="Cabin"/>
               </a:rPr>
               <a:t>GET</a:t>
@@ -47442,13 +47442,13 @@
               <a:buNone/>
             </a:pPr>
             <a:r>
-              <a:rPr lang="en-US" sz="3600" b="0" i="0" u="none" strike="noStrike" cap="none">
+              <a:rPr lang="en-US" sz="3600" u="none" strike="noStrike" cap="none">
                 <a:solidFill>
                   <a:schemeClr val="lt1"/>
                 </a:solidFill>
-                <a:latin typeface="Cabin"/>
-                <a:ea typeface="Cabin"/>
-                <a:cs typeface="Cabin"/>
+                <a:latin typeface="Arial" charset="0"/>
+                <a:ea typeface="Arial" charset="0"/>
+                <a:cs typeface="Arial" charset="0"/>
                 <a:sym typeface="Cabin"/>
               </a:rPr>
               <a:t>HTML</a:t>
@@ -47528,13 +47528,13 @@
               <a:buNone/>
             </a:pPr>
             <a:r>
-              <a:rPr lang="en-US" sz="7600" b="1" i="0" u="none" strike="noStrike" cap="none">
+              <a:rPr lang="en-US" sz="7600" u="none" strike="noStrike" cap="none">
                 <a:solidFill>
                   <a:srgbClr val="FFD966"/>
                 </a:solidFill>
-                <a:latin typeface="Cabin"/>
-                <a:ea typeface="Cabin"/>
-                <a:cs typeface="Cabin"/>
+                <a:latin typeface="Arial" charset="0"/>
+                <a:ea typeface="Arial" charset="0"/>
+                <a:cs typeface="Arial" charset="0"/>
                 <a:sym typeface="Cabin"/>
               </a:rPr>
               <a:t>Why Scrape?</a:t>
@@ -47589,13 +47589,13 @@
               <a:buChar char="•"/>
             </a:pPr>
             <a:r>
-              <a:rPr lang="en-US" sz="3600" b="0" i="0" u="none" strike="noStrike" cap="none">
+              <a:rPr lang="en-US" sz="3600" u="none" strike="noStrike" cap="none">
                 <a:solidFill>
                   <a:schemeClr val="lt1"/>
                 </a:solidFill>
-                <a:latin typeface="Cabin"/>
-                <a:ea typeface="Cabin"/>
-                <a:cs typeface="Cabin"/>
+                <a:latin typeface="Arial" charset="0"/>
+                <a:ea typeface="Arial" charset="0"/>
+                <a:cs typeface="Arial" charset="0"/>
                 <a:sym typeface="Cabin"/>
               </a:rPr>
               <a:t>Pull data - particularly social data - who links to who?</a:t>
@@ -47620,13 +47620,13 @@
               <a:buChar char="•"/>
             </a:pPr>
             <a:r>
-              <a:rPr lang="en-US" sz="3600" b="0" i="0" u="none" strike="noStrike" cap="none">
+              <a:rPr lang="en-US" sz="3600" u="none" strike="noStrike" cap="none">
                 <a:solidFill>
                   <a:schemeClr val="lt1"/>
                 </a:solidFill>
-                <a:latin typeface="Cabin"/>
-                <a:ea typeface="Cabin"/>
-                <a:cs typeface="Cabin"/>
+                <a:latin typeface="Arial" charset="0"/>
+                <a:ea typeface="Arial" charset="0"/>
+                <a:cs typeface="Arial" charset="0"/>
                 <a:sym typeface="Cabin"/>
               </a:rPr>
               <a:t>Get your own data back out of some system that has no </a:t>
@@ -47644,13 +47644,13 @@
               <a:t>“</a:t>
             </a:r>
             <a:r>
-              <a:rPr lang="en-US" sz="3600" b="0" i="0" u="none" strike="noStrike" cap="none">
+              <a:rPr lang="en-US" sz="3600" u="none" strike="noStrike" cap="none">
                 <a:solidFill>
                   <a:schemeClr val="lt1"/>
                 </a:solidFill>
-                <a:latin typeface="Cabin"/>
-                <a:ea typeface="Cabin"/>
-                <a:cs typeface="Cabin"/>
+                <a:latin typeface="Arial" charset="0"/>
+                <a:ea typeface="Arial" charset="0"/>
+                <a:cs typeface="Arial" charset="0"/>
                 <a:sym typeface="Cabin"/>
               </a:rPr>
               <a:t>export capability</a:t>
@@ -47687,13 +47687,13 @@
               <a:buChar char="•"/>
             </a:pPr>
             <a:r>
-              <a:rPr lang="en-US" sz="3600" b="0" i="0" u="none" strike="noStrike" cap="none">
+              <a:rPr lang="en-US" sz="3600" u="none" strike="noStrike" cap="none">
                 <a:solidFill>
                   <a:schemeClr val="lt1"/>
                 </a:solidFill>
-                <a:latin typeface="Cabin"/>
-                <a:ea typeface="Cabin"/>
-                <a:cs typeface="Cabin"/>
+                <a:latin typeface="Arial" charset="0"/>
+                <a:ea typeface="Arial" charset="0"/>
+                <a:cs typeface="Arial" charset="0"/>
                 <a:sym typeface="Cabin"/>
               </a:rPr>
               <a:t>Monitor a site for new information</a:t>
@@ -47718,13 +47718,13 @@
               <a:buChar char="•"/>
             </a:pPr>
             <a:r>
-              <a:rPr lang="en-US" sz="3600" b="0" i="0" u="none" strike="noStrike" cap="none">
+              <a:rPr lang="en-US" sz="3600" u="none" strike="noStrike" cap="none">
                 <a:solidFill>
                   <a:schemeClr val="lt1"/>
                 </a:solidFill>
-                <a:latin typeface="Cabin"/>
-                <a:ea typeface="Cabin"/>
-                <a:cs typeface="Cabin"/>
+                <a:latin typeface="Arial" charset="0"/>
+                <a:ea typeface="Arial" charset="0"/>
+                <a:cs typeface="Arial" charset="0"/>
                 <a:sym typeface="Cabin"/>
               </a:rPr>
               <a:t>Spider the web to make a database for a search engine</a:t>
@@ -47804,13 +47804,13 @@
               <a:buNone/>
             </a:pPr>
             <a:r>
-              <a:rPr lang="en-US" sz="7600" b="1" i="0" u="none" strike="noStrike" cap="none">
+              <a:rPr lang="en-US" sz="7600" u="none" strike="noStrike" cap="none">
                 <a:solidFill>
                   <a:srgbClr val="FFD966"/>
                 </a:solidFill>
-                <a:latin typeface="Cabin"/>
-                <a:ea typeface="Cabin"/>
-                <a:cs typeface="Cabin"/>
+                <a:latin typeface="Arial" charset="0"/>
+                <a:ea typeface="Arial" charset="0"/>
+                <a:cs typeface="Arial" charset="0"/>
                 <a:sym typeface="Cabin"/>
               </a:rPr>
               <a:t>Scraping Web Pages</a:t>
@@ -47865,13 +47865,13 @@
               <a:buChar char="•"/>
             </a:pPr>
             <a:r>
-              <a:rPr lang="en-US" sz="3600" b="0" i="0" u="none" strike="noStrike" cap="none">
+              <a:rPr lang="en-US" sz="3600" u="none" strike="noStrike" cap="none">
                 <a:solidFill>
                   <a:schemeClr val="lt1"/>
                 </a:solidFill>
-                <a:latin typeface="Cabin"/>
-                <a:ea typeface="Cabin"/>
-                <a:cs typeface="Cabin"/>
+                <a:latin typeface="Arial" charset="0"/>
+                <a:ea typeface="Arial" charset="0"/>
+                <a:cs typeface="Arial" charset="0"/>
                 <a:sym typeface="Cabin"/>
               </a:rPr>
               <a:t>There is some controversy about web page scraping and some sites are a bit snippy about it.</a:t>
@@ -47896,13 +47896,13 @@
               <a:buChar char="•"/>
             </a:pPr>
             <a:r>
-              <a:rPr lang="en-US" sz="3600" b="0" i="0" u="none" strike="noStrike" cap="none">
+              <a:rPr lang="en-US" sz="3600" u="none" strike="noStrike" cap="none">
                 <a:solidFill>
                   <a:schemeClr val="lt1"/>
                 </a:solidFill>
-                <a:latin typeface="Cabin"/>
-                <a:ea typeface="Cabin"/>
-                <a:cs typeface="Cabin"/>
+                <a:latin typeface="Arial" charset="0"/>
+                <a:ea typeface="Arial" charset="0"/>
+                <a:cs typeface="Arial" charset="0"/>
                 <a:sym typeface="Cabin"/>
               </a:rPr>
               <a:t>Google:   facebook scraping block</a:t>
@@ -47927,13 +47927,13 @@
               <a:buChar char="•"/>
             </a:pPr>
             <a:r>
-              <a:rPr lang="en-US" sz="3600" b="0" i="0" u="none" strike="noStrike" cap="none">
+              <a:rPr lang="en-US" sz="3600" u="none" strike="noStrike" cap="none">
                 <a:solidFill>
                   <a:schemeClr val="lt1"/>
                 </a:solidFill>
-                <a:latin typeface="Cabin"/>
-                <a:ea typeface="Cabin"/>
-                <a:cs typeface="Cabin"/>
+                <a:latin typeface="Arial" charset="0"/>
+                <a:ea typeface="Arial" charset="0"/>
+                <a:cs typeface="Arial" charset="0"/>
                 <a:sym typeface="Cabin"/>
               </a:rPr>
               <a:t>Republishing copyrighted information is not allowed</a:t>
@@ -47958,13 +47958,13 @@
               <a:buChar char="•"/>
             </a:pPr>
             <a:r>
-              <a:rPr lang="en-US" sz="3600" b="0" i="0" u="none" strike="noStrike" cap="none">
+              <a:rPr lang="en-US" sz="3600" u="none" strike="noStrike" cap="none">
                 <a:solidFill>
                   <a:schemeClr val="lt1"/>
                 </a:solidFill>
-                <a:latin typeface="Cabin"/>
-                <a:ea typeface="Cabin"/>
-                <a:cs typeface="Cabin"/>
+                <a:latin typeface="Arial" charset="0"/>
+                <a:ea typeface="Arial" charset="0"/>
+                <a:cs typeface="Arial" charset="0"/>
                 <a:sym typeface="Cabin"/>
               </a:rPr>
               <a:t>Violating terms of service is not allowed</a:t>
@@ -48044,13 +48044,13 @@
               <a:buNone/>
             </a:pPr>
             <a:r>
-              <a:rPr lang="en-US" sz="6000" b="0" i="0" u="sng" strike="noStrike" cap="none">
+              <a:rPr lang="en-US" sz="6000" u="sng" strike="noStrike" cap="none">
                 <a:solidFill>
                   <a:srgbClr val="FFFF00"/>
                 </a:solidFill>
-                <a:latin typeface="Cabin"/>
-                <a:ea typeface="Cabin"/>
-                <a:cs typeface="Cabin"/>
+                <a:latin typeface="Arial" charset="0"/>
+                <a:ea typeface="Arial" charset="0"/>
+                <a:cs typeface="Arial" charset="0"/>
                 <a:sym typeface="Cabin"/>
                 <a:hlinkClick r:id="rId3"/>
               </a:rPr>
@@ -48209,25 +48209,25 @@
               <a:buNone/>
             </a:pPr>
             <a:r>
-              <a:rPr lang="en-US" sz="7800" b="1" i="0" u="none" strike="noStrike" cap="none">
+              <a:rPr lang="en-US" sz="7800" u="none" strike="noStrike" cap="none">
                 <a:solidFill>
                   <a:schemeClr val="lt1"/>
                 </a:solidFill>
-                <a:latin typeface="Cabin"/>
-                <a:ea typeface="Cabin"/>
-                <a:cs typeface="Cabin"/>
+                <a:latin typeface="Arial" charset="0"/>
+                <a:ea typeface="Arial" charset="0"/>
+                <a:cs typeface="Arial" charset="0"/>
                 <a:sym typeface="Cabin"/>
               </a:rPr>
               <a:t>The Easy Way - </a:t>
             </a:r>
             <a:r>
-              <a:rPr lang="en-US" sz="7800" b="1" i="0" u="none" strike="noStrike" cap="none">
+              <a:rPr lang="en-US" sz="7800" u="none" strike="noStrike" cap="none">
                 <a:solidFill>
                   <a:srgbClr val="FFD966"/>
                 </a:solidFill>
-                <a:latin typeface="Cabin"/>
-                <a:ea typeface="Cabin"/>
-                <a:cs typeface="Cabin"/>
+                <a:latin typeface="Arial" charset="0"/>
+                <a:ea typeface="Arial" charset="0"/>
+                <a:cs typeface="Arial" charset="0"/>
                 <a:sym typeface="Cabin"/>
               </a:rPr>
               <a:t>Beautiful Soup</a:t>
@@ -48282,13 +48282,13 @@
               <a:buChar char="•"/>
             </a:pPr>
             <a:r>
-              <a:rPr lang="en-US" sz="3800" b="0" i="0" u="none" strike="noStrike" cap="none">
+              <a:rPr lang="en-US" sz="3800" u="none" strike="noStrike" cap="none">
                 <a:solidFill>
                   <a:schemeClr val="lt1"/>
                 </a:solidFill>
-                <a:latin typeface="Cabin"/>
-                <a:ea typeface="Cabin"/>
-                <a:cs typeface="Cabin"/>
+                <a:latin typeface="Arial" charset="0"/>
+                <a:ea typeface="Arial" charset="0"/>
+                <a:cs typeface="Arial" charset="0"/>
                 <a:sym typeface="Cabin"/>
               </a:rPr>
               <a:t>You could do string searches the hard way</a:t>
@@ -48313,37 +48313,37 @@
               <a:buChar char="•"/>
             </a:pPr>
             <a:r>
-              <a:rPr lang="en-US" sz="3800" b="0" i="0" u="none" strike="noStrike" cap="none">
+              <a:rPr lang="en-US" sz="3800" u="none" strike="noStrike" cap="none">
                 <a:solidFill>
                   <a:schemeClr val="lt1"/>
                 </a:solidFill>
-                <a:latin typeface="Cabin"/>
-                <a:ea typeface="Cabin"/>
-                <a:cs typeface="Cabin"/>
+                <a:latin typeface="Arial" charset="0"/>
+                <a:ea typeface="Arial" charset="0"/>
+                <a:cs typeface="Arial" charset="0"/>
                 <a:sym typeface="Cabin"/>
               </a:rPr>
               <a:t>Or use the free software called </a:t>
             </a:r>
             <a:r>
-              <a:rPr lang="en-US" sz="3800" b="0" i="0" u="none" strike="noStrike" cap="none">
+              <a:rPr lang="en-US" sz="3800" u="none" strike="noStrike" cap="none">
                 <a:solidFill>
                   <a:srgbClr val="00FF00"/>
                 </a:solidFill>
-                <a:latin typeface="Cabin"/>
-                <a:ea typeface="Cabin"/>
-                <a:cs typeface="Cabin"/>
+                <a:latin typeface="Arial" charset="0"/>
+                <a:ea typeface="Arial" charset="0"/>
+                <a:cs typeface="Arial" charset="0"/>
                 <a:sym typeface="Cabin"/>
               </a:rPr>
               <a:t>BeautifulSoup</a:t>
             </a:r>
             <a:r>
-              <a:rPr lang="en-US" sz="3800" b="0" i="0" u="none" strike="noStrike" cap="none">
+              <a:rPr lang="en-US" sz="3800" u="none" strike="noStrike" cap="none">
                 <a:solidFill>
                   <a:schemeClr val="lt1"/>
                 </a:solidFill>
-                <a:latin typeface="Cabin"/>
-                <a:ea typeface="Cabin"/>
-                <a:cs typeface="Cabin"/>
+                <a:latin typeface="Arial" charset="0"/>
+                <a:ea typeface="Arial" charset="0"/>
+                <a:cs typeface="Arial" charset="0"/>
                 <a:sym typeface="Cabin"/>
               </a:rPr>
               <a:t> from www.crummy.com</a:t>
@@ -48394,13 +48394,13 @@
               <a:buNone/>
             </a:pPr>
             <a:r>
-              <a:rPr lang="en-US" sz="3800" b="0" i="0" u="sng" strike="noStrike" cap="none">
+              <a:rPr lang="en-US" sz="3800" u="sng" strike="noStrike" cap="none">
                 <a:solidFill>
                   <a:srgbClr val="FFFF00"/>
                 </a:solidFill>
-                <a:latin typeface="Cabin"/>
-                <a:ea typeface="Cabin"/>
-                <a:cs typeface="Cabin"/>
+                <a:latin typeface="Arial" charset="0"/>
+                <a:ea typeface="Arial" charset="0"/>
+                <a:cs typeface="Arial" charset="0"/>
                 <a:sym typeface="Cabin"/>
                 <a:hlinkClick r:id="rId3"/>
               </a:rPr>
@@ -48424,9 +48424,9 @@
                 <a:solidFill>
                   <a:srgbClr val="FFFF00"/>
                 </a:solidFill>
-                <a:latin typeface="Cabin"/>
-                <a:ea typeface="Cabin"/>
-                <a:cs typeface="Cabin"/>
+                <a:latin typeface="Arial" charset="0"/>
+                <a:ea typeface="Arial" charset="0"/>
+                <a:cs typeface="Arial" charset="0"/>
                 <a:sym typeface="Cabin"/>
               </a:rPr>
               <a:t>http://www.pythonlearn.com/code/BeautifulSoup.py</a:t>
@@ -48500,37 +48500,37 @@
               <a:buNone/>
             </a:pPr>
             <a:r>
-              <a:rPr lang="en-US" sz="3800" b="0" i="0" u="none" strike="noStrike" cap="none">
+              <a:rPr lang="en-US" sz="3800" u="none" strike="noStrike" cap="none">
                 <a:solidFill>
                   <a:srgbClr val="FFFFFF"/>
                 </a:solidFill>
-                <a:latin typeface="Cabin"/>
-                <a:ea typeface="Cabin"/>
-                <a:cs typeface="Cabin"/>
+                <a:latin typeface="Arial" charset="0"/>
+                <a:ea typeface="Arial" charset="0"/>
+                <a:cs typeface="Arial" charset="0"/>
                 <a:sym typeface="Cabin"/>
               </a:rPr>
               <a:t>Place the </a:t>
             </a:r>
             <a:r>
-              <a:rPr lang="en-US" sz="3800" b="0" i="0" u="none" strike="noStrike" cap="none">
+              <a:rPr lang="en-US" sz="3800" u="none" strike="noStrike" cap="none">
                 <a:solidFill>
                   <a:srgbClr val="00FF00"/>
                 </a:solidFill>
-                <a:latin typeface="Cabin"/>
-                <a:ea typeface="Cabin"/>
-                <a:cs typeface="Cabin"/>
+                <a:latin typeface="Arial" charset="0"/>
+                <a:ea typeface="Arial" charset="0"/>
+                <a:cs typeface="Arial" charset="0"/>
                 <a:sym typeface="Cabin"/>
               </a:rPr>
               <a:t>BeautifulSoup.py</a:t>
             </a:r>
             <a:r>
-              <a:rPr lang="en-US" sz="3800" b="0" i="0" u="none" strike="noStrike" cap="none">
+              <a:rPr lang="en-US" sz="3800" u="none" strike="noStrike" cap="none">
                 <a:solidFill>
                   <a:srgbClr val="FFFFFF"/>
                 </a:solidFill>
-                <a:latin typeface="Cabin"/>
-                <a:ea typeface="Cabin"/>
-                <a:cs typeface="Cabin"/>
+                <a:latin typeface="Arial" charset="0"/>
+                <a:ea typeface="Arial" charset="0"/>
+                <a:cs typeface="Arial" charset="0"/>
                 <a:sym typeface="Cabin"/>
               </a:rPr>
               <a:t> file in the same folder as your Python code...</a:t>
@@ -49102,13 +49102,13 @@
               <a:buNone/>
             </a:pPr>
             <a:r>
-              <a:rPr lang="en-US" sz="3600" b="0" i="0" u="none" strike="noStrike" cap="none">
+              <a:rPr lang="en-US" sz="3600" u="none" strike="noStrike" cap="none">
                 <a:solidFill>
                   <a:srgbClr val="FFFFFF"/>
                 </a:solidFill>
-                <a:latin typeface="Cabin"/>
-                <a:ea typeface="Cabin"/>
-                <a:cs typeface="Cabin"/>
+                <a:latin typeface="Arial" charset="0"/>
+                <a:ea typeface="Arial" charset="0"/>
+                <a:cs typeface="Arial" charset="0"/>
                 <a:sym typeface="Cabin"/>
               </a:rPr>
               <a:t>urllinks.py</a:t>
@@ -49412,13 +49412,13 @@
               <a:buNone/>
             </a:pPr>
             <a:r>
-              <a:rPr lang="en-US" sz="3600" b="0" i="0" u="none" strike="noStrike" cap="none">
+              <a:rPr lang="en-US" sz="3600" u="none" strike="noStrike" cap="none">
                 <a:solidFill>
                   <a:schemeClr val="lt1"/>
                 </a:solidFill>
-                <a:latin typeface="Cabin"/>
-                <a:ea typeface="Cabin"/>
-                <a:cs typeface="Cabin"/>
+                <a:latin typeface="Arial" charset="0"/>
+                <a:ea typeface="Arial" charset="0"/>
+                <a:cs typeface="Arial" charset="0"/>
                 <a:sym typeface="Cabin"/>
               </a:rPr>
               <a:t>python urllinks.py </a:t>
@@ -49443,13 +49443,13 @@
               <a:buNone/>
             </a:pPr>
             <a:r>
-              <a:rPr lang="en-US" sz="3600" b="0" i="0" u="none" strike="noStrike" cap="none">
+              <a:rPr lang="en-US" sz="3600" u="none" strike="noStrike" cap="none">
                 <a:solidFill>
                   <a:schemeClr val="lt1"/>
                 </a:solidFill>
-                <a:latin typeface="Cabin"/>
-                <a:ea typeface="Cabin"/>
-                <a:cs typeface="Cabin"/>
+                <a:latin typeface="Arial" charset="0"/>
+                <a:ea typeface="Arial" charset="0"/>
+                <a:cs typeface="Arial" charset="0"/>
                 <a:sym typeface="Cabin"/>
               </a:rPr>
               <a:t>Enter</a:t>
@@ -49459,21 +49459,21 @@
                 <a:solidFill>
                   <a:schemeClr val="lt1"/>
                 </a:solidFill>
-                <a:latin typeface="Cabin"/>
-                <a:ea typeface="Cabin"/>
-                <a:cs typeface="Cabin"/>
+                <a:latin typeface="Arial" charset="0"/>
+                <a:ea typeface="Arial" charset="0"/>
+                <a:cs typeface="Arial" charset="0"/>
                 <a:sym typeface="Cabin"/>
               </a:rPr>
               <a:t> - </a:t>
             </a:r>
             <a:r>
-              <a:rPr lang="en-US" sz="3600" b="0" i="0" u="none" strike="noStrike" cap="none">
+              <a:rPr lang="en-US" sz="3600" u="none" strike="noStrike" cap="none">
                 <a:solidFill>
                   <a:schemeClr val="lt1"/>
                 </a:solidFill>
-                <a:latin typeface="Cabin"/>
-                <a:ea typeface="Cabin"/>
-                <a:cs typeface="Cabin"/>
+                <a:latin typeface="Arial" charset="0"/>
+                <a:ea typeface="Arial" charset="0"/>
+                <a:cs typeface="Arial" charset="0"/>
                 <a:sym typeface="Cabin"/>
               </a:rPr>
               <a:t>http://www.dr-chuck.com/page1.htm</a:t>
@@ -49498,13 +49498,13 @@
               <a:buNone/>
             </a:pPr>
             <a:r>
-              <a:rPr lang="en-US" sz="3600" b="0" i="0" u="none" strike="noStrike" cap="none">
+              <a:rPr lang="en-US" sz="3600" u="none" strike="noStrike" cap="none">
                 <a:solidFill>
                   <a:srgbClr val="00FFFF"/>
                 </a:solidFill>
-                <a:latin typeface="Cabin"/>
-                <a:ea typeface="Cabin"/>
-                <a:cs typeface="Cabin"/>
+                <a:latin typeface="Arial" charset="0"/>
+                <a:ea typeface="Arial" charset="0"/>
+                <a:cs typeface="Arial" charset="0"/>
                 <a:sym typeface="Cabin"/>
               </a:rPr>
               <a:t>http://www.dr-chuck.com/page2.htm</a:t>
@@ -49555,13 +49555,13 @@
               <a:buNone/>
             </a:pPr>
             <a:r>
-              <a:rPr lang="en-US" sz="3600" b="0" i="0" u="none" strike="noStrike" cap="none">
+              <a:rPr lang="en-US" sz="3600" u="none" strike="noStrike" cap="none">
                 <a:solidFill>
                   <a:schemeClr val="lt1"/>
                 </a:solidFill>
-                <a:latin typeface="Cabin"/>
-                <a:ea typeface="Cabin"/>
-                <a:cs typeface="Cabin"/>
+                <a:latin typeface="Arial" charset="0"/>
+                <a:ea typeface="Arial" charset="0"/>
+                <a:cs typeface="Arial" charset="0"/>
                 <a:sym typeface="Cabin"/>
               </a:rPr>
               <a:t>&lt;h1&gt;The First Page&lt;/h1&gt;</a:t>
@@ -49586,109 +49586,109 @@
               <a:buNone/>
             </a:pPr>
             <a:r>
-              <a:rPr lang="en-US" sz="3600" b="0" i="0" u="none" strike="noStrike" cap="none">
+              <a:rPr lang="en-US" sz="3600" u="none" strike="noStrike" cap="none">
                 <a:solidFill>
                   <a:schemeClr val="lt1"/>
                 </a:solidFill>
-                <a:latin typeface="Cabin"/>
-                <a:ea typeface="Cabin"/>
-                <a:cs typeface="Cabin"/>
+                <a:latin typeface="Arial" charset="0"/>
+                <a:ea typeface="Arial" charset="0"/>
+                <a:cs typeface="Arial" charset="0"/>
                 <a:sym typeface="Cabin"/>
               </a:rPr>
               <a:t>&lt;p&gt;If you like, you can switch to the&lt;</a:t>
             </a:r>
             <a:r>
-              <a:rPr lang="en-US" sz="3600" b="0" i="0" u="none" strike="noStrike" cap="none">
+              <a:rPr lang="en-US" sz="3600" u="none" strike="noStrike" cap="none">
                 <a:solidFill>
                   <a:srgbClr val="00FF00"/>
                 </a:solidFill>
-                <a:latin typeface="Cabin"/>
-                <a:ea typeface="Cabin"/>
-                <a:cs typeface="Cabin"/>
+                <a:latin typeface="Arial" charset="0"/>
+                <a:ea typeface="Arial" charset="0"/>
+                <a:cs typeface="Arial" charset="0"/>
                 <a:sym typeface="Cabin"/>
               </a:rPr>
               <a:t>a</a:t>
             </a:r>
             <a:r>
-              <a:rPr lang="en-US" sz="3600" b="0" i="0" u="none" strike="noStrike" cap="none">
+              <a:rPr lang="en-US" sz="3600" u="none" strike="noStrike" cap="none">
                 <a:solidFill>
                   <a:schemeClr val="lt1"/>
                 </a:solidFill>
-                <a:latin typeface="Cabin"/>
-                <a:ea typeface="Cabin"/>
-                <a:cs typeface="Cabin"/>
+                <a:latin typeface="Arial" charset="0"/>
+                <a:ea typeface="Arial" charset="0"/>
+                <a:cs typeface="Arial" charset="0"/>
                 <a:sym typeface="Cabin"/>
               </a:rPr>
               <a:t> </a:t>
             </a:r>
             <a:r>
-              <a:rPr lang="en-US" sz="3600" b="0" i="0" u="none" strike="noStrike" cap="none">
+              <a:rPr lang="en-US" sz="3600" u="none" strike="noStrike" cap="none">
                 <a:solidFill>
                   <a:srgbClr val="FF7F00"/>
                 </a:solidFill>
-                <a:latin typeface="Cabin"/>
-                <a:ea typeface="Cabin"/>
-                <a:cs typeface="Cabin"/>
+                <a:latin typeface="Arial" charset="0"/>
+                <a:ea typeface="Arial" charset="0"/>
+                <a:cs typeface="Arial" charset="0"/>
                 <a:sym typeface="Cabin"/>
               </a:rPr>
               <a:t>href</a:t>
             </a:r>
             <a:r>
-              <a:rPr lang="en-US" sz="3600" b="0" i="0" u="none" strike="noStrike" cap="none">
+              <a:rPr lang="en-US" sz="3600" u="none" strike="noStrike" cap="none">
                 <a:solidFill>
                   <a:schemeClr val="lt1"/>
                 </a:solidFill>
-                <a:latin typeface="Cabin"/>
-                <a:ea typeface="Cabin"/>
-                <a:cs typeface="Cabin"/>
+                <a:latin typeface="Arial" charset="0"/>
+                <a:ea typeface="Arial" charset="0"/>
+                <a:cs typeface="Arial" charset="0"/>
                 <a:sym typeface="Cabin"/>
               </a:rPr>
               <a:t>="</a:t>
             </a:r>
             <a:r>
-              <a:rPr lang="en-US" sz="3600" b="0" i="0" u="none" strike="noStrike" cap="none">
+              <a:rPr lang="en-US" sz="3600" u="none" strike="noStrike" cap="none">
                 <a:solidFill>
                   <a:srgbClr val="00FFFF"/>
                 </a:solidFill>
-                <a:latin typeface="Cabin"/>
-                <a:ea typeface="Cabin"/>
-                <a:cs typeface="Cabin"/>
+                <a:latin typeface="Arial" charset="0"/>
+                <a:ea typeface="Arial" charset="0"/>
+                <a:cs typeface="Arial" charset="0"/>
                 <a:sym typeface="Cabin"/>
               </a:rPr>
               <a:t>http://www.dr-chuck.com/page2.htm</a:t>
             </a:r>
             <a:r>
-              <a:rPr lang="en-US" sz="3600" b="0" i="0" u="none" strike="noStrike" cap="none">
+              <a:rPr lang="en-US" sz="3600" u="none" strike="noStrike" cap="none">
                 <a:solidFill>
                   <a:schemeClr val="lt1"/>
                 </a:solidFill>
-                <a:latin typeface="Cabin"/>
-                <a:ea typeface="Cabin"/>
-                <a:cs typeface="Cabin"/>
+                <a:latin typeface="Arial" charset="0"/>
+                <a:ea typeface="Arial" charset="0"/>
+                <a:cs typeface="Arial" charset="0"/>
                 <a:sym typeface="Cabin"/>
               </a:rPr>
               <a:t>"&gt;Second Page&lt;/</a:t>
             </a:r>
             <a:r>
-              <a:rPr lang="en-US" sz="3600" b="0" i="0" u="none" strike="noStrike" cap="none">
+              <a:rPr lang="en-US" sz="3600" u="none" strike="noStrike" cap="none">
                 <a:solidFill>
                   <a:srgbClr val="00FF00"/>
                 </a:solidFill>
-                <a:latin typeface="Cabin"/>
-                <a:ea typeface="Cabin"/>
-                <a:cs typeface="Cabin"/>
+                <a:latin typeface="Arial" charset="0"/>
+                <a:ea typeface="Arial" charset="0"/>
+                <a:cs typeface="Arial" charset="0"/>
                 <a:sym typeface="Cabin"/>
               </a:rPr>
               <a:t>a</a:t>
             </a:r>
             <a:r>
-              <a:rPr lang="en-US" sz="3600" b="0" i="0" u="none" strike="noStrike" cap="none">
+              <a:rPr lang="en-US" sz="3600" u="none" strike="noStrike" cap="none">
                 <a:solidFill>
                   <a:schemeClr val="lt1"/>
                 </a:solidFill>
-                <a:latin typeface="Cabin"/>
-                <a:ea typeface="Cabin"/>
-                <a:cs typeface="Cabin"/>
+                <a:latin typeface="Arial" charset="0"/>
+                <a:ea typeface="Arial" charset="0"/>
+                <a:cs typeface="Arial" charset="0"/>
                 <a:sym typeface="Cabin"/>
               </a:rPr>
               <a:t>&gt;.&lt;/p&gt;</a:t>
@@ -49768,13 +49768,13 @@
               <a:buNone/>
             </a:pPr>
             <a:r>
-              <a:rPr lang="en-US" sz="7800" b="1" i="0" u="none" strike="noStrike" cap="none">
+              <a:rPr lang="en-US" sz="7800" u="none" strike="noStrike" cap="none">
                 <a:solidFill>
                   <a:srgbClr val="FFD966"/>
                 </a:solidFill>
-                <a:latin typeface="Cabin"/>
-                <a:ea typeface="Cabin"/>
-                <a:cs typeface="Cabin"/>
+                <a:latin typeface="Arial" charset="0"/>
+                <a:ea typeface="Arial" charset="0"/>
+                <a:cs typeface="Arial" charset="0"/>
                 <a:sym typeface="Cabin"/>
               </a:rPr>
               <a:t>Summary</a:t>
@@ -49825,13 +49825,13 @@
               <a:buFont typeface="Cabin"/>
             </a:pPr>
             <a:r>
-              <a:rPr lang="en-US" sz="3800" b="0" i="0" u="none" strike="noStrike" cap="none">
+              <a:rPr lang="en-US" sz="3800" u="none" strike="noStrike" cap="none">
                 <a:solidFill>
                   <a:schemeClr val="lt1"/>
                 </a:solidFill>
-                <a:latin typeface="Cabin"/>
-                <a:ea typeface="Cabin"/>
-                <a:cs typeface="Cabin"/>
+                <a:latin typeface="Arial" charset="0"/>
+                <a:ea typeface="Arial" charset="0"/>
+                <a:cs typeface="Arial" charset="0"/>
                 <a:sym typeface="Cabin"/>
               </a:rPr>
               <a:t>The TCP/IP gives us pipes / sockets between applications</a:t>
@@ -49852,13 +49852,13 @@
               <a:buFont typeface="Cabin"/>
             </a:pPr>
             <a:r>
-              <a:rPr lang="en-US" sz="3800" b="0" i="0" u="none" strike="noStrike" cap="none">
+              <a:rPr lang="en-US" sz="3800" u="none" strike="noStrike" cap="none">
                 <a:solidFill>
                   <a:schemeClr val="lt1"/>
                 </a:solidFill>
-                <a:latin typeface="Cabin"/>
-                <a:ea typeface="Cabin"/>
-                <a:cs typeface="Cabin"/>
+                <a:latin typeface="Arial" charset="0"/>
+                <a:ea typeface="Arial" charset="0"/>
+                <a:cs typeface="Arial" charset="0"/>
                 <a:sym typeface="Cabin"/>
               </a:rPr>
               <a:t>We designed application protocols to make use of these pipes</a:t>
@@ -49879,13 +49879,13 @@
               <a:buFont typeface="Cabin"/>
             </a:pPr>
             <a:r>
-              <a:rPr lang="en-US" sz="3800" b="0" i="0" u="none" strike="noStrike" cap="none">
+              <a:rPr lang="en-US" sz="3800" u="none" strike="noStrike" cap="none">
                 <a:solidFill>
                   <a:schemeClr val="lt1"/>
                 </a:solidFill>
-                <a:latin typeface="Cabin"/>
-                <a:ea typeface="Cabin"/>
-                <a:cs typeface="Cabin"/>
+                <a:latin typeface="Arial" charset="0"/>
+                <a:ea typeface="Arial" charset="0"/>
+                <a:cs typeface="Arial" charset="0"/>
                 <a:sym typeface="Cabin"/>
               </a:rPr>
               <a:t>HyperText Trans</a:t>
@@ -49895,21 +49895,21 @@
                 <a:solidFill>
                   <a:schemeClr val="lt1"/>
                 </a:solidFill>
-                <a:latin typeface="Cabin"/>
-                <a:ea typeface="Cabin"/>
-                <a:cs typeface="Cabin"/>
+                <a:latin typeface="Arial" charset="0"/>
+                <a:ea typeface="Arial" charset="0"/>
+                <a:cs typeface="Arial" charset="0"/>
                 <a:sym typeface="Cabin"/>
               </a:rPr>
               <a:t>fer</a:t>
             </a:r>
             <a:r>
-              <a:rPr lang="en-US" sz="3800" b="0" i="0" u="none" strike="noStrike" cap="none">
+              <a:rPr lang="en-US" sz="3800" u="none" strike="noStrike" cap="none">
                 <a:solidFill>
                   <a:schemeClr val="lt1"/>
                 </a:solidFill>
-                <a:latin typeface="Cabin"/>
-                <a:ea typeface="Cabin"/>
-                <a:cs typeface="Cabin"/>
+                <a:latin typeface="Arial" charset="0"/>
+                <a:ea typeface="Arial" charset="0"/>
+                <a:cs typeface="Arial" charset="0"/>
                 <a:sym typeface="Cabin"/>
               </a:rPr>
               <a:t> Protocol (HTTP) is a simple yet powerful protocol</a:t>
@@ -49930,13 +49930,13 @@
               <a:buFont typeface="Cabin"/>
             </a:pPr>
             <a:r>
-              <a:rPr lang="en-US" sz="3800" b="0" i="0" u="none" strike="noStrike" cap="none">
+              <a:rPr lang="en-US" sz="3800" u="none" strike="noStrike" cap="none">
                 <a:solidFill>
                   <a:schemeClr val="lt1"/>
                 </a:solidFill>
-                <a:latin typeface="Cabin"/>
-                <a:ea typeface="Cabin"/>
-                <a:cs typeface="Cabin"/>
+                <a:latin typeface="Arial" charset="0"/>
+                <a:ea typeface="Arial" charset="0"/>
+                <a:cs typeface="Arial" charset="0"/>
                 <a:sym typeface="Cabin"/>
               </a:rPr>
               <a:t>Python has good support for sockets, HTTP, and HTML parsing</a:t>
@@ -50012,13 +50012,13 @@
               <a:buNone/>
             </a:pPr>
             <a:r>
-              <a:rPr lang="en-US" sz="3000" b="0" i="0" u="sng" strike="noStrike" cap="none">
+              <a:rPr lang="en-US" sz="3000" u="sng" strike="noStrike" cap="none">
                 <a:solidFill>
                   <a:srgbClr val="FFFF00"/>
                 </a:solidFill>
-                <a:latin typeface="Cabin"/>
-                <a:ea typeface="Cabin"/>
-                <a:cs typeface="Cabin"/>
+                <a:latin typeface="Arial" charset="0"/>
+                <a:ea typeface="Arial" charset="0"/>
+                <a:cs typeface="Arial" charset="0"/>
                 <a:sym typeface="Cabin"/>
                 <a:hlinkClick r:id="rId3"/>
               </a:rPr>
@@ -50124,13 +50124,13 @@
               <a:buNone/>
             </a:pPr>
             <a:r>
-              <a:rPr lang="en-US" sz="3000" b="0" i="0" u="sng" strike="noStrike" cap="none">
+              <a:rPr lang="en-US" sz="3000" u="sng" strike="noStrike" cap="none">
                 <a:solidFill>
                   <a:srgbClr val="FFFF00"/>
                 </a:solidFill>
-                <a:latin typeface="Cabin"/>
-                <a:ea typeface="Cabin"/>
-                <a:cs typeface="Cabin"/>
+                <a:latin typeface="Arial" charset="0"/>
+                <a:ea typeface="Arial" charset="0"/>
+                <a:cs typeface="Arial" charset="0"/>
                 <a:sym typeface="Cabin"/>
                 <a:hlinkClick r:id="rId6"/>
               </a:rPr>
@@ -50543,37 +50543,37 @@
               <a:buNone/>
             </a:pPr>
             <a:r>
-              <a:rPr lang="en-US" sz="7600" b="1" i="0" u="none" strike="noStrike" cap="none">
+              <a:rPr lang="en-US" sz="7600" u="none" strike="noStrike" cap="none">
                 <a:solidFill>
                   <a:srgbClr val="FFFFFF"/>
                 </a:solidFill>
-                <a:latin typeface="Cabin"/>
-                <a:ea typeface="Cabin"/>
-                <a:cs typeface="Cabin"/>
+                <a:latin typeface="Arial" charset="0"/>
+                <a:ea typeface="Arial" charset="0"/>
+                <a:cs typeface="Arial" charset="0"/>
                 <a:sym typeface="Cabin"/>
               </a:rPr>
               <a:t>TCP Connections /</a:t>
             </a:r>
             <a:r>
-              <a:rPr lang="en-US" sz="7600" b="1" i="0" u="none" strike="noStrike" cap="none">
+              <a:rPr lang="en-US" sz="7600" u="none" strike="noStrike" cap="none">
                 <a:solidFill>
                   <a:srgbClr val="FFFF00"/>
                 </a:solidFill>
-                <a:latin typeface="Cabin"/>
-                <a:ea typeface="Cabin"/>
-                <a:cs typeface="Cabin"/>
+                <a:latin typeface="Arial" charset="0"/>
+                <a:ea typeface="Arial" charset="0"/>
+                <a:cs typeface="Arial" charset="0"/>
                 <a:sym typeface="Cabin"/>
               </a:rPr>
               <a:t> </a:t>
             </a:r>
             <a:r>
-              <a:rPr lang="en-US" sz="7600" b="1" i="0" u="none" strike="noStrike" cap="none">
+              <a:rPr lang="en-US" sz="7600" u="none" strike="noStrike" cap="none">
                 <a:solidFill>
                   <a:srgbClr val="FFD966"/>
                 </a:solidFill>
-                <a:latin typeface="Cabin"/>
-                <a:ea typeface="Cabin"/>
-                <a:cs typeface="Cabin"/>
+                <a:latin typeface="Arial" charset="0"/>
+                <a:ea typeface="Arial" charset="0"/>
+                <a:cs typeface="Arial" charset="0"/>
                 <a:sym typeface="Cabin"/>
               </a:rPr>
               <a:t>Sockets</a:t>
@@ -50624,13 +50624,13 @@
               <a:buNone/>
             </a:pPr>
             <a:r>
-              <a:rPr lang="en-US" sz="3000" b="0" i="0" u="sng" strike="noStrike" cap="none">
+              <a:rPr lang="en-US" sz="3000" u="sng" strike="noStrike" cap="none">
                 <a:solidFill>
                   <a:srgbClr val="FFFF00"/>
                 </a:solidFill>
-                <a:latin typeface="Cabin"/>
-                <a:ea typeface="Cabin"/>
-                <a:cs typeface="Cabin"/>
+                <a:latin typeface="Arial" charset="0"/>
+                <a:ea typeface="Arial" charset="0"/>
+                <a:cs typeface="Arial" charset="0"/>
                 <a:sym typeface="Cabin"/>
                 <a:hlinkClick r:id="rId3"/>
               </a:rPr>
@@ -50686,129 +50686,129 @@
                 <a:solidFill>
                   <a:schemeClr val="lt1"/>
                 </a:solidFill>
-                <a:latin typeface="Cabin"/>
-                <a:ea typeface="Cabin"/>
-                <a:cs typeface="Cabin"/>
+                <a:latin typeface="Arial" charset="0"/>
+                <a:ea typeface="Arial" charset="0"/>
+                <a:cs typeface="Arial" charset="0"/>
                 <a:sym typeface="Cabin"/>
               </a:rPr>
               <a:t>“</a:t>
             </a:r>
             <a:r>
-              <a:rPr lang="en-US" sz="3600" b="0" i="0" u="none" strike="noStrike" cap="none">
+              <a:rPr lang="en-US" sz="3600" u="none" strike="noStrike" cap="none">
                 <a:solidFill>
                   <a:schemeClr val="lt1"/>
                 </a:solidFill>
-                <a:latin typeface="Cabin"/>
-                <a:ea typeface="Cabin"/>
-                <a:cs typeface="Cabin"/>
+                <a:latin typeface="Arial" charset="0"/>
+                <a:ea typeface="Arial" charset="0"/>
+                <a:cs typeface="Arial" charset="0"/>
                 <a:sym typeface="Cabin"/>
               </a:rPr>
               <a:t>In computer networking, an Internet </a:t>
             </a:r>
             <a:r>
-              <a:rPr lang="en-US" sz="3600" b="0" i="0" u="none" strike="noStrike" cap="none">
+              <a:rPr lang="en-US" sz="3600" u="none" strike="noStrike" cap="none">
                 <a:solidFill>
                   <a:srgbClr val="FFFF00"/>
                 </a:solidFill>
-                <a:latin typeface="Cabin"/>
-                <a:ea typeface="Cabin"/>
-                <a:cs typeface="Cabin"/>
+                <a:latin typeface="Arial" charset="0"/>
+                <a:ea typeface="Arial" charset="0"/>
+                <a:cs typeface="Arial" charset="0"/>
                 <a:sym typeface="Cabin"/>
               </a:rPr>
               <a:t>socket</a:t>
             </a:r>
             <a:r>
-              <a:rPr lang="en-US" sz="3600" b="0" i="0" u="none" strike="noStrike" cap="none">
+              <a:rPr lang="en-US" sz="3600" u="none" strike="noStrike" cap="none">
                 <a:solidFill>
                   <a:schemeClr val="lt1"/>
                 </a:solidFill>
-                <a:latin typeface="Cabin"/>
-                <a:ea typeface="Cabin"/>
-                <a:cs typeface="Cabin"/>
+                <a:latin typeface="Arial" charset="0"/>
+                <a:ea typeface="Arial" charset="0"/>
+                <a:cs typeface="Arial" charset="0"/>
                 <a:sym typeface="Cabin"/>
               </a:rPr>
               <a:t> or network </a:t>
             </a:r>
             <a:r>
-              <a:rPr lang="en-US" sz="3600" b="0" i="0" u="none" strike="noStrike" cap="none">
+              <a:rPr lang="en-US" sz="3600" u="none" strike="noStrike" cap="none">
                 <a:solidFill>
                   <a:srgbClr val="FFFF00"/>
                 </a:solidFill>
-                <a:latin typeface="Cabin"/>
-                <a:ea typeface="Cabin"/>
-                <a:cs typeface="Cabin"/>
+                <a:latin typeface="Arial" charset="0"/>
+                <a:ea typeface="Arial" charset="0"/>
+                <a:cs typeface="Arial" charset="0"/>
                 <a:sym typeface="Cabin"/>
               </a:rPr>
               <a:t>socket</a:t>
             </a:r>
             <a:r>
-              <a:rPr lang="en-US" sz="3600" b="0" i="0" u="none" strike="noStrike" cap="none">
+              <a:rPr lang="en-US" sz="3600" u="none" strike="noStrike" cap="none">
                 <a:solidFill>
                   <a:schemeClr val="lt1"/>
                 </a:solidFill>
-                <a:latin typeface="Cabin"/>
-                <a:ea typeface="Cabin"/>
-                <a:cs typeface="Cabin"/>
+                <a:latin typeface="Arial" charset="0"/>
+                <a:ea typeface="Arial" charset="0"/>
+                <a:cs typeface="Arial" charset="0"/>
                 <a:sym typeface="Cabin"/>
               </a:rPr>
               <a:t> is an endpoint of a bidirectional </a:t>
             </a:r>
             <a:r>
-              <a:rPr lang="en-US" sz="3600" b="0" i="0" u="none" strike="noStrike" cap="none">
+              <a:rPr lang="en-US" sz="3600" u="none" strike="noStrike" cap="none">
                 <a:solidFill>
                   <a:srgbClr val="00FFFF"/>
                 </a:solidFill>
-                <a:latin typeface="Cabin"/>
-                <a:ea typeface="Cabin"/>
-                <a:cs typeface="Cabin"/>
+                <a:latin typeface="Arial" charset="0"/>
+                <a:ea typeface="Arial" charset="0"/>
+                <a:cs typeface="Arial" charset="0"/>
                 <a:sym typeface="Cabin"/>
               </a:rPr>
               <a:t>inter-process </a:t>
             </a:r>
             <a:r>
-              <a:rPr lang="en-US" sz="3600" b="0" i="0" u="none" strike="noStrike" cap="none">
+              <a:rPr lang="en-US" sz="3600" u="none" strike="noStrike" cap="none">
                 <a:solidFill>
                   <a:schemeClr val="lt1"/>
                 </a:solidFill>
-                <a:latin typeface="Cabin"/>
-                <a:ea typeface="Cabin"/>
-                <a:cs typeface="Cabin"/>
+                <a:latin typeface="Arial" charset="0"/>
+                <a:ea typeface="Arial" charset="0"/>
+                <a:cs typeface="Arial" charset="0"/>
                 <a:sym typeface="Cabin"/>
               </a:rPr>
               <a:t>communication flow across an </a:t>
             </a:r>
             <a:r>
-              <a:rPr lang="en-US" sz="3600" b="0" i="0" u="none" strike="noStrike" cap="none">
+              <a:rPr lang="en-US" sz="3600" u="none" strike="noStrike" cap="none">
                 <a:solidFill>
                   <a:srgbClr val="E06666"/>
                 </a:solidFill>
-                <a:latin typeface="Cabin"/>
-                <a:ea typeface="Cabin"/>
-                <a:cs typeface="Cabin"/>
+                <a:latin typeface="Arial" charset="0"/>
+                <a:ea typeface="Arial" charset="0"/>
+                <a:cs typeface="Arial" charset="0"/>
                 <a:sym typeface="Cabin"/>
               </a:rPr>
               <a:t>Internet</a:t>
             </a:r>
             <a:r>
-              <a:rPr lang="en-US" sz="3600" b="0" i="0" u="none" strike="noStrike" cap="none">
+              <a:rPr lang="en-US" sz="3600" u="none" strike="noStrike" cap="none">
                 <a:solidFill>
                   <a:schemeClr val="lt1"/>
                 </a:solidFill>
-                <a:latin typeface="Cabin"/>
-                <a:ea typeface="Cabin"/>
-                <a:cs typeface="Cabin"/>
+                <a:latin typeface="Arial" charset="0"/>
+                <a:ea typeface="Arial" charset="0"/>
+                <a:cs typeface="Arial" charset="0"/>
                 <a:sym typeface="Cabin"/>
               </a:rPr>
               <a:t> Protocol-based computer network, such as the </a:t>
             </a:r>
             <a:r>
-              <a:rPr lang="en-US" sz="3600" b="0" i="0" u="none" strike="noStrike" cap="none">
+              <a:rPr lang="en-US" sz="3600" u="none" strike="noStrike" cap="none">
                 <a:solidFill>
                   <a:srgbClr val="E06666"/>
                 </a:solidFill>
-                <a:latin typeface="Cabin"/>
-                <a:ea typeface="Cabin"/>
-                <a:cs typeface="Cabin"/>
+                <a:latin typeface="Arial" charset="0"/>
+                <a:ea typeface="Arial" charset="0"/>
+                <a:cs typeface="Arial" charset="0"/>
                 <a:sym typeface="Cabin"/>
               </a:rPr>
               <a:t>Internet.</a:t>
@@ -50818,9 +50818,9 @@
                 <a:solidFill>
                   <a:schemeClr val="lt1"/>
                 </a:solidFill>
-                <a:latin typeface="Cabin"/>
-                <a:ea typeface="Cabin"/>
-                <a:cs typeface="Cabin"/>
+                <a:latin typeface="Arial" charset="0"/>
+                <a:ea typeface="Arial" charset="0"/>
+                <a:cs typeface="Arial" charset="0"/>
                 <a:sym typeface="Cabin"/>
               </a:rPr>
               <a:t>”</a:t>
@@ -50898,13 +50898,13 @@
               <a:buNone/>
             </a:pPr>
             <a:r>
-              <a:rPr lang="en-US" sz="5000" b="0" i="0" u="none" strike="noStrike" cap="none">
+              <a:rPr lang="en-US" sz="5000" u="none" strike="noStrike" cap="none">
                 <a:solidFill>
                   <a:srgbClr val="FF0000"/>
                 </a:solidFill>
-                <a:latin typeface="Cabin"/>
-                <a:ea typeface="Cabin"/>
-                <a:cs typeface="Cabin"/>
+                <a:latin typeface="Arial" charset="0"/>
+                <a:ea typeface="Arial" charset="0"/>
+                <a:cs typeface="Arial" charset="0"/>
                 <a:sym typeface="Cabin"/>
               </a:rPr>
               <a:t>Internet</a:t>
@@ -50959,13 +50959,13 @@
               <a:buNone/>
             </a:pPr>
             <a:r>
-              <a:rPr lang="en-US" sz="3900" b="0" i="0" u="none" strike="noStrike" cap="none">
+              <a:rPr lang="en-US" sz="3900" u="none" strike="noStrike" cap="none">
                 <a:solidFill>
                   <a:srgbClr val="0000FF"/>
                 </a:solidFill>
-                <a:latin typeface="Cabin"/>
-                <a:ea typeface="Cabin"/>
-                <a:cs typeface="Cabin"/>
+                <a:latin typeface="Arial" charset="0"/>
+                <a:ea typeface="Arial" charset="0"/>
+                <a:cs typeface="Arial" charset="0"/>
                 <a:sym typeface="Cabin"/>
               </a:rPr>
               <a:t>Process</a:t>
@@ -51020,13 +51020,13 @@
               <a:buNone/>
             </a:pPr>
             <a:r>
-              <a:rPr lang="en-US" sz="3900" b="0" i="0" u="none" strike="noStrike" cap="none">
+              <a:rPr lang="en-US" sz="3900" u="none" strike="noStrike" cap="none">
                 <a:solidFill>
                   <a:srgbClr val="0000FF"/>
                 </a:solidFill>
-                <a:latin typeface="Cabin"/>
-                <a:ea typeface="Cabin"/>
-                <a:cs typeface="Cabin"/>
+                <a:latin typeface="Arial" charset="0"/>
+                <a:ea typeface="Arial" charset="0"/>
+                <a:cs typeface="Arial" charset="0"/>
                 <a:sym typeface="Cabin"/>
               </a:rPr>
               <a:t>Process</a:t>
@@ -51085,13 +51085,13 @@
               <a:buNone/>
             </a:pPr>
             <a:r>
-              <a:rPr lang="en-US" sz="2800" b="0" i="0" u="none" strike="noStrike" cap="none">
+              <a:rPr lang="en-US" sz="2800" u="none" strike="noStrike" cap="none">
                 <a:solidFill>
                   <a:srgbClr val="0000FF"/>
                 </a:solidFill>
-                <a:latin typeface="Cabin"/>
-                <a:ea typeface="Cabin"/>
-                <a:cs typeface="Cabin"/>
+                <a:latin typeface="Arial" charset="0"/>
+                <a:ea typeface="Arial" charset="0"/>
+                <a:cs typeface="Arial" charset="0"/>
                 <a:sym typeface="Cabin"/>
               </a:rPr>
               <a:t>Socket</a:t>
@@ -51171,25 +51171,25 @@
               <a:buNone/>
             </a:pPr>
             <a:r>
-              <a:rPr lang="en-US" sz="7800" b="1" i="0" u="none" strike="noStrike" cap="none">
+              <a:rPr lang="en-US" sz="7800" u="none" strike="noStrike" cap="none">
                 <a:solidFill>
                   <a:srgbClr val="FFFFFF"/>
                 </a:solidFill>
-                <a:latin typeface="Cabin"/>
-                <a:ea typeface="Cabin"/>
-                <a:cs typeface="Cabin"/>
+                <a:latin typeface="Arial" charset="0"/>
+                <a:ea typeface="Arial" charset="0"/>
+                <a:cs typeface="Arial" charset="0"/>
                 <a:sym typeface="Cabin"/>
               </a:rPr>
               <a:t>TCP</a:t>
             </a:r>
             <a:r>
-              <a:rPr lang="en-US" sz="7800" b="1" i="0" u="none" strike="noStrike" cap="none">
+              <a:rPr lang="en-US" sz="7800" u="none" strike="noStrike" cap="none">
                 <a:solidFill>
                   <a:srgbClr val="FFD966"/>
                 </a:solidFill>
-                <a:latin typeface="Cabin"/>
-                <a:ea typeface="Cabin"/>
-                <a:cs typeface="Cabin"/>
+                <a:latin typeface="Arial" charset="0"/>
+                <a:ea typeface="Arial" charset="0"/>
+                <a:cs typeface="Arial" charset="0"/>
                 <a:sym typeface="Cabin"/>
               </a:rPr>
               <a:t> Port Numbers</a:t>
@@ -51244,61 +51244,61 @@
               <a:buChar char="•"/>
             </a:pPr>
             <a:r>
-              <a:rPr lang="en-US" sz="3800" b="0" i="0" u="none" strike="noStrike" cap="none">
+              <a:rPr lang="en-US" sz="3800" u="none" strike="noStrike" cap="none">
                 <a:solidFill>
                   <a:schemeClr val="lt1"/>
                 </a:solidFill>
-                <a:latin typeface="Cabin"/>
-                <a:ea typeface="Cabin"/>
-                <a:cs typeface="Cabin"/>
+                <a:latin typeface="Arial" charset="0"/>
+                <a:ea typeface="Arial" charset="0"/>
+                <a:cs typeface="Arial" charset="0"/>
                 <a:sym typeface="Cabin"/>
               </a:rPr>
               <a:t>A</a:t>
             </a:r>
             <a:r>
-              <a:rPr lang="en-US" sz="3800" b="0" i="0" u="none" strike="noStrike" cap="none">
+              <a:rPr lang="en-US" sz="3800" u="none" strike="noStrike" cap="none">
                 <a:solidFill>
                   <a:srgbClr val="FFFFFF"/>
                 </a:solidFill>
-                <a:latin typeface="Cabin"/>
-                <a:ea typeface="Cabin"/>
-                <a:cs typeface="Cabin"/>
+                <a:latin typeface="Arial" charset="0"/>
+                <a:ea typeface="Arial" charset="0"/>
+                <a:cs typeface="Arial" charset="0"/>
                 <a:sym typeface="Cabin"/>
               </a:rPr>
               <a:t> port</a:t>
             </a:r>
             <a:r>
-              <a:rPr lang="en-US" sz="3800" b="0" i="0" u="none" strike="noStrike" cap="none">
+              <a:rPr lang="en-US" sz="3800" u="none" strike="noStrike" cap="none">
                 <a:solidFill>
                   <a:schemeClr val="lt1"/>
                 </a:solidFill>
-                <a:latin typeface="Cabin"/>
-                <a:ea typeface="Cabin"/>
-                <a:cs typeface="Cabin"/>
+                <a:latin typeface="Arial" charset="0"/>
+                <a:ea typeface="Arial" charset="0"/>
+                <a:cs typeface="Arial" charset="0"/>
                 <a:sym typeface="Cabin"/>
               </a:rPr>
               <a:t> is an </a:t>
             </a:r>
             <a:r>
-              <a:rPr lang="en-US" sz="3800" b="0" i="0" u="none" strike="noStrike" cap="none">
+              <a:rPr lang="en-US" sz="3800" u="none" strike="noStrike" cap="none">
                 <a:solidFill>
                   <a:srgbClr val="00FF00"/>
                 </a:solidFill>
-                <a:latin typeface="Cabin"/>
-                <a:ea typeface="Cabin"/>
-                <a:cs typeface="Cabin"/>
+                <a:latin typeface="Arial" charset="0"/>
+                <a:ea typeface="Arial" charset="0"/>
+                <a:cs typeface="Arial" charset="0"/>
                 <a:sym typeface="Cabin"/>
               </a:rPr>
               <a:t>application-specific</a:t>
             </a:r>
             <a:r>
-              <a:rPr lang="en-US" sz="3800" b="0" i="0" u="none" strike="noStrike" cap="none">
+              <a:rPr lang="en-US" sz="3800" u="none" strike="noStrike" cap="none">
                 <a:solidFill>
                   <a:schemeClr val="lt1"/>
                 </a:solidFill>
-                <a:latin typeface="Cabin"/>
-                <a:ea typeface="Cabin"/>
-                <a:cs typeface="Cabin"/>
+                <a:latin typeface="Arial" charset="0"/>
+                <a:ea typeface="Arial" charset="0"/>
+                <a:cs typeface="Arial" charset="0"/>
                 <a:sym typeface="Cabin"/>
               </a:rPr>
               <a:t> or process-specific software communications endpoint</a:t>
@@ -51323,13 +51323,13 @@
               <a:buChar char="•"/>
             </a:pPr>
             <a:r>
-              <a:rPr lang="en-US" sz="3800" b="0" i="0" u="none" strike="noStrike" cap="none">
+              <a:rPr lang="en-US" sz="3800" u="none" strike="noStrike" cap="none">
                 <a:solidFill>
                   <a:schemeClr val="lt1"/>
                 </a:solidFill>
-                <a:latin typeface="Cabin"/>
-                <a:ea typeface="Cabin"/>
-                <a:cs typeface="Cabin"/>
+                <a:latin typeface="Arial" charset="0"/>
+                <a:ea typeface="Arial" charset="0"/>
+                <a:cs typeface="Arial" charset="0"/>
                 <a:sym typeface="Cabin"/>
               </a:rPr>
               <a:t>It allows multiple networked applications to coexist on the same server.</a:t>
@@ -51354,13 +51354,13 @@
               <a:buChar char="•"/>
             </a:pPr>
             <a:r>
-              <a:rPr lang="en-US" sz="3800" b="0" i="0" u="none" strike="noStrike" cap="none">
+              <a:rPr lang="en-US" sz="3800" u="none" strike="noStrike" cap="none">
                 <a:solidFill>
                   <a:schemeClr val="lt1"/>
                 </a:solidFill>
-                <a:latin typeface="Cabin"/>
-                <a:ea typeface="Cabin"/>
-                <a:cs typeface="Cabin"/>
+                <a:latin typeface="Arial" charset="0"/>
+                <a:ea typeface="Arial" charset="0"/>
+                <a:cs typeface="Arial" charset="0"/>
                 <a:sym typeface="Cabin"/>
               </a:rPr>
               <a:t>There is a list of well-known TCP port numbers</a:t>
@@ -51411,26 +51411,26 @@
               <a:buNone/>
             </a:pPr>
             <a:r>
-              <a:rPr lang="en-US" sz="3000" b="0" i="0" u="sng" strike="noStrike" cap="none">
+              <a:rPr lang="en-US" sz="3000" u="sng" strike="noStrike" cap="none">
                 <a:solidFill>
                   <a:srgbClr val="FFFF00"/>
                 </a:solidFill>
-                <a:latin typeface="Cabin"/>
-                <a:ea typeface="Cabin"/>
-                <a:cs typeface="Cabin"/>
+                <a:latin typeface="Arial" charset="0"/>
+                <a:ea typeface="Arial" charset="0"/>
+                <a:cs typeface="Arial" charset="0"/>
                 <a:sym typeface="Cabin"/>
                 <a:hlinkClick r:id="rId3"/>
               </a:rPr>
               <a:t>http://en.wikipedia.org/wiki/TCP_and_UDP_port</a:t>
             </a:r>
             <a:r>
-              <a:rPr lang="en-US" sz="3000" b="0" i="0" u="none" strike="noStrike" cap="none">
+              <a:rPr lang="en-US" sz="3000" u="none" strike="noStrike" cap="none">
                 <a:solidFill>
                   <a:srgbClr val="FFFF00"/>
                 </a:solidFill>
-                <a:latin typeface="Cabin"/>
-                <a:ea typeface="Cabin"/>
-                <a:cs typeface="Cabin"/>
+                <a:latin typeface="Arial" charset="0"/>
+                <a:ea typeface="Arial" charset="0"/>
+                <a:cs typeface="Arial" charset="0"/>
                 <a:sym typeface="Cabin"/>
               </a:rPr>
               <a:t> </a:t>
@@ -51539,13 +51539,13 @@
               <a:buNone/>
             </a:pPr>
             <a:r>
-              <a:rPr lang="en-US" sz="3200" b="0" i="0" u="none" strike="noStrike" cap="none">
+              <a:rPr lang="en-US" sz="3200" u="none" strike="noStrike" cap="none">
                 <a:solidFill>
                   <a:schemeClr val="lt1"/>
                 </a:solidFill>
-                <a:latin typeface="Cabin"/>
-                <a:ea typeface="Cabin"/>
-                <a:cs typeface="Cabin"/>
+                <a:latin typeface="Arial" charset="0"/>
+                <a:ea typeface="Arial" charset="0"/>
+                <a:cs typeface="Arial" charset="0"/>
                 <a:sym typeface="Cabin"/>
               </a:rPr>
               <a:t>www.umich.edu</a:t>
@@ -52040,13 +52040,13 @@
               <a:buNone/>
             </a:pPr>
             <a:r>
-              <a:rPr lang="en-US" sz="3200" b="0" i="0" u="none" strike="noStrike" cap="none">
+              <a:rPr lang="en-US" sz="3200" u="none" strike="noStrike" cap="none">
                 <a:solidFill>
                   <a:srgbClr val="FF00FF"/>
                 </a:solidFill>
-                <a:latin typeface="Cabin"/>
-                <a:ea typeface="Cabin"/>
-                <a:cs typeface="Cabin"/>
+                <a:latin typeface="Arial" charset="0"/>
+                <a:ea typeface="Arial" charset="0"/>
+                <a:cs typeface="Arial" charset="0"/>
                 <a:sym typeface="Cabin"/>
               </a:rPr>
               <a:t>Incoming</a:t>
@@ -52071,13 +52071,13 @@
               <a:buNone/>
             </a:pPr>
             <a:r>
-              <a:rPr lang="en-US" sz="3200" b="0" i="0" u="none" strike="noStrike" cap="none">
+              <a:rPr lang="en-US" sz="3200" u="none" strike="noStrike" cap="none">
                 <a:solidFill>
                   <a:srgbClr val="FF00FF"/>
                 </a:solidFill>
-                <a:latin typeface="Cabin"/>
-                <a:ea typeface="Cabin"/>
-                <a:cs typeface="Cabin"/>
+                <a:latin typeface="Arial" charset="0"/>
+                <a:ea typeface="Arial" charset="0"/>
+                <a:cs typeface="Arial" charset="0"/>
                 <a:sym typeface="Cabin"/>
               </a:rPr>
               <a:t>E-Mail</a:t>
@@ -52134,13 +52134,13 @@
               <a:buNone/>
             </a:pPr>
             <a:r>
-              <a:rPr lang="en-US" sz="3200" b="0" i="0" u="none" strike="noStrike" cap="none">
+              <a:rPr lang="en-US" sz="3200" u="none" strike="noStrike" cap="none">
                 <a:solidFill>
                   <a:srgbClr val="FF00FF"/>
                 </a:solidFill>
-                <a:latin typeface="Cabin"/>
-                <a:ea typeface="Cabin"/>
-                <a:cs typeface="Cabin"/>
+                <a:latin typeface="Arial" charset="0"/>
+                <a:ea typeface="Arial" charset="0"/>
+                <a:cs typeface="Arial" charset="0"/>
                 <a:sym typeface="Cabin"/>
               </a:rPr>
               <a:t>Login</a:t>
@@ -52197,13 +52197,13 @@
               <a:buNone/>
             </a:pPr>
             <a:r>
-              <a:rPr lang="en-US" sz="3200" b="0" i="0" u="none" strike="noStrike" cap="none">
+              <a:rPr lang="en-US" sz="3200" u="none" strike="noStrike" cap="none">
                 <a:solidFill>
                   <a:srgbClr val="FF00FF"/>
                 </a:solidFill>
-                <a:latin typeface="Cabin"/>
-                <a:ea typeface="Cabin"/>
-                <a:cs typeface="Cabin"/>
+                <a:latin typeface="Arial" charset="0"/>
+                <a:ea typeface="Arial" charset="0"/>
+                <a:cs typeface="Arial" charset="0"/>
                 <a:sym typeface="Cabin"/>
               </a:rPr>
               <a:t>Web Server</a:t>
@@ -52260,13 +52260,13 @@
               <a:buNone/>
             </a:pPr>
             <a:r>
-              <a:rPr lang="en-US" sz="3200" b="0" i="0" u="none" strike="noStrike" cap="none">
+              <a:rPr lang="en-US" sz="3200" u="none" strike="noStrike" cap="none">
                 <a:solidFill>
                   <a:srgbClr val="00FF00"/>
                 </a:solidFill>
-                <a:latin typeface="Cabin"/>
-                <a:ea typeface="Cabin"/>
-                <a:cs typeface="Cabin"/>
+                <a:latin typeface="Arial" charset="0"/>
+                <a:ea typeface="Arial" charset="0"/>
+                <a:cs typeface="Arial" charset="0"/>
                 <a:sym typeface="Cabin"/>
               </a:rPr>
               <a:t>25</a:t>
@@ -52350,13 +52350,13 @@
               <a:buNone/>
             </a:pPr>
             <a:r>
-              <a:rPr lang="en-US" sz="3200" b="0" i="0" u="none" strike="noStrike" cap="none">
+              <a:rPr lang="en-US" sz="3200" u="none" strike="noStrike" cap="none">
                 <a:solidFill>
                   <a:srgbClr val="FF00FF"/>
                 </a:solidFill>
-                <a:latin typeface="Cabin"/>
-                <a:ea typeface="Cabin"/>
-                <a:cs typeface="Cabin"/>
+                <a:latin typeface="Arial" charset="0"/>
+                <a:ea typeface="Arial" charset="0"/>
+                <a:cs typeface="Arial" charset="0"/>
                 <a:sym typeface="Cabin"/>
               </a:rPr>
               <a:t>Personal</a:t>
@@ -52381,13 +52381,13 @@
               <a:buNone/>
             </a:pPr>
             <a:r>
-              <a:rPr lang="en-US" sz="3200" b="0" i="0" u="none" strike="noStrike" cap="none">
+              <a:rPr lang="en-US" sz="3200" u="none" strike="noStrike" cap="none">
                 <a:solidFill>
                   <a:srgbClr val="FF00FF"/>
                 </a:solidFill>
-                <a:latin typeface="Cabin"/>
-                <a:ea typeface="Cabin"/>
-                <a:cs typeface="Cabin"/>
+                <a:latin typeface="Arial" charset="0"/>
+                <a:ea typeface="Arial" charset="0"/>
+                <a:cs typeface="Arial" charset="0"/>
                 <a:sym typeface="Cabin"/>
               </a:rPr>
               <a:t>Mail Box</a:t>
@@ -52444,13 +52444,13 @@
               <a:buNone/>
             </a:pPr>
             <a:r>
-              <a:rPr lang="en-US" sz="3200" b="0" i="0" u="none" strike="noStrike" cap="none">
+              <a:rPr lang="en-US" sz="3200" u="none" strike="noStrike" cap="none">
                 <a:solidFill>
                   <a:srgbClr val="00FF00"/>
                 </a:solidFill>
-                <a:latin typeface="Cabin"/>
-                <a:ea typeface="Cabin"/>
-                <a:cs typeface="Cabin"/>
+                <a:latin typeface="Arial" charset="0"/>
+                <a:ea typeface="Arial" charset="0"/>
+                <a:cs typeface="Arial" charset="0"/>
                 <a:sym typeface="Cabin"/>
               </a:rPr>
               <a:t>23</a:t>
@@ -52507,13 +52507,13 @@
               <a:buNone/>
             </a:pPr>
             <a:r>
-              <a:rPr lang="en-US" sz="3200" b="0" i="0" u="none" strike="noStrike" cap="none">
+              <a:rPr lang="en-US" sz="3200" u="none" strike="noStrike" cap="none">
                 <a:solidFill>
                   <a:srgbClr val="00FF00"/>
                 </a:solidFill>
-                <a:latin typeface="Cabin"/>
-                <a:ea typeface="Cabin"/>
-                <a:cs typeface="Cabin"/>
+                <a:latin typeface="Arial" charset="0"/>
+                <a:ea typeface="Arial" charset="0"/>
+                <a:cs typeface="Arial" charset="0"/>
                 <a:sym typeface="Cabin"/>
               </a:rPr>
               <a:t>80</a:t>
@@ -52570,13 +52570,13 @@
               <a:buNone/>
             </a:pPr>
             <a:r>
-              <a:rPr lang="en-US" sz="3200" b="0" i="0" u="none" strike="noStrike" cap="none">
+              <a:rPr lang="en-US" sz="3200" u="none" strike="noStrike" cap="none">
                 <a:solidFill>
                   <a:srgbClr val="E06666"/>
                 </a:solidFill>
-                <a:latin typeface="Cabin"/>
-                <a:ea typeface="Cabin"/>
-                <a:cs typeface="Cabin"/>
+                <a:latin typeface="Arial" charset="0"/>
+                <a:ea typeface="Arial" charset="0"/>
+                <a:cs typeface="Arial" charset="0"/>
                 <a:sym typeface="Cabin"/>
               </a:rPr>
               <a:t>443</a:t>
@@ -52633,13 +52633,13 @@
               <a:buNone/>
             </a:pPr>
             <a:r>
-              <a:rPr lang="en-US" sz="3200" b="0" i="0" u="none" strike="noStrike" cap="none">
+              <a:rPr lang="en-US" sz="3200" u="none" strike="noStrike" cap="none">
                 <a:solidFill>
                   <a:srgbClr val="00FF00"/>
                 </a:solidFill>
-                <a:latin typeface="Cabin"/>
-                <a:ea typeface="Cabin"/>
-                <a:cs typeface="Cabin"/>
+                <a:latin typeface="Arial" charset="0"/>
+                <a:ea typeface="Arial" charset="0"/>
+                <a:cs typeface="Arial" charset="0"/>
                 <a:sym typeface="Cabin"/>
               </a:rPr>
               <a:t>109</a:t>
@@ -52696,13 +52696,13 @@
               <a:buNone/>
             </a:pPr>
             <a:r>
-              <a:rPr lang="en-US" sz="3200" b="0" i="0" u="none" strike="noStrike" cap="none">
+              <a:rPr lang="en-US" sz="3200" u="none" strike="noStrike" cap="none">
                 <a:solidFill>
                   <a:srgbClr val="00FF00"/>
                 </a:solidFill>
-                <a:latin typeface="Cabin"/>
-                <a:ea typeface="Cabin"/>
-                <a:cs typeface="Cabin"/>
+                <a:latin typeface="Arial" charset="0"/>
+                <a:ea typeface="Arial" charset="0"/>
+                <a:cs typeface="Arial" charset="0"/>
                 <a:sym typeface="Cabin"/>
               </a:rPr>
               <a:t>110</a:t>
@@ -52761,13 +52761,13 @@
               <a:buNone/>
             </a:pPr>
             <a:r>
-              <a:rPr lang="en-US" sz="3200" b="0" i="0" u="none" strike="noStrike" cap="none">
+              <a:rPr lang="en-US" sz="3200" u="none" strike="noStrike" cap="none">
                 <a:solidFill>
                   <a:srgbClr val="FF7F00"/>
                 </a:solidFill>
-                <a:latin typeface="Cabin"/>
-                <a:ea typeface="Cabin"/>
-                <a:cs typeface="Cabin"/>
+                <a:latin typeface="Arial" charset="0"/>
+                <a:ea typeface="Arial" charset="0"/>
+                <a:cs typeface="Arial" charset="0"/>
                 <a:sym typeface="Cabin"/>
               </a:rPr>
               <a:t>74.208.28.177</a:t>
@@ -53352,13 +53352,13 @@
               <a:buNone/>
             </a:pPr>
             <a:r>
-              <a:rPr lang="en-US" sz="2600" b="0" i="0" u="none" strike="noStrike" cap="none">
+              <a:rPr lang="en-US" sz="2600" u="none" strike="noStrike" cap="none">
                 <a:solidFill>
                   <a:srgbClr val="00FF00"/>
                 </a:solidFill>
-                <a:latin typeface="Cabin"/>
-                <a:ea typeface="Cabin"/>
-                <a:cs typeface="Cabin"/>
+                <a:latin typeface="Arial" charset="0"/>
+                <a:ea typeface="Arial" charset="0"/>
+                <a:cs typeface="Arial" charset="0"/>
                 <a:sym typeface="Cabin"/>
               </a:rPr>
               <a:t>blah blah blah blah</a:t>
@@ -53461,50 +53461,50 @@
               <a:buNone/>
             </a:pPr>
             <a:r>
-              <a:rPr lang="en-US" sz="3600" b="0" i="0" u="none" strike="noStrike" cap="none">
+              <a:rPr lang="en-US" sz="3600" u="none" strike="noStrike" cap="none">
                 <a:solidFill>
                   <a:srgbClr val="E06666"/>
                 </a:solidFill>
-                <a:latin typeface="Cabin"/>
-                <a:ea typeface="Cabin"/>
-                <a:cs typeface="Cabin"/>
+                <a:latin typeface="Arial" charset="0"/>
+                <a:ea typeface="Arial" charset="0"/>
+                <a:cs typeface="Arial" charset="0"/>
                 <a:sym typeface="Cabin"/>
               </a:rPr>
               <a:t>Please connect me to the web server (port 80) on</a:t>
             </a:r>
             <a:r>
-              <a:rPr lang="en-US" sz="3600" b="0" i="0" u="none" strike="noStrike" cap="none">
+              <a:rPr lang="en-US" sz="3600" u="none" strike="noStrike" cap="none">
                 <a:solidFill>
                   <a:srgbClr val="FF0000"/>
                 </a:solidFill>
-                <a:latin typeface="Cabin"/>
-                <a:ea typeface="Cabin"/>
-                <a:cs typeface="Cabin"/>
+                <a:latin typeface="Arial" charset="0"/>
+                <a:ea typeface="Arial" charset="0"/>
+                <a:cs typeface="Arial" charset="0"/>
                 <a:sym typeface="Cabin"/>
               </a:rPr>
               <a:t> </a:t>
             </a:r>
             <a:r>
-              <a:rPr lang="en-US" sz="3600" b="0" i="0" u="sng" strike="noStrike" cap="none">
+              <a:rPr lang="en-US" sz="3600" u="sng" strike="noStrike" cap="none">
                 <a:solidFill>
                   <a:srgbClr val="00FFFF"/>
                 </a:solidFill>
-                <a:latin typeface="Cabin"/>
-                <a:ea typeface="Cabin"/>
-                <a:cs typeface="Cabin"/>
+                <a:latin typeface="Arial" charset="0"/>
+                <a:ea typeface="Arial" charset="0"/>
+                <a:cs typeface="Arial" charset="0"/>
                 <a:sym typeface="Cabin"/>
                 <a:hlinkClick r:id="rId6"/>
               </a:rPr>
               <a:t>http://www.dr-chuck.com</a:t>
             </a:r>
             <a:r>
-              <a:rPr lang="en-US" sz="3600" b="0" i="0" u="none" strike="noStrike" cap="none">
+              <a:rPr lang="en-US" sz="3600" u="none" strike="noStrike" cap="none">
                 <a:solidFill>
                   <a:srgbClr val="FF0000"/>
                 </a:solidFill>
-                <a:latin typeface="Cabin"/>
-                <a:ea typeface="Cabin"/>
-                <a:cs typeface="Cabin"/>
+                <a:latin typeface="Arial" charset="0"/>
+                <a:ea typeface="Arial" charset="0"/>
+                <a:cs typeface="Arial" charset="0"/>
                 <a:sym typeface="Cabin"/>
               </a:rPr>
               <a:t> </a:t>
@@ -53555,25 +53555,25 @@
               <a:buNone/>
             </a:pPr>
             <a:r>
-              <a:rPr lang="en-US" sz="2500" b="0" i="0" u="none" strike="noStrike" cap="none">
+              <a:rPr lang="en-US" sz="2500" u="none" strike="noStrike" cap="none">
                 <a:solidFill>
                   <a:schemeClr val="lt1"/>
                 </a:solidFill>
-                <a:latin typeface="Cabin"/>
-                <a:ea typeface="Cabin"/>
-                <a:cs typeface="Cabin"/>
+                <a:latin typeface="Arial" charset="0"/>
+                <a:ea typeface="Arial" charset="0"/>
+                <a:cs typeface="Arial" charset="0"/>
                 <a:sym typeface="Cabin"/>
               </a:rPr>
               <a:t>Clipart: </a:t>
             </a:r>
             <a:r>
-              <a:rPr lang="en-US" sz="2500" b="0" i="0" strike="noStrike" cap="none">
+              <a:rPr lang="en-US" sz="2500" strike="noStrike" cap="none">
                 <a:solidFill>
                   <a:schemeClr val="lt1"/>
                 </a:solidFill>
-                <a:latin typeface="Cabin"/>
-                <a:ea typeface="Cabin"/>
-                <a:cs typeface="Cabin"/>
+                <a:latin typeface="Arial" charset="0"/>
+                <a:ea typeface="Arial" charset="0"/>
+                <a:cs typeface="Arial" charset="0"/>
                 <a:sym typeface="Cabin"/>
               </a:rPr>
               <a:t>http://www.clker.com/search/networksym/1</a:t>

--- a/lectures3/Pythonlearn-12-HTTP.pptx
+++ b/lectures3/Pythonlearn-12-HTTP.pptx
@@ -6949,9 +6949,7 @@
             <a:avLst/>
           </a:prstGeom>
           <a:solidFill>
-            <a:schemeClr val="tx1">
-              <a:lumMod val="75000"/>
-            </a:schemeClr>
+            <a:schemeClr val="bg2"/>
           </a:solidFill>
           <a:ln>
             <a:noFill/>
@@ -7101,9 +7099,7 @@
             <a:avLst/>
           </a:prstGeom>
           <a:solidFill>
-            <a:schemeClr val="tx1">
-              <a:lumMod val="75000"/>
-            </a:schemeClr>
+            <a:schemeClr val="bg2"/>
           </a:solidFill>
           <a:ln>
             <a:noFill/>
@@ -11137,11 +11133,11 @@
   <p:clrMapOvr>
     <a:masterClrMapping/>
   </p:clrMapOvr>
-  <mc:AlternateContent xmlns:mc="http://schemas.openxmlformats.org/markup-compatibility/2006">
-    <mc:Choice xmlns:p14="http://schemas.microsoft.com/office/powerpoint/2010/main" Requires="p14">
+  <mc:AlternateContent xmlns:mc="http://schemas.openxmlformats.org/markup-compatibility/2006" xmlns:p14="http://schemas.microsoft.com/office/powerpoint/2010/main">
+    <mc:Choice Requires="p14">
       <p:transition spd="slow" p14:dur="2000"/>
     </mc:Choice>
-    <mc:Fallback>
+    <mc:Fallback xmlns="">
       <p:transition spd="slow"/>
     </mc:Fallback>
   </mc:AlternateContent>
@@ -11428,7 +11424,7 @@
         <p:spPr>
           <a:xfrm>
             <a:off x="12085636" y="876300"/>
-            <a:ext cx="1565399" cy="723900"/>
+            <a:ext cx="1949678" cy="723900"/>
           </a:xfrm>
           <a:prstGeom prst="rect">
             <a:avLst/>
@@ -12131,11 +12127,11 @@
   <p:clrMapOvr>
     <a:masterClrMapping/>
   </p:clrMapOvr>
-  <mc:AlternateContent xmlns:mc="http://schemas.openxmlformats.org/markup-compatibility/2006">
-    <mc:Choice xmlns:p14="http://schemas.microsoft.com/office/powerpoint/2010/main" Requires="p14">
+  <mc:AlternateContent xmlns:mc="http://schemas.openxmlformats.org/markup-compatibility/2006" xmlns:p14="http://schemas.microsoft.com/office/powerpoint/2010/main">
+    <mc:Choice Requires="p14">
       <p:transition spd="slow" p14:dur="2000"/>
     </mc:Choice>
-    <mc:Fallback>
+    <mc:Fallback xmlns="">
       <p:transition spd="slow"/>
     </mc:Fallback>
   </mc:AlternateContent>
@@ -12898,11 +12894,11 @@
   <p:clrMapOvr>
     <a:masterClrMapping/>
   </p:clrMapOvr>
-  <mc:AlternateContent xmlns:mc="http://schemas.openxmlformats.org/markup-compatibility/2006">
-    <mc:Choice xmlns:p14="http://schemas.microsoft.com/office/powerpoint/2010/main" Requires="p14">
+  <mc:AlternateContent xmlns:mc="http://schemas.openxmlformats.org/markup-compatibility/2006" xmlns:p14="http://schemas.microsoft.com/office/powerpoint/2010/main">
+    <mc:Choice Requires="p14">
       <p:transition spd="slow" p14:dur="2000"/>
     </mc:Choice>
-    <mc:Fallback>
+    <mc:Fallback xmlns="">
       <p:transition spd="slow"/>
     </mc:Fallback>
   </mc:AlternateContent>
@@ -14058,11 +14054,11 @@
   <p:clrMapOvr>
     <a:masterClrMapping/>
   </p:clrMapOvr>
-  <mc:AlternateContent xmlns:mc="http://schemas.openxmlformats.org/markup-compatibility/2006">
-    <mc:Choice xmlns:p14="http://schemas.microsoft.com/office/powerpoint/2010/main" Requires="p14">
+  <mc:AlternateContent xmlns:mc="http://schemas.openxmlformats.org/markup-compatibility/2006" xmlns:p14="http://schemas.microsoft.com/office/powerpoint/2010/main">
+    <mc:Choice Requires="p14">
       <p:transition spd="slow" p14:dur="2000"/>
     </mc:Choice>
-    <mc:Fallback>
+    <mc:Fallback xmlns="">
       <p:transition spd="slow"/>
     </mc:Fallback>
   </mc:AlternateContent>
@@ -15218,11 +15214,11 @@
   <p:clrMapOvr>
     <a:masterClrMapping/>
   </p:clrMapOvr>
-  <mc:AlternateContent xmlns:mc="http://schemas.openxmlformats.org/markup-compatibility/2006">
-    <mc:Choice xmlns:p14="http://schemas.microsoft.com/office/powerpoint/2010/main" Requires="p14">
+  <mc:AlternateContent xmlns:mc="http://schemas.openxmlformats.org/markup-compatibility/2006" xmlns:p14="http://schemas.microsoft.com/office/powerpoint/2010/main">
+    <mc:Choice Requires="p14">
       <p:transition spd="slow" p14:dur="2000"/>
     </mc:Choice>
-    <mc:Fallback>
+    <mc:Fallback xmlns="">
       <p:transition spd="slow"/>
     </mc:Fallback>
   </mc:AlternateContent>
@@ -16771,11 +16767,11 @@
   <p:clrMapOvr>
     <a:masterClrMapping/>
   </p:clrMapOvr>
-  <mc:AlternateContent xmlns:mc="http://schemas.openxmlformats.org/markup-compatibility/2006">
-    <mc:Choice xmlns:p14="http://schemas.microsoft.com/office/powerpoint/2010/main" Requires="p14">
+  <mc:AlternateContent xmlns:mc="http://schemas.openxmlformats.org/markup-compatibility/2006" xmlns:p14="http://schemas.microsoft.com/office/powerpoint/2010/main">
+    <mc:Choice Requires="p14">
       <p:transition spd="slow" p14:dur="2000"/>
     </mc:Choice>
-    <mc:Fallback>
+    <mc:Fallback xmlns="">
       <p:transition spd="slow"/>
     </mc:Fallback>
   </mc:AlternateContent>
@@ -18605,11 +18601,11 @@
   <p:clrMapOvr>
     <a:masterClrMapping/>
   </p:clrMapOvr>
-  <mc:AlternateContent xmlns:mc="http://schemas.openxmlformats.org/markup-compatibility/2006">
-    <mc:Choice xmlns:p14="http://schemas.microsoft.com/office/powerpoint/2010/main" Requires="p14">
+  <mc:AlternateContent xmlns:mc="http://schemas.openxmlformats.org/markup-compatibility/2006" xmlns:p14="http://schemas.microsoft.com/office/powerpoint/2010/main">
+    <mc:Choice Requires="p14">
       <p:transition spd="slow" p14:dur="2000"/>
     </mc:Choice>
-    <mc:Fallback>
+    <mc:Fallback xmlns="">
       <p:transition spd="slow"/>
     </mc:Fallback>
   </mc:AlternateContent>
@@ -19124,11 +19120,11 @@
   <p:clrMapOvr>
     <a:masterClrMapping/>
   </p:clrMapOvr>
-  <mc:AlternateContent xmlns:mc="http://schemas.openxmlformats.org/markup-compatibility/2006">
-    <mc:Choice xmlns:p14="http://schemas.microsoft.com/office/powerpoint/2010/main" Requires="p14">
+  <mc:AlternateContent xmlns:mc="http://schemas.openxmlformats.org/markup-compatibility/2006" xmlns:p14="http://schemas.microsoft.com/office/powerpoint/2010/main">
+    <mc:Choice Requires="p14">
       <p:transition spd="slow" p14:dur="2000"/>
     </mc:Choice>
-    <mc:Fallback>
+    <mc:Fallback xmlns="">
       <p:transition spd="slow"/>
     </mc:Fallback>
   </mc:AlternateContent>
@@ -19397,11 +19393,11 @@
   <p:clrMapOvr>
     <a:masterClrMapping/>
   </p:clrMapOvr>
-  <mc:AlternateContent xmlns:mc="http://schemas.openxmlformats.org/markup-compatibility/2006">
-    <mc:Choice xmlns:p14="http://schemas.microsoft.com/office/powerpoint/2010/main" Requires="p14">
+  <mc:AlternateContent xmlns:mc="http://schemas.openxmlformats.org/markup-compatibility/2006" xmlns:p14="http://schemas.microsoft.com/office/powerpoint/2010/main">
+    <mc:Choice Requires="p14">
       <p:transition spd="slow" p14:dur="2000"/>
     </mc:Choice>
-    <mc:Fallback>
+    <mc:Fallback xmlns="">
       <p:transition spd="slow"/>
     </mc:Fallback>
   </mc:AlternateContent>
@@ -19496,11 +19492,11 @@
   <p:clrMapOvr>
     <a:masterClrMapping/>
   </p:clrMapOvr>
-  <mc:AlternateContent xmlns:mc="http://schemas.openxmlformats.org/markup-compatibility/2006">
-    <mc:Choice xmlns:p14="http://schemas.microsoft.com/office/powerpoint/2010/main" Requires="p14">
+  <mc:AlternateContent xmlns:mc="http://schemas.openxmlformats.org/markup-compatibility/2006" xmlns:p14="http://schemas.microsoft.com/office/powerpoint/2010/main">
+    <mc:Choice Requires="p14">
       <p:transition spd="slow" p14:dur="2000"/>
     </mc:Choice>
-    <mc:Fallback>
+    <mc:Fallback xmlns="">
       <p:transition spd="slow"/>
     </mc:Fallback>
   </mc:AlternateContent>
@@ -19720,11 +19716,11 @@
   <p:clrMapOvr>
     <a:masterClrMapping/>
   </p:clrMapOvr>
-  <mc:AlternateContent xmlns:mc="http://schemas.openxmlformats.org/markup-compatibility/2006">
-    <mc:Choice xmlns:p14="http://schemas.microsoft.com/office/powerpoint/2010/main" Requires="p14">
+  <mc:AlternateContent xmlns:mc="http://schemas.openxmlformats.org/markup-compatibility/2006" xmlns:p14="http://schemas.microsoft.com/office/powerpoint/2010/main">
+    <mc:Choice Requires="p14">
       <p:transition spd="slow" p14:dur="2000"/>
     </mc:Choice>
-    <mc:Fallback>
+    <mc:Fallback xmlns="">
       <p:transition spd="slow"/>
     </mc:Fallback>
   </mc:AlternateContent>
@@ -20501,7 +20497,7 @@
               <a:buNone/>
             </a:pPr>
             <a:r>
-              <a:rPr lang="en-US" sz="3400" u="none" strike="noStrike" cap="none">
+              <a:rPr lang="en-US" sz="3400" u="none" strike="noStrike" cap="none" dirty="0">
                 <a:solidFill>
                   <a:srgbClr val="FF00FF"/>
                 </a:solidFill>
@@ -20524,7 +20520,7 @@
         <p:spPr>
           <a:xfrm>
             <a:off x="10920399" y="6108700"/>
-            <a:ext cx="1971599" cy="597000"/>
+            <a:ext cx="2220926" cy="597000"/>
           </a:xfrm>
           <a:prstGeom prst="rect">
             <a:avLst/>
@@ -20580,8 +20576,8 @@
         </p:nvSpPr>
         <p:spPr>
           <a:xfrm>
-            <a:off x="13141325" y="5349875"/>
-            <a:ext cx="2019299" cy="597000"/>
+            <a:off x="13138136" y="5616475"/>
+            <a:ext cx="2374446" cy="597000"/>
           </a:xfrm>
           <a:prstGeom prst="rect">
             <a:avLst/>
@@ -20615,7 +20611,7 @@
               <a:buNone/>
             </a:pPr>
             <a:r>
-              <a:rPr lang="en-US" sz="3400" u="none" strike="noStrike" cap="none">
+              <a:rPr lang="en-US" sz="3400" u="none" strike="noStrike" cap="none" dirty="0" smtClean="0">
                 <a:solidFill>
                   <a:schemeClr val="lt1"/>
                 </a:solidFill>
@@ -20624,65 +20620,17 @@
                 <a:cs typeface="Arial" charset="0"/>
                 <a:sym typeface="Cabin"/>
               </a:rPr>
-              <a:t>Data Store</a:t>
-            </a:r>
-          </a:p>
-        </p:txBody>
-      </p:sp>
-      <p:sp>
-        <p:nvSpPr>
-          <p:cNvPr id="292" name="Shape 292"/>
-          <p:cNvSpPr txBox="1"/>
-          <p:nvPr/>
-        </p:nvSpPr>
-        <p:spPr>
-          <a:xfrm>
-            <a:off x="13622351" y="5969000"/>
-            <a:ext cx="2190900" cy="597000"/>
-          </a:xfrm>
-          <a:prstGeom prst="rect">
-            <a:avLst/>
-          </a:prstGeom>
-          <a:noFill/>
-          <a:ln>
-            <a:noFill/>
-          </a:ln>
-        </p:spPr>
-        <p:txBody>
-          <a:bodyPr lIns="0" tIns="0" rIns="0" bIns="0" anchor="ctr" anchorCtr="0">
-            <a:noAutofit/>
-          </a:bodyPr>
-          <a:lstStyle/>
-          <a:p>
-            <a:pPr marL="0" marR="0" lvl="0" indent="0" algn="ctr" rtl="0">
-              <a:lnSpc>
-                <a:spcPct val="100000"/>
-              </a:lnSpc>
-              <a:spcBef>
-                <a:spcPts val="0"/>
-              </a:spcBef>
-              <a:spcAft>
-                <a:spcPts val="0"/>
-              </a:spcAft>
-              <a:buClr>
+              <a:t>Database</a:t>
+            </a:r>
+            <a:endParaRPr lang="en-US" sz="3400" u="none" strike="noStrike" cap="none" dirty="0">
+              <a:solidFill>
                 <a:schemeClr val="lt1"/>
-              </a:buClr>
-              <a:buSzPct val="25000"/>
-              <a:buFont typeface="Cabin"/>
-              <a:buNone/>
-            </a:pPr>
-            <a:r>
-              <a:rPr lang="en-US" sz="3400" u="none" strike="noStrike" cap="none">
-                <a:solidFill>
-                  <a:schemeClr val="lt1"/>
-                </a:solidFill>
-                <a:latin typeface="Arial" charset="0"/>
-                <a:ea typeface="Arial" charset="0"/>
-                <a:cs typeface="Arial" charset="0"/>
-                <a:sym typeface="Cabin"/>
-              </a:rPr>
-              <a:t>memcache</a:t>
-            </a:r>
+              </a:solidFill>
+              <a:latin typeface="Arial" charset="0"/>
+              <a:ea typeface="Arial" charset="0"/>
+              <a:cs typeface="Arial" charset="0"/>
+              <a:sym typeface="Cabin"/>
+            </a:endParaRPr>
           </a:p>
         </p:txBody>
       </p:sp>
@@ -21925,11 +21873,11 @@
   <p:clrMapOvr>
     <a:masterClrMapping/>
   </p:clrMapOvr>
-  <mc:AlternateContent xmlns:mc="http://schemas.openxmlformats.org/markup-compatibility/2006">
-    <mc:Choice xmlns:p14="http://schemas.microsoft.com/office/powerpoint/2010/main" Requires="p14">
+  <mc:AlternateContent xmlns:mc="http://schemas.openxmlformats.org/markup-compatibility/2006" xmlns:p14="http://schemas.microsoft.com/office/powerpoint/2010/main">
+    <mc:Choice Requires="p14">
       <p:transition spd="slow" p14:dur="2000"/>
     </mc:Choice>
-    <mc:Fallback>
+    <mc:Fallback xmlns="">
       <p:transition spd="slow"/>
     </mc:Fallback>
   </mc:AlternateContent>
@@ -22376,11 +22324,11 @@
   <p:clrMapOvr>
     <a:masterClrMapping/>
   </p:clrMapOvr>
-  <mc:AlternateContent xmlns:mc="http://schemas.openxmlformats.org/markup-compatibility/2006">
-    <mc:Choice xmlns:p14="http://schemas.microsoft.com/office/powerpoint/2010/main" Requires="p14">
+  <mc:AlternateContent xmlns:mc="http://schemas.openxmlformats.org/markup-compatibility/2006" xmlns:p14="http://schemas.microsoft.com/office/powerpoint/2010/main">
+    <mc:Choice Requires="p14">
       <p:transition spd="slow" p14:dur="2000"/>
     </mc:Choice>
-    <mc:Fallback>
+    <mc:Fallback xmlns="">
       <p:transition spd="slow"/>
     </mc:Fallback>
   </mc:AlternateContent>
@@ -23067,14 +23015,6 @@
               </a:rPr>
               <a:t>()</a:t>
             </a:r>
-            <a:endParaRPr lang="en-US" sz="2800" b="1" dirty="0">
-              <a:solidFill>
-                <a:schemeClr val="bg1"/>
-              </a:solidFill>
-              <a:latin typeface="Courier" charset="0"/>
-              <a:ea typeface="Courier" charset="0"/>
-              <a:cs typeface="Courier" charset="0"/>
-            </a:endParaRPr>
           </a:p>
         </p:txBody>
       </p:sp>
@@ -28821,8 +28761,8 @@
         </p:nvSpPr>
         <p:spPr>
           <a:xfrm>
-            <a:off x="1727200" y="685800"/>
-            <a:ext cx="13639799" cy="7478711"/>
+            <a:off x="1727200" y="1001486"/>
+            <a:ext cx="13639799" cy="7163025"/>
           </a:xfrm>
           <a:prstGeom prst="rect">
             <a:avLst/>

--- a/lectures3/Pythonlearn-12-HTTP.pptx
+++ b/lectures3/Pythonlearn-12-HTTP.pptx
@@ -5249,7 +5249,7 @@
               </a:spcBef>
               <a:buNone/>
             </a:pPr>
-            <a:endParaRPr/>
+            <a:endParaRPr dirty="0"/>
           </a:p>
         </p:txBody>
       </p:sp>
@@ -7980,6 +7980,13 @@
   <p:clrMapOvr>
     <a:masterClrMapping/>
   </p:clrMapOvr>
+  <p:timing>
+    <p:tnLst>
+      <p:par>
+        <p:cTn id="1" dur="indefinite" restart="never" nodeType="tmRoot"/>
+      </p:par>
+    </p:tnLst>
+  </p:timing>
 </p:sld>
 </file>
 
@@ -8172,6 +8179,13 @@
   <p:clrMapOvr>
     <a:masterClrMapping/>
   </p:clrMapOvr>
+  <p:timing>
+    <p:tnLst>
+      <p:par>
+        <p:cTn id="1" dur="indefinite" restart="never" nodeType="tmRoot"/>
+      </p:par>
+    </p:tnLst>
+  </p:timing>
 </p:sld>
 </file>
 
@@ -8368,6 +8382,13 @@
   <p:clrMapOvr>
     <a:masterClrMapping/>
   </p:clrMapOvr>
+  <p:timing>
+    <p:tnLst>
+      <p:par>
+        <p:cTn id="1" dur="indefinite" restart="never" nodeType="tmRoot"/>
+      </p:par>
+    </p:tnLst>
+  </p:timing>
 </p:sld>
 </file>
 
@@ -9007,6 +9028,13 @@
   <p:clrMapOvr>
     <a:masterClrMapping/>
   </p:clrMapOvr>
+  <p:timing>
+    <p:tnLst>
+      <p:par>
+        <p:cTn id="1" dur="indefinite" restart="never" nodeType="tmRoot"/>
+      </p:par>
+    </p:tnLst>
+  </p:timing>
 </p:sld>
 </file>
 
@@ -9117,6 +9145,13 @@
   <p:clrMapOvr>
     <a:masterClrMapping/>
   </p:clrMapOvr>
+  <p:timing>
+    <p:tnLst>
+      <p:par>
+        <p:cTn id="1" dur="indefinite" restart="never" nodeType="tmRoot"/>
+      </p:par>
+    </p:tnLst>
+  </p:timing>
 </p:sld>
 </file>
 
@@ -9565,6 +9600,13 @@
   <p:clrMapOvr>
     <a:masterClrMapping/>
   </p:clrMapOvr>
+  <p:timing>
+    <p:tnLst>
+      <p:par>
+        <p:cTn id="1" dur="indefinite" restart="never" nodeType="tmRoot"/>
+      </p:par>
+    </p:tnLst>
+  </p:timing>
 </p:sld>
 </file>
 
@@ -9893,6 +9935,13 @@
   <p:clrMapOvr>
     <a:masterClrMapping/>
   </p:clrMapOvr>
+  <p:timing>
+    <p:tnLst>
+      <p:par>
+        <p:cTn id="1" dur="indefinite" restart="never" nodeType="tmRoot"/>
+      </p:par>
+    </p:tnLst>
+  </p:timing>
 </p:sld>
 </file>
 
@@ -10163,6 +10212,13 @@
   <p:clrMapOvr>
     <a:masterClrMapping/>
   </p:clrMapOvr>
+  <p:timing>
+    <p:tnLst>
+      <p:par>
+        <p:cTn id="1" dur="indefinite" restart="never" nodeType="tmRoot"/>
+      </p:par>
+    </p:tnLst>
+  </p:timing>
 </p:sld>
 </file>
 
@@ -10509,6 +10565,13 @@
   <p:clrMapOvr>
     <a:masterClrMapping/>
   </p:clrMapOvr>
+  <p:timing>
+    <p:tnLst>
+      <p:par>
+        <p:cTn id="1" dur="indefinite" restart="never" nodeType="tmRoot"/>
+      </p:par>
+    </p:tnLst>
+  </p:timing>
 </p:sld>
 </file>
 
@@ -11020,6 +11083,13 @@
   <p:clrMapOvr>
     <a:masterClrMapping/>
   </p:clrMapOvr>
+  <p:timing>
+    <p:tnLst>
+      <p:par>
+        <p:cTn id="1" dur="indefinite" restart="never" nodeType="tmRoot"/>
+      </p:par>
+    </p:tnLst>
+  </p:timing>
 </p:sld>
 </file>
 
@@ -11477,6 +11547,13 @@
   <p:clrMapOvr>
     <a:masterClrMapping/>
   </p:clrMapOvr>
+  <p:timing>
+    <p:tnLst>
+      <p:par>
+        <p:cTn id="1" dur="indefinite" restart="never" nodeType="tmRoot"/>
+      </p:par>
+    </p:tnLst>
+  </p:timing>
 </p:sld>
 </file>
 
@@ -20696,6 +20773,13 @@
   <p:clrMapOvr>
     <a:masterClrMapping/>
   </p:clrMapOvr>
+  <p:timing>
+    <p:tnLst>
+      <p:par>
+        <p:cTn id="1" dur="indefinite" restart="never" nodeType="tmRoot"/>
+      </p:par>
+    </p:tnLst>
+  </p:timing>
 </p:sld>
 </file>
 
@@ -22464,6 +22548,13 @@
   <p:clrMapOvr>
     <a:masterClrMapping/>
   </p:clrMapOvr>
+  <p:timing>
+    <p:tnLst>
+      <p:par>
+        <p:cTn id="1" dur="indefinite" restart="never" nodeType="tmRoot"/>
+      </p:par>
+    </p:tnLst>
+  </p:timing>
 </p:sld>
 </file>
 
@@ -23023,6 +23114,13 @@
   <p:clrMapOvr>
     <a:masterClrMapping/>
   </p:clrMapOvr>
+  <p:timing>
+    <p:tnLst>
+      <p:par>
+        <p:cTn id="1" dur="indefinite" restart="never" nodeType="tmRoot"/>
+      </p:par>
+    </p:tnLst>
+  </p:timing>
 </p:sld>
 </file>
 
@@ -23870,6 +23968,13 @@
   <p:clrMapOvr>
     <a:masterClrMapping/>
   </p:clrMapOvr>
+  <p:timing>
+    <p:tnLst>
+      <p:par>
+        <p:cTn id="1" dur="indefinite" restart="never" nodeType="tmRoot"/>
+      </p:par>
+    </p:tnLst>
+  </p:timing>
 </p:sld>
 </file>
 
@@ -23971,6 +24076,13 @@
   <p:clrMapOvr>
     <a:masterClrMapping/>
   </p:clrMapOvr>
+  <p:timing>
+    <p:tnLst>
+      <p:par>
+        <p:cTn id="1" dur="indefinite" restart="never" nodeType="tmRoot"/>
+      </p:par>
+    </p:tnLst>
+  </p:timing>
 </p:sld>
 </file>
 
@@ -24445,6 +24557,13 @@
   <p:clrMapOvr>
     <a:masterClrMapping/>
   </p:clrMapOvr>
+  <p:timing>
+    <p:tnLst>
+      <p:par>
+        <p:cTn id="1" dur="indefinite" restart="never" nodeType="tmRoot"/>
+      </p:par>
+    </p:tnLst>
+  </p:timing>
 </p:sld>
 </file>
 
@@ -24936,6 +25055,13 @@
   <p:clrMapOvr>
     <a:masterClrMapping/>
   </p:clrMapOvr>
+  <p:timing>
+    <p:tnLst>
+      <p:par>
+        <p:cTn id="1" dur="indefinite" restart="never" nodeType="tmRoot"/>
+      </p:par>
+    </p:tnLst>
+  </p:timing>
 </p:sld>
 </file>
 
@@ -25482,6 +25608,13 @@
   <p:clrMapOvr>
     <a:masterClrMapping/>
   </p:clrMapOvr>
+  <p:timing>
+    <p:tnLst>
+      <p:par>
+        <p:cTn id="1" dur="indefinite" restart="never" nodeType="tmRoot"/>
+      </p:par>
+    </p:tnLst>
+  </p:timing>
 </p:sld>
 </file>
 
@@ -26095,6 +26228,13 @@
   <p:clrMapOvr>
     <a:masterClrMapping/>
   </p:clrMapOvr>
+  <p:timing>
+    <p:tnLst>
+      <p:par>
+        <p:cTn id="1" dur="indefinite" restart="never" nodeType="tmRoot"/>
+      </p:par>
+    </p:tnLst>
+  </p:timing>
 </p:sld>
 </file>
 
@@ -26196,6 +26336,13 @@
   <p:clrMapOvr>
     <a:masterClrMapping/>
   </p:clrMapOvr>
+  <p:timing>
+    <p:tnLst>
+      <p:par>
+        <p:cTn id="1" dur="indefinite" restart="never" nodeType="tmRoot"/>
+      </p:par>
+    </p:tnLst>
+  </p:timing>
 </p:sld>
 </file>
 
@@ -26847,6 +26994,13 @@
   <p:clrMapOvr>
     <a:masterClrMapping/>
   </p:clrMapOvr>
+  <p:timing>
+    <p:tnLst>
+      <p:par>
+        <p:cTn id="1" dur="indefinite" restart="never" nodeType="tmRoot"/>
+      </p:par>
+    </p:tnLst>
+  </p:timing>
 </p:sld>
 </file>
 
@@ -27273,6 +27427,13 @@
   <p:clrMapOvr>
     <a:masterClrMapping/>
   </p:clrMapOvr>
+  <p:timing>
+    <p:tnLst>
+      <p:par>
+        <p:cTn id="1" dur="indefinite" restart="never" nodeType="tmRoot"/>
+      </p:par>
+    </p:tnLst>
+  </p:timing>
 </p:sld>
 </file>
 
@@ -27397,6 +27558,13 @@
   <p:clrMapOvr>
     <a:masterClrMapping/>
   </p:clrMapOvr>
+  <p:timing>
+    <p:tnLst>
+      <p:par>
+        <p:cTn id="1" dur="indefinite" restart="never" nodeType="tmRoot"/>
+      </p:par>
+    </p:tnLst>
+  </p:timing>
 </p:sld>
 </file>
 
@@ -27753,6 +27921,13 @@
   <p:clrMapOvr>
     <a:masterClrMapping/>
   </p:clrMapOvr>
+  <p:timing>
+    <p:tnLst>
+      <p:par>
+        <p:cTn id="1" dur="indefinite" restart="never" nodeType="tmRoot"/>
+      </p:par>
+    </p:tnLst>
+  </p:timing>
 </p:sld>
 </file>
 
@@ -28021,6 +28196,13 @@
   <p:clrMapOvr>
     <a:masterClrMapping/>
   </p:clrMapOvr>
+  <p:timing>
+    <p:tnLst>
+      <p:par>
+        <p:cTn id="1" dur="indefinite" restart="never" nodeType="tmRoot"/>
+      </p:par>
+    </p:tnLst>
+  </p:timing>
 </p:sld>
 </file>
 
@@ -28234,6 +28416,13 @@
   <p:clrMapOvr>
     <a:masterClrMapping/>
   </p:clrMapOvr>
+  <p:timing>
+    <p:tnLst>
+      <p:par>
+        <p:cTn id="1" dur="indefinite" restart="never" nodeType="tmRoot"/>
+      </p:par>
+    </p:tnLst>
+  </p:timing>
 </p:sld>
 </file>
 
@@ -28297,7 +28486,7 @@
               <a:buNone/>
             </a:pPr>
             <a:r>
-              <a:rPr lang="en-US" sz="7800" u="none" strike="noStrike" cap="none">
+              <a:rPr lang="en-US" sz="7800" u="none" strike="noStrike" cap="none" dirty="0">
                 <a:solidFill>
                   <a:schemeClr val="lt1"/>
                 </a:solidFill>
@@ -28309,7 +28498,7 @@
               <a:t>The Easy Way - </a:t>
             </a:r>
             <a:r>
-              <a:rPr lang="en-US" sz="7800" u="none" strike="noStrike" cap="none">
+              <a:rPr lang="en-US" sz="7800" u="none" strike="noStrike" cap="none" dirty="0">
                 <a:solidFill>
                   <a:srgbClr val="FFD966"/>
                 </a:solidFill>
@@ -28406,7 +28595,19 @@
                 <a:cs typeface="Arial" charset="0"/>
                 <a:sym typeface="Cabin"/>
               </a:rPr>
-              <a:t>Or use the free software called </a:t>
+              <a:t>Or use the free software </a:t>
+            </a:r>
+            <a:r>
+              <a:rPr lang="en-US" sz="3800" u="none" strike="noStrike" cap="none" dirty="0" smtClean="0">
+                <a:solidFill>
+                  <a:schemeClr val="lt1"/>
+                </a:solidFill>
+                <a:latin typeface="Arial" charset="0"/>
+                <a:ea typeface="Arial" charset="0"/>
+                <a:cs typeface="Arial" charset="0"/>
+                <a:sym typeface="Cabin"/>
+              </a:rPr>
+              <a:t>library called </a:t>
             </a:r>
             <a:r>
               <a:rPr lang="en-US" sz="3800" u="none" strike="noStrike" cap="none" dirty="0" err="1">
@@ -28456,274 +28657,96 @@
           </a:p>
         </p:txBody>
       </p:sp>
+      <p:pic>
+        <p:nvPicPr>
+          <p:cNvPr id="2" name="Picture 1"/>
+          <p:cNvPicPr>
+            <a:picLocks noChangeAspect="1"/>
+          </p:cNvPicPr>
+          <p:nvPr/>
+        </p:nvPicPr>
+        <p:blipFill>
+          <a:blip r:embed="rId3">
+            <a:extLst>
+              <a:ext uri="{28A0092B-C50C-407E-A947-70E740481C1C}">
+                <a14:useLocalDpi xmlns:a14="http://schemas.microsoft.com/office/drawing/2010/main" val="0"/>
+              </a:ext>
+            </a:extLst>
+          </a:blip>
+          <a:stretch>
+            <a:fillRect/>
+          </a:stretch>
+        </p:blipFill>
+        <p:spPr>
+          <a:xfrm>
+            <a:off x="6920752" y="4595992"/>
+            <a:ext cx="8757771" cy="3579819"/>
+          </a:xfrm>
+          <a:prstGeom prst="rect">
+            <a:avLst/>
+          </a:prstGeom>
+        </p:spPr>
+      </p:pic>
       <p:sp>
         <p:nvSpPr>
-          <p:cNvPr id="768" name="Shape 768"/>
-          <p:cNvSpPr txBox="1"/>
+          <p:cNvPr id="3" name="Rectangle 2"/>
+          <p:cNvSpPr/>
           <p:nvPr/>
         </p:nvSpPr>
         <p:spPr>
           <a:xfrm>
-            <a:off x="2610700" y="5348523"/>
-            <a:ext cx="11022000" cy="1795227"/>
+            <a:off x="564877" y="6185846"/>
+            <a:ext cx="5822428" cy="400110"/>
           </a:xfrm>
           <a:prstGeom prst="rect">
             <a:avLst/>
           </a:prstGeom>
-          <a:noFill/>
-          <a:ln>
-            <a:noFill/>
-          </a:ln>
         </p:spPr>
         <p:txBody>
-          <a:bodyPr lIns="0" tIns="0" rIns="0" bIns="0" anchor="ctr" anchorCtr="0">
-            <a:noAutofit/>
+          <a:bodyPr wrap="none">
+            <a:spAutoFit/>
           </a:bodyPr>
           <a:lstStyle/>
           <a:p>
-            <a:pPr lvl="0" algn="ctr" rtl="0">
-              <a:spcBef>
-                <a:spcPts val="0"/>
-              </a:spcBef>
-              <a:buClr>
-                <a:schemeClr val="lt1"/>
-              </a:buClr>
-              <a:buSzPct val="25000"/>
-              <a:buFont typeface="Cabin"/>
-              <a:buNone/>
-            </a:pPr>
-            <a:endParaRPr lang="en-US" sz="3600" dirty="0" smtClean="0">
-              <a:solidFill>
-                <a:srgbClr val="FFFF00"/>
-              </a:solidFill>
-              <a:latin typeface="Arial" charset="0"/>
-              <a:ea typeface="Arial" charset="0"/>
-              <a:cs typeface="Arial" charset="0"/>
-              <a:sym typeface="Cabin"/>
-            </a:endParaRPr>
-          </a:p>
-          <a:p>
-            <a:pPr lvl="0" algn="ctr" rtl="0">
-              <a:spcBef>
-                <a:spcPts val="0"/>
-              </a:spcBef>
-              <a:buClr>
-                <a:schemeClr val="lt1"/>
-              </a:buClr>
-              <a:buSzPct val="25000"/>
-              <a:buFont typeface="Cabin"/>
-              <a:buNone/>
-            </a:pPr>
-            <a:r>
-              <a:rPr lang="en-US" sz="3600" dirty="0" smtClean="0">
+            <a:r>
+              <a:rPr lang="en-US" sz="2000" dirty="0">
                 <a:solidFill>
                   <a:srgbClr val="FFFF00"/>
                 </a:solidFill>
-                <a:latin typeface="Arial" charset="0"/>
-                <a:ea typeface="Arial" charset="0"/>
-                <a:cs typeface="Arial" charset="0"/>
-                <a:sym typeface="Cabin"/>
-              </a:rPr>
-              <a:t>Easy Install:</a:t>
-            </a:r>
-          </a:p>
-          <a:p>
-            <a:pPr lvl="0" algn="ctr" rtl="0">
-              <a:spcBef>
-                <a:spcPts val="0"/>
-              </a:spcBef>
-              <a:buClr>
-                <a:schemeClr val="lt1"/>
-              </a:buClr>
-              <a:buSzPct val="25000"/>
-              <a:buFont typeface="Cabin"/>
-              <a:buNone/>
-            </a:pPr>
-            <a:r>
-              <a:rPr lang="en-US" sz="3600" dirty="0" smtClean="0">
+              </a:rPr>
+              <a:t>https://</a:t>
+            </a:r>
+            <a:r>
+              <a:rPr lang="en-US" sz="2000" dirty="0" err="1">
                 <a:solidFill>
                   <a:srgbClr val="FFFF00"/>
                 </a:solidFill>
-                <a:latin typeface="Arial" charset="0"/>
-                <a:ea typeface="Arial" charset="0"/>
-                <a:cs typeface="Arial" charset="0"/>
-                <a:sym typeface="Cabin"/>
-              </a:rPr>
-              <a:t> </a:t>
-            </a:r>
-          </a:p>
-          <a:p>
-            <a:pPr lvl="0" algn="ctr" rtl="0">
-              <a:spcBef>
-                <a:spcPts val="0"/>
-              </a:spcBef>
-              <a:buClr>
-                <a:schemeClr val="lt1"/>
-              </a:buClr>
-              <a:buSzPct val="25000"/>
-              <a:buFont typeface="Cabin"/>
-              <a:buNone/>
-            </a:pPr>
-            <a:r>
-              <a:rPr lang="en-US" sz="3600" dirty="0" smtClean="0">
+              </a:rPr>
+              <a:t>www.crummy.com</a:t>
+            </a:r>
+            <a:r>
+              <a:rPr lang="en-US" sz="2000" dirty="0">
                 <a:solidFill>
                   <a:srgbClr val="FFFF00"/>
                 </a:solidFill>
-                <a:latin typeface="Arial" charset="0"/>
-                <a:ea typeface="Arial" charset="0"/>
-                <a:cs typeface="Arial" charset="0"/>
-                <a:sym typeface="Cabin"/>
-              </a:rPr>
-              <a:t>http</a:t>
-            </a:r>
-            <a:r>
-              <a:rPr lang="en-US" sz="3600" dirty="0">
+              </a:rPr>
+              <a:t>/software/</a:t>
+            </a:r>
+            <a:r>
+              <a:rPr lang="en-US" sz="2000" dirty="0" err="1">
                 <a:solidFill>
                   <a:srgbClr val="FFFF00"/>
                 </a:solidFill>
-                <a:latin typeface="Arial" charset="0"/>
-                <a:ea typeface="Arial" charset="0"/>
-                <a:cs typeface="Arial" charset="0"/>
-                <a:sym typeface="Cabin"/>
-              </a:rPr>
-              <a:t>://</a:t>
-            </a:r>
-            <a:r>
-              <a:rPr lang="en-US" sz="3600" dirty="0" smtClean="0">
+              </a:rPr>
+              <a:t>BeautifulSoup</a:t>
+            </a:r>
+            <a:r>
+              <a:rPr lang="en-US" sz="2000" dirty="0">
                 <a:solidFill>
                   <a:srgbClr val="FFFF00"/>
                 </a:solidFill>
-                <a:latin typeface="Arial" charset="0"/>
-                <a:ea typeface="Arial" charset="0"/>
-                <a:cs typeface="Arial" charset="0"/>
-                <a:sym typeface="Cabin"/>
-              </a:rPr>
-              <a:t>www.py4e.com/code3/</a:t>
-            </a:r>
-            <a:r>
-              <a:rPr lang="en-US" sz="3600" dirty="0" err="1" smtClean="0">
-                <a:solidFill>
-                  <a:srgbClr val="FFFF00"/>
-                </a:solidFill>
-                <a:latin typeface="Arial" charset="0"/>
-                <a:ea typeface="Arial" charset="0"/>
-                <a:cs typeface="Arial" charset="0"/>
-                <a:sym typeface="Cabin"/>
-              </a:rPr>
-              <a:t>BeautifulSoup.py</a:t>
-            </a:r>
-            <a:endParaRPr lang="en-US" sz="3600" dirty="0">
-              <a:solidFill>
-                <a:srgbClr val="FFFF00"/>
-              </a:solidFill>
-              <a:latin typeface="Arial" charset="0"/>
-              <a:ea typeface="Arial" charset="0"/>
-              <a:cs typeface="Arial" charset="0"/>
-              <a:sym typeface="Cabin"/>
-            </a:endParaRPr>
-          </a:p>
-          <a:p>
-            <a:pPr marL="0" marR="0" lvl="0" indent="0" algn="ctr" rtl="0">
-              <a:lnSpc>
-                <a:spcPct val="100000"/>
-              </a:lnSpc>
-              <a:spcBef>
-                <a:spcPts val="0"/>
-              </a:spcBef>
-              <a:spcAft>
-                <a:spcPts val="0"/>
-              </a:spcAft>
-              <a:buClr>
-                <a:srgbClr val="00FF00"/>
-              </a:buClr>
-              <a:buFont typeface="Cabin"/>
-              <a:buNone/>
-            </a:pPr>
-            <a:endParaRPr dirty="0">
-              <a:solidFill>
-                <a:srgbClr val="FFFF00"/>
-              </a:solidFill>
-            </a:endParaRPr>
-          </a:p>
-        </p:txBody>
-      </p:sp>
-      <p:sp>
-        <p:nvSpPr>
-          <p:cNvPr id="769" name="Shape 769"/>
-          <p:cNvSpPr txBox="1"/>
-          <p:nvPr/>
-        </p:nvSpPr>
-        <p:spPr>
-          <a:xfrm>
-            <a:off x="419101" y="7516025"/>
-            <a:ext cx="15836900" cy="660300"/>
-          </a:xfrm>
-          <a:prstGeom prst="rect">
-            <a:avLst/>
-          </a:prstGeom>
-          <a:noFill/>
-          <a:ln>
-            <a:noFill/>
-          </a:ln>
-        </p:spPr>
-        <p:txBody>
-          <a:bodyPr lIns="0" tIns="0" rIns="0" bIns="0" anchor="ctr" anchorCtr="0">
-            <a:noAutofit/>
-          </a:bodyPr>
-          <a:lstStyle/>
-          <a:p>
-            <a:pPr marL="0" marR="0" lvl="0" indent="0" algn="ctr" rtl="0">
-              <a:lnSpc>
-                <a:spcPct val="100000"/>
-              </a:lnSpc>
-              <a:spcBef>
-                <a:spcPts val="0"/>
-              </a:spcBef>
-              <a:spcAft>
-                <a:spcPts val="0"/>
-              </a:spcAft>
-              <a:buClr>
-                <a:srgbClr val="00FFFF"/>
-              </a:buClr>
-              <a:buSzPct val="25000"/>
-              <a:buFont typeface="Cabin"/>
-              <a:buNone/>
-            </a:pPr>
-            <a:r>
-              <a:rPr lang="en-US" sz="3800" u="none" strike="noStrike" cap="none" dirty="0">
-                <a:solidFill>
-                  <a:srgbClr val="FFFFFF"/>
-                </a:solidFill>
-                <a:latin typeface="Arial" charset="0"/>
-                <a:ea typeface="Arial" charset="0"/>
-                <a:cs typeface="Arial" charset="0"/>
-                <a:sym typeface="Cabin"/>
-              </a:rPr>
-              <a:t>Place the </a:t>
-            </a:r>
-            <a:r>
-              <a:rPr lang="en-US" sz="3800" u="none" strike="noStrike" cap="none" dirty="0" err="1">
-                <a:solidFill>
-                  <a:srgbClr val="00FF00"/>
-                </a:solidFill>
-                <a:latin typeface="Arial" charset="0"/>
-                <a:ea typeface="Arial" charset="0"/>
-                <a:cs typeface="Arial" charset="0"/>
-                <a:sym typeface="Cabin"/>
-              </a:rPr>
-              <a:t>BeautifulSoup.py</a:t>
-            </a:r>
-            <a:r>
-              <a:rPr lang="en-US" sz="3800" u="none" strike="noStrike" cap="none" dirty="0">
-                <a:solidFill>
-                  <a:srgbClr val="FFFFFF"/>
-                </a:solidFill>
-                <a:latin typeface="Arial" charset="0"/>
-                <a:ea typeface="Arial" charset="0"/>
-                <a:cs typeface="Arial" charset="0"/>
-                <a:sym typeface="Cabin"/>
-              </a:rPr>
-              <a:t> file in the same folder as your Python code...</a:t>
+              </a:rPr>
+              <a:t>/</a:t>
             </a:r>
           </a:p>
         </p:txBody>
@@ -28733,6 +28756,13 @@
   <p:clrMapOvr>
     <a:masterClrMapping/>
   </p:clrMapOvr>
+  <p:timing>
+    <p:tnLst>
+      <p:par>
+        <p:cTn id="1" dur="indefinite" restart="never" nodeType="tmRoot"/>
+      </p:par>
+    </p:tnLst>
+  </p:timing>
 </p:sld>
 </file>
 
@@ -28761,8 +28791,8 @@
         </p:nvSpPr>
         <p:spPr>
           <a:xfrm>
-            <a:off x="1727200" y="1001486"/>
-            <a:ext cx="13639799" cy="7163025"/>
+            <a:off x="1709270" y="2795483"/>
+            <a:ext cx="13639799" cy="5624612"/>
           </a:xfrm>
           <a:prstGeom prst="rect">
             <a:avLst/>
@@ -28779,7 +28809,7 @@
           <a:lstStyle/>
           <a:p>
             <a:r>
-              <a:rPr lang="en-US" sz="3200" b="1" dirty="0">
+              <a:rPr lang="en-US" sz="2800" b="1" dirty="0">
                 <a:solidFill>
                   <a:schemeClr val="bg1"/>
                 </a:solidFill>
@@ -28790,7 +28820,7 @@
               <a:t># To run this, you can install </a:t>
             </a:r>
             <a:r>
-              <a:rPr lang="en-US" sz="3200" b="1" dirty="0" err="1">
+              <a:rPr lang="en-US" sz="2800" b="1" dirty="0" err="1">
                 <a:solidFill>
                   <a:schemeClr val="bg1"/>
                 </a:solidFill>
@@ -28800,7 +28830,7 @@
               </a:rPr>
               <a:t>BeautifulSoup</a:t>
             </a:r>
-            <a:endParaRPr lang="en-US" sz="3200" b="1" dirty="0">
+            <a:endParaRPr lang="en-US" sz="2800" b="1" dirty="0">
               <a:solidFill>
                 <a:schemeClr val="bg1"/>
               </a:solidFill>
@@ -28811,7 +28841,7 @@
           </a:p>
           <a:p>
             <a:r>
-              <a:rPr lang="en-US" sz="3200" b="1" dirty="0">
+              <a:rPr lang="en-US" sz="2800" b="1" dirty="0">
                 <a:solidFill>
                   <a:schemeClr val="bg1"/>
                 </a:solidFill>
@@ -28822,7 +28852,7 @@
               <a:t># https://</a:t>
             </a:r>
             <a:r>
-              <a:rPr lang="en-US" sz="3200" b="1" dirty="0" err="1">
+              <a:rPr lang="en-US" sz="2800" b="1" dirty="0" err="1">
                 <a:solidFill>
                   <a:schemeClr val="bg1"/>
                 </a:solidFill>
@@ -28833,7 +28863,7 @@
               <a:t>pypi.python.org</a:t>
             </a:r>
             <a:r>
-              <a:rPr lang="en-US" sz="3200" b="1" dirty="0">
+              <a:rPr lang="en-US" sz="2800" b="1" dirty="0">
                 <a:solidFill>
                   <a:schemeClr val="bg1"/>
                 </a:solidFill>
@@ -28844,7 +28874,7 @@
               <a:t>/</a:t>
             </a:r>
             <a:r>
-              <a:rPr lang="en-US" sz="3200" b="1" dirty="0" err="1">
+              <a:rPr lang="en-US" sz="2800" b="1" dirty="0" err="1">
                 <a:solidFill>
                   <a:schemeClr val="bg1"/>
                 </a:solidFill>
@@ -28855,7 +28885,7 @@
               <a:t>pypi</a:t>
             </a:r>
             <a:r>
-              <a:rPr lang="en-US" sz="3200" b="1" dirty="0">
+              <a:rPr lang="en-US" sz="2800" b="1" dirty="0">
                 <a:solidFill>
                   <a:schemeClr val="bg1"/>
                 </a:solidFill>
@@ -28867,7 +28897,7 @@
             </a:r>
           </a:p>
           <a:p>
-            <a:endParaRPr lang="en-US" sz="3200" b="1" dirty="0">
+            <a:endParaRPr lang="en-US" sz="2800" b="1" dirty="0">
               <a:solidFill>
                 <a:schemeClr val="bg1"/>
               </a:solidFill>
@@ -28878,7 +28908,7 @@
           </a:p>
           <a:p>
             <a:r>
-              <a:rPr lang="en-US" sz="3200" b="1" dirty="0">
+              <a:rPr lang="en-US" sz="2800" b="1" dirty="0">
                 <a:solidFill>
                   <a:schemeClr val="bg1"/>
                 </a:solidFill>
@@ -28891,7 +28921,7 @@
           </a:p>
           <a:p>
             <a:r>
-              <a:rPr lang="en-US" sz="3200" b="1" dirty="0">
+              <a:rPr lang="en-US" sz="2800" b="1" dirty="0">
                 <a:solidFill>
                   <a:schemeClr val="bg1"/>
                 </a:solidFill>
@@ -28904,7 +28934,7 @@
           </a:p>
           <a:p>
             <a:r>
-              <a:rPr lang="en-US" sz="3200" b="1" dirty="0">
+              <a:rPr lang="en-US" sz="2800" b="1" dirty="0">
                 <a:solidFill>
                   <a:schemeClr val="bg1"/>
                 </a:solidFill>
@@ -28916,7 +28946,7 @@
             </a:r>
           </a:p>
           <a:p>
-            <a:endParaRPr lang="en-US" sz="3200" b="1" dirty="0" smtClean="0">
+            <a:endParaRPr lang="en-US" sz="2800" b="1" dirty="0" smtClean="0">
               <a:solidFill>
                 <a:schemeClr val="bg1"/>
               </a:solidFill>
@@ -28927,7 +28957,7 @@
           </a:p>
           <a:p>
             <a:r>
-              <a:rPr lang="en-US" sz="3200" b="1" dirty="0" smtClean="0">
+              <a:rPr lang="en-US" sz="2800" b="1" dirty="0" smtClean="0">
                 <a:solidFill>
                   <a:schemeClr val="bg1"/>
                 </a:solidFill>
@@ -28938,7 +28968,7 @@
               <a:t>import </a:t>
             </a:r>
             <a:r>
-              <a:rPr lang="en-US" sz="3200" b="1" dirty="0" err="1">
+              <a:rPr lang="en-US" sz="2800" b="1" dirty="0" err="1">
                 <a:solidFill>
                   <a:schemeClr val="bg1"/>
                 </a:solidFill>
@@ -28949,7 +28979,7 @@
               <a:t>urllib.request</a:t>
             </a:r>
             <a:r>
-              <a:rPr lang="en-US" sz="3200" b="1" dirty="0">
+              <a:rPr lang="en-US" sz="2800" b="1" dirty="0">
                 <a:solidFill>
                   <a:schemeClr val="bg1"/>
                 </a:solidFill>
@@ -28960,7 +28990,7 @@
               <a:t>, </a:t>
             </a:r>
             <a:r>
-              <a:rPr lang="en-US" sz="3200" b="1" dirty="0" err="1">
+              <a:rPr lang="en-US" sz="2800" b="1" dirty="0" err="1">
                 <a:solidFill>
                   <a:schemeClr val="bg1"/>
                 </a:solidFill>
@@ -28971,7 +29001,7 @@
               <a:t>urllib.parse</a:t>
             </a:r>
             <a:r>
-              <a:rPr lang="en-US" sz="3200" b="1" dirty="0">
+              <a:rPr lang="en-US" sz="2800" b="1" dirty="0">
                 <a:solidFill>
                   <a:schemeClr val="bg1"/>
                 </a:solidFill>
@@ -28982,7 +29012,7 @@
               <a:t>, </a:t>
             </a:r>
             <a:r>
-              <a:rPr lang="en-US" sz="3200" b="1" dirty="0" err="1">
+              <a:rPr lang="en-US" sz="2800" b="1" dirty="0" err="1">
                 <a:solidFill>
                   <a:schemeClr val="bg1"/>
                 </a:solidFill>
@@ -28992,7 +29022,7 @@
               </a:rPr>
               <a:t>urllib.error</a:t>
             </a:r>
-            <a:endParaRPr lang="en-US" sz="3200" b="1" dirty="0">
+            <a:endParaRPr lang="en-US" sz="2800" b="1" dirty="0">
               <a:solidFill>
                 <a:schemeClr val="bg1"/>
               </a:solidFill>
@@ -29003,7 +29033,7 @@
           </a:p>
           <a:p>
             <a:r>
-              <a:rPr lang="en-US" sz="3200" b="1" dirty="0">
+              <a:rPr lang="en-US" sz="2800" b="1" dirty="0">
                 <a:solidFill>
                   <a:schemeClr val="bg1"/>
                 </a:solidFill>
@@ -29014,7 +29044,7 @@
               <a:t>from bs4 import </a:t>
             </a:r>
             <a:r>
-              <a:rPr lang="en-US" sz="3200" b="1" dirty="0" err="1">
+              <a:rPr lang="en-US" sz="2800" b="1" dirty="0" err="1">
                 <a:solidFill>
                   <a:schemeClr val="bg1"/>
                 </a:solidFill>
@@ -29024,7 +29054,7 @@
               </a:rPr>
               <a:t>BeautifulSoup</a:t>
             </a:r>
-            <a:endParaRPr lang="en-US" sz="3200" b="1" dirty="0">
+            <a:endParaRPr lang="en-US" sz="2800" b="1" dirty="0">
               <a:solidFill>
                 <a:schemeClr val="bg1"/>
               </a:solidFill>
@@ -29034,7 +29064,7 @@
             </a:endParaRPr>
           </a:p>
           <a:p>
-            <a:endParaRPr lang="en-US" sz="3200" b="1" dirty="0">
+            <a:endParaRPr lang="en-US" sz="2800" b="1" dirty="0">
               <a:solidFill>
                 <a:schemeClr val="bg1"/>
               </a:solidFill>
@@ -29045,7 +29075,7 @@
           </a:p>
           <a:p>
             <a:r>
-              <a:rPr lang="en-US" sz="3200" b="1" dirty="0" smtClean="0">
+              <a:rPr lang="en-US" sz="2800" b="1" dirty="0" smtClean="0">
                 <a:solidFill>
                   <a:schemeClr val="bg1"/>
                 </a:solidFill>
@@ -29055,7 +29085,7 @@
               </a:rPr>
               <a:t>...</a:t>
             </a:r>
-            <a:endParaRPr lang="en-US" sz="3000" b="1" u="none" strike="noStrike" cap="none" dirty="0">
+            <a:endParaRPr lang="en-US" sz="2800" b="1" u="none" strike="noStrike" cap="none" dirty="0">
               <a:solidFill>
                 <a:schemeClr val="bg1"/>
               </a:solidFill>
@@ -29133,11 +29163,57 @@
           </a:p>
         </p:txBody>
       </p:sp>
+      <p:sp>
+        <p:nvSpPr>
+          <p:cNvPr id="2" name="Title 1"/>
+          <p:cNvSpPr>
+            <a:spLocks noGrp="1"/>
+          </p:cNvSpPr>
+          <p:nvPr>
+            <p:ph type="title"/>
+          </p:nvPr>
+        </p:nvSpPr>
+        <p:spPr/>
+        <p:txBody>
+          <a:bodyPr/>
+          <a:lstStyle/>
+          <a:p>
+            <a:r>
+              <a:rPr lang="en-US" sz="6000" dirty="0" err="1" smtClean="0">
+                <a:solidFill>
+                  <a:srgbClr val="FFFF00"/>
+                </a:solidFill>
+              </a:rPr>
+              <a:t>BeautifulSoup</a:t>
+            </a:r>
+            <a:r>
+              <a:rPr lang="en-US" sz="6000" dirty="0" smtClean="0">
+                <a:solidFill>
+                  <a:srgbClr val="FFFF00"/>
+                </a:solidFill>
+              </a:rPr>
+              <a:t> Installation</a:t>
+            </a:r>
+            <a:endParaRPr lang="en-US" sz="6000" dirty="0">
+              <a:solidFill>
+                <a:srgbClr val="FFFF00"/>
+              </a:solidFill>
+            </a:endParaRPr>
+          </a:p>
+        </p:txBody>
+      </p:sp>
     </p:spTree>
   </p:cSld>
   <p:clrMapOvr>
     <a:masterClrMapping/>
   </p:clrMapOvr>
+  <p:timing>
+    <p:tnLst>
+      <p:par>
+        <p:cTn id="1" dur="indefinite" restart="never" nodeType="tmRoot"/>
+      </p:par>
+    </p:tnLst>
+  </p:timing>
 </p:sld>
 </file>
 
@@ -29780,6 +29856,13 @@
   <p:clrMapOvr>
     <a:masterClrMapping/>
   </p:clrMapOvr>
+  <p:timing>
+    <p:tnLst>
+      <p:par>
+        <p:cTn id="1" dur="indefinite" restart="never" nodeType="tmRoot"/>
+      </p:par>
+    </p:tnLst>
+  </p:timing>
 </p:sld>
 </file>
 
@@ -30032,6 +30115,13 @@
   <p:clrMapOvr>
     <a:masterClrMapping/>
   </p:clrMapOvr>
+  <p:timing>
+    <p:tnLst>
+      <p:par>
+        <p:cTn id="1" dur="indefinite" restart="never" nodeType="tmRoot"/>
+      </p:par>
+    </p:tnLst>
+  </p:timing>
 </p:sld>
 </file>
 
@@ -30467,6 +30557,13 @@
   <p:clrMapOvr>
     <a:masterClrMapping/>
   </p:clrMapOvr>
+  <p:timing>
+    <p:tnLst>
+      <p:par>
+        <p:cTn id="1" dur="indefinite" restart="never" nodeType="tmRoot"/>
+      </p:par>
+    </p:tnLst>
+  </p:timing>
 </p:sld>
 </file>
 
@@ -30764,6 +30861,13 @@
   <p:clrMapOvr>
     <a:masterClrMapping/>
   </p:clrMapOvr>
+  <p:timing>
+    <p:tnLst>
+      <p:par>
+        <p:cTn id="1" dur="indefinite" restart="never" nodeType="tmRoot"/>
+      </p:par>
+    </p:tnLst>
+  </p:timing>
 </p:sld>
 </file>
 
@@ -30972,6 +31076,13 @@
   <p:clrMapOvr>
     <a:masterClrMapping/>
   </p:clrMapOvr>
+  <p:timing>
+    <p:tnLst>
+      <p:par>
+        <p:cTn id="1" dur="indefinite" restart="never" nodeType="tmRoot"/>
+      </p:par>
+    </p:tnLst>
+  </p:timing>
 </p:sld>
 </file>
 
@@ -31571,6 +31682,13 @@
   <p:clrMapOvr>
     <a:masterClrMapping/>
   </p:clrMapOvr>
+  <p:timing>
+    <p:tnLst>
+      <p:par>
+        <p:cTn id="1" dur="indefinite" restart="never" nodeType="tmRoot"/>
+      </p:par>
+    </p:tnLst>
+  </p:timing>
 </p:sld>
 </file>
 
@@ -31919,6 +32037,13 @@
   <p:clrMapOvr>
     <a:masterClrMapping/>
   </p:clrMapOvr>
+  <p:timing>
+    <p:tnLst>
+      <p:par>
+        <p:cTn id="1" dur="indefinite" restart="never" nodeType="tmRoot"/>
+      </p:par>
+    </p:tnLst>
+  </p:timing>
 </p:sld>
 </file>
 
@@ -34024,6 +34149,13 @@
   <p:clrMapOvr>
     <a:masterClrMapping/>
   </p:clrMapOvr>
+  <p:timing>
+    <p:tnLst>
+      <p:par>
+        <p:cTn id="1" dur="indefinite" restart="never" nodeType="tmRoot"/>
+      </p:par>
+    </p:tnLst>
+  </p:timing>
 </p:sld>
 </file>
 

--- a/lectures3/Pythonlearn-12-HTTP.pptx
+++ b/lectures3/Pythonlearn-12-HTTP.pptx
@@ -945,13 +945,50 @@
               <a:buNone/>
             </a:pPr>
             <a:r>
+              <a:rPr lang="en-US" dirty="0">
+                <a:solidFill>
+                  <a:schemeClr val="dk2"/>
+                </a:solidFill>
+              </a:rPr>
+              <a:t>Note from Chuck.  If you are using these materials, you can remove the UM logo and replace it with your own, but please retain the CC-BY logo on the first page as well </a:t>
+            </a:r>
+            <a:r>
               <a:rPr lang="en-US">
                 <a:solidFill>
                   <a:schemeClr val="dk2"/>
                 </a:solidFill>
               </a:rPr>
-              <a:t>Note from Chuck.  If you are using these materials, you can remove the UM logo and replace it with your own, but please retain the CC-BY logo on the first page as well as retain the entire last page.</a:t>
-            </a:r>
+              <a:t>as </a:t>
+            </a:r>
+            <a:r>
+              <a:rPr lang="en-US" smtClean="0">
+                <a:solidFill>
+                  <a:schemeClr val="dk2"/>
+                </a:solidFill>
+              </a:rPr>
+              <a:t>the</a:t>
+            </a:r>
+            <a:r>
+              <a:rPr lang="en-US" baseline="0" smtClean="0">
+                <a:solidFill>
+                  <a:schemeClr val="dk2"/>
+                </a:solidFill>
+              </a:rPr>
+              <a:t> acknowledgement page(s) at the end</a:t>
+            </a:r>
+            <a:r>
+              <a:rPr lang="en-US" smtClean="0">
+                <a:solidFill>
+                  <a:schemeClr val="dk2"/>
+                </a:solidFill>
+              </a:rPr>
+              <a:t>.</a:t>
+            </a:r>
+            <a:endParaRPr lang="en-US" dirty="0">
+              <a:solidFill>
+                <a:schemeClr val="dk2"/>
+              </a:solidFill>
+            </a:endParaRPr>
           </a:p>
         </p:txBody>
       </p:sp>
